--- a/O3654-6 Deep dive into native Xamarin Development with Office 365 APIs/O3654-6 Deep dive into native Xamarin Development with Office 365 APIs.pptx
+++ b/O3654-6 Deep dive into native Xamarin Development with Office 365 APIs/O3654-6 Deep dive into native Xamarin Development with Office 365 APIs.pptx
@@ -6,10 +6,10 @@
     <p:sldMasterId id="2147484046" r:id="rId5"/>
   </p:sldMasterIdLst>
   <p:notesMasterIdLst>
-    <p:notesMasterId r:id="rId46"/>
+    <p:notesMasterId r:id="rId45"/>
   </p:notesMasterIdLst>
   <p:handoutMasterIdLst>
-    <p:handoutMasterId r:id="rId47"/>
+    <p:handoutMasterId r:id="rId46"/>
   </p:handoutMasterIdLst>
   <p:sldIdLst>
     <p:sldId id="778" r:id="rId6"/>
@@ -18,40 +18,39 @@
     <p:sldId id="788" r:id="rId9"/>
     <p:sldId id="783" r:id="rId10"/>
     <p:sldId id="913" r:id="rId11"/>
-    <p:sldId id="909" r:id="rId12"/>
-    <p:sldId id="917" r:id="rId13"/>
-    <p:sldId id="918" r:id="rId14"/>
-    <p:sldId id="919" r:id="rId15"/>
-    <p:sldId id="920" r:id="rId16"/>
-    <p:sldId id="926" r:id="rId17"/>
-    <p:sldId id="921" r:id="rId18"/>
-    <p:sldId id="914" r:id="rId19"/>
-    <p:sldId id="916" r:id="rId20"/>
-    <p:sldId id="905" r:id="rId21"/>
-    <p:sldId id="922" r:id="rId22"/>
-    <p:sldId id="904" r:id="rId23"/>
-    <p:sldId id="928" r:id="rId24"/>
-    <p:sldId id="929" r:id="rId25"/>
-    <p:sldId id="930" r:id="rId26"/>
-    <p:sldId id="931" r:id="rId27"/>
-    <p:sldId id="923" r:id="rId28"/>
-    <p:sldId id="893" r:id="rId29"/>
-    <p:sldId id="891" r:id="rId30"/>
-    <p:sldId id="894" r:id="rId31"/>
-    <p:sldId id="933" r:id="rId32"/>
-    <p:sldId id="908" r:id="rId33"/>
-    <p:sldId id="934" r:id="rId34"/>
-    <p:sldId id="906" r:id="rId35"/>
-    <p:sldId id="936" r:id="rId36"/>
-    <p:sldId id="935" r:id="rId37"/>
-    <p:sldId id="924" r:id="rId38"/>
-    <p:sldId id="940" r:id="rId39"/>
-    <p:sldId id="937" r:id="rId40"/>
-    <p:sldId id="938" r:id="rId41"/>
-    <p:sldId id="939" r:id="rId42"/>
-    <p:sldId id="941" r:id="rId43"/>
-    <p:sldId id="925" r:id="rId44"/>
-    <p:sldId id="654" r:id="rId45"/>
+    <p:sldId id="918" r:id="rId12"/>
+    <p:sldId id="919" r:id="rId13"/>
+    <p:sldId id="917" r:id="rId14"/>
+    <p:sldId id="920" r:id="rId15"/>
+    <p:sldId id="926" r:id="rId16"/>
+    <p:sldId id="921" r:id="rId17"/>
+    <p:sldId id="914" r:id="rId18"/>
+    <p:sldId id="916" r:id="rId19"/>
+    <p:sldId id="905" r:id="rId20"/>
+    <p:sldId id="922" r:id="rId21"/>
+    <p:sldId id="904" r:id="rId22"/>
+    <p:sldId id="928" r:id="rId23"/>
+    <p:sldId id="929" r:id="rId24"/>
+    <p:sldId id="930" r:id="rId25"/>
+    <p:sldId id="931" r:id="rId26"/>
+    <p:sldId id="923" r:id="rId27"/>
+    <p:sldId id="893" r:id="rId28"/>
+    <p:sldId id="891" r:id="rId29"/>
+    <p:sldId id="894" r:id="rId30"/>
+    <p:sldId id="933" r:id="rId31"/>
+    <p:sldId id="908" r:id="rId32"/>
+    <p:sldId id="934" r:id="rId33"/>
+    <p:sldId id="906" r:id="rId34"/>
+    <p:sldId id="936" r:id="rId35"/>
+    <p:sldId id="935" r:id="rId36"/>
+    <p:sldId id="924" r:id="rId37"/>
+    <p:sldId id="942" r:id="rId38"/>
+    <p:sldId id="944" r:id="rId39"/>
+    <p:sldId id="938" r:id="rId40"/>
+    <p:sldId id="943" r:id="rId41"/>
+    <p:sldId id="941" r:id="rId42"/>
+    <p:sldId id="925" r:id="rId43"/>
+    <p:sldId id="654" r:id="rId44"/>
   </p:sldIdLst>
   <p:sldSz cx="12188825" cy="6858000"/>
   <p:notesSz cx="6858000" cy="9144000"/>
@@ -268,6 +267,43 @@
 </p:presentation>
 </file>
 
+<file path=ppt/commentAuthors.xml><?xml version="1.0" encoding="utf-8"?>
+<p:cmAuthorLst xmlns:a="http://schemas.openxmlformats.org/drawingml/2006/main" xmlns:r="http://schemas.openxmlformats.org/officeDocument/2006/relationships" xmlns:p="http://schemas.openxmlformats.org/presentationml/2006/main">
+  <p:cmAuthor id="2" name="Author" initials="A" lastIdx="2" clrIdx="1"/>
+</p:cmAuthorLst>
+</file>
+
+<file path=ppt/comments/comment1.xml><?xml version="1.0" encoding="utf-8"?>
+<p:cmLst xmlns:a="http://schemas.openxmlformats.org/drawingml/2006/main" xmlns:r="http://schemas.openxmlformats.org/officeDocument/2006/relationships" xmlns:p="http://schemas.openxmlformats.org/presentationml/2006/main">
+  <p:cm authorId="2" dt="2014-10-01T15:03:50.661" idx="1">
+    <p:pos x="7012" y="911"/>
+    <p:text>I think we shouldn't concentrate on this topic here. Slide 10 already says that it is a commercial product. Lets focus on what actually Xamarin is here.</p:text>
+    <p:extLst>
+      <p:ext uri="{C676402C-5697-4E1C-873F-D02D1690AC5C}">
+        <p15:threadingInfo xmlns:p15="http://schemas.microsoft.com/office/powerpoint/2012/main" timeZoneBias="420"/>
+      </p:ext>
+    </p:extLst>
+  </p:cm>
+</p:cmLst>
+</file>
+
+<file path=ppt/comments/comment2.xml><?xml version="1.0" encoding="utf-8"?>
+<p:cmLst xmlns:a="http://schemas.openxmlformats.org/drawingml/2006/main" xmlns:r="http://schemas.openxmlformats.org/officeDocument/2006/relationships" xmlns:p="http://schemas.openxmlformats.org/presentationml/2006/main">
+  <p:cm authorId="2" dt="2014-10-01T15:10:13.783" idx="2">
+    <p:pos x="6912" y="148"/>
+    <p:text>It would be helpful to add few comments on how to make the android emulator faster.
+- Install the Intel HAX module
+- Disable Hyper-V to make the emulator faster or have a boot option that will boot into Windows without Hyper-V (http://serena-yeoh.blogspot.com/2014/02/boost-performance-of-android-emulator.html)
+- Also have the option to install 3rd party emulators like Genymotion</p:text>
+    <p:extLst>
+      <p:ext uri="{C676402C-5697-4E1C-873F-D02D1690AC5C}">
+        <p15:threadingInfo xmlns:p15="http://schemas.microsoft.com/office/powerpoint/2012/main" timeZoneBias="420"/>
+      </p:ext>
+    </p:extLst>
+  </p:cm>
+</p:cmLst>
+</file>
+
 <file path=ppt/handoutMasters/handoutMaster1.xml><?xml version="1.0" encoding="utf-8"?>
 <p:handoutMaster xmlns:a="http://schemas.openxmlformats.org/drawingml/2006/main" xmlns:r="http://schemas.openxmlformats.org/officeDocument/2006/relationships" xmlns:p="http://schemas.openxmlformats.org/presentationml/2006/main">
   <p:cSld>
@@ -354,7 +390,7 @@
           <a:p>
             <a:fld id="{DE219B1A-AE41-483B-A766-69B9363DDA6A}" type="datetimeFigureOut">
               <a:rPr lang="en-US" smtClean="0"/>
-              <a:t>10/1/2014</a:t>
+              <a:t>10/2/2014</a:t>
             </a:fld>
             <a:endParaRPr lang="en-US"/>
           </a:p>
@@ -636,7 +672,7 @@
           <a:p>
             <a:fld id="{D51B1278-D92B-4AF3-A9C1-71DD298190CE}" type="datetimeFigureOut">
               <a:rPr lang="en-US" smtClean="0"/>
-              <a:t>10/1/2014</a:t>
+              <a:t>10/2/2014</a:t>
             </a:fld>
             <a:endParaRPr lang="en-US"/>
           </a:p>
@@ -1271,7 +1307,7 @@
           <a:p>
             <a:fld id="{B079C3B8-7366-4A44-A34B-3977080C19E7}" type="datetime1">
               <a:rPr lang="en-US" smtClean="0"/>
-              <a:t>10/1/2014</a:t>
+              <a:t>10/2/2014</a:t>
             </a:fld>
             <a:endParaRPr lang="en-US" dirty="0"/>
           </a:p>
@@ -1402,7 +1438,7 @@
           <a:p>
             <a:fld id="{AC40D553-C046-4F19-92B4-3645428110C2}" type="datetime1">
               <a:rPr lang="en-US" smtClean="0"/>
-              <a:t>10/1/2014</a:t>
+              <a:t>10/2/2014</a:t>
             </a:fld>
             <a:endParaRPr lang="en-US"/>
           </a:p>
@@ -1425,7 +1461,7 @@
           <a:p>
             <a:fld id="{B4008EB6-D09E-4580-8CD6-DDB14511944F}" type="slidenum">
               <a:rPr lang="en-US" smtClean="0"/>
-              <a:t>9</a:t>
+              <a:t>7</a:t>
             </a:fld>
             <a:endParaRPr lang="en-US" dirty="0"/>
           </a:p>
@@ -1608,7 +1644,7 @@
           <a:p>
             <a:fld id="{4D74FDF0-D6CC-4F2E-9835-4D446E7809F9}" type="datetime1">
               <a:rPr lang="en-US" smtClean="0"/>
-              <a:t>10/1/2014</a:t>
+              <a:t>10/2/2014</a:t>
             </a:fld>
             <a:endParaRPr lang="en-US"/>
           </a:p>
@@ -1631,7 +1667,7 @@
           <a:p>
             <a:fld id="{B4008EB6-D09E-4580-8CD6-DDB14511944F}" type="slidenum">
               <a:rPr lang="en-US" smtClean="0"/>
-              <a:t>26</a:t>
+              <a:t>25</a:t>
             </a:fld>
             <a:endParaRPr lang="en-US" dirty="0"/>
           </a:p>
@@ -1814,7 +1850,7 @@
           <a:p>
             <a:fld id="{4D74FDF0-D6CC-4F2E-9835-4D446E7809F9}" type="datetime1">
               <a:rPr lang="en-US" smtClean="0"/>
-              <a:t>10/1/2014</a:t>
+              <a:t>10/2/2014</a:t>
             </a:fld>
             <a:endParaRPr lang="en-US"/>
           </a:p>
@@ -1837,7 +1873,7 @@
           <a:p>
             <a:fld id="{B4008EB6-D09E-4580-8CD6-DDB14511944F}" type="slidenum">
               <a:rPr lang="en-US" smtClean="0"/>
-              <a:t>27</a:t>
+              <a:t>26</a:t>
             </a:fld>
             <a:endParaRPr lang="en-US" dirty="0"/>
           </a:p>
@@ -2074,7 +2110,7 @@
           <a:p>
             <a:fld id="{B079C3B8-7366-4A44-A34B-3977080C19E7}" type="datetime1">
               <a:rPr lang="en-US" smtClean="0"/>
-              <a:t>10/1/2014</a:t>
+              <a:t>10/2/2014</a:t>
             </a:fld>
             <a:endParaRPr lang="en-US" dirty="0"/>
           </a:p>
@@ -2098,7 +2134,7 @@
             <a:fld id="{B4008EB6-D09E-4580-8CD6-DDB14511944F}" type="slidenum">
               <a:rPr lang="en-US" smtClean="0"/>
               <a:pPr/>
-              <a:t>39</a:t>
+              <a:t>38</a:t>
             </a:fld>
             <a:endParaRPr lang="en-US" dirty="0"/>
           </a:p>
@@ -2316,7 +2352,7 @@
           <a:p>
             <a:fld id="{0BB6559B-C68D-49B4-97AE-9BB74C417927}" type="datetime1">
               <a:rPr lang="en-US" smtClean="0"/>
-              <a:t>10/1/2014</a:t>
+              <a:t>10/2/2014</a:t>
             </a:fld>
             <a:endParaRPr lang="en-US"/>
           </a:p>
@@ -2339,7 +2375,7 @@
           <a:p>
             <a:fld id="{B4008EB6-D09E-4580-8CD6-DDB14511944F}" type="slidenum">
               <a:rPr lang="en-US" smtClean="0"/>
-              <a:t>40</a:t>
+              <a:t>39</a:t>
             </a:fld>
             <a:endParaRPr lang="en-US" dirty="0"/>
           </a:p>
@@ -12238,1540 +12274,6 @@
           <a:p>
             <a:r>
               <a:rPr lang="en-US" dirty="0" smtClean="0"/>
-              <a:t>The Xamarin Platform</a:t>
-            </a:r>
-            <a:endParaRPr lang="en-US" dirty="0"/>
-          </a:p>
-        </p:txBody>
-      </p:sp>
-      <p:sp>
-        <p:nvSpPr>
-          <p:cNvPr id="3" name="Text Placeholder 2"/>
-          <p:cNvSpPr>
-            <a:spLocks noGrp="1"/>
-          </p:cNvSpPr>
-          <p:nvPr>
-            <p:ph type="body" sz="quarter" idx="10"/>
-          </p:nvPr>
-        </p:nvSpPr>
-        <p:spPr/>
-        <p:txBody>
-          <a:bodyPr/>
-          <a:lstStyle/>
-          <a:p>
-            <a:r>
-              <a:rPr lang="en-US" dirty="0" err="1" smtClean="0"/>
-              <a:t>Xamarin’s</a:t>
-            </a:r>
-            <a:r>
-              <a:rPr lang="en-US" dirty="0" smtClean="0"/>
-              <a:t> mission is to make Mono successful</a:t>
-            </a:r>
-          </a:p>
-          <a:p>
-            <a:pPr lvl="1"/>
-            <a:r>
-              <a:rPr lang="en-US" dirty="0" smtClean="0"/>
-              <a:t>Use of Xamarin involves licensing fees</a:t>
-            </a:r>
-          </a:p>
-          <a:p>
-            <a:pPr lvl="1"/>
-            <a:r>
-              <a:rPr lang="en-US" dirty="0" smtClean="0"/>
-              <a:t>Xamarin </a:t>
-            </a:r>
-            <a:r>
-              <a:rPr lang="en-US" dirty="0" smtClean="0"/>
-              <a:t>continually invests to keep update-to-date versions </a:t>
-            </a:r>
-            <a:r>
-              <a:rPr lang="en-US" dirty="0" smtClean="0"/>
-              <a:t>of CLR and .NET</a:t>
-            </a:r>
-            <a:endParaRPr lang="en-US" dirty="0"/>
-          </a:p>
-        </p:txBody>
-      </p:sp>
-      <p:sp>
-        <p:nvSpPr>
-          <p:cNvPr id="5" name="Rounded Rectangle 4"/>
-          <p:cNvSpPr/>
-          <p:nvPr/>
-        </p:nvSpPr>
-        <p:spPr bwMode="auto">
-          <a:xfrm>
-            <a:off x="390526" y="2963917"/>
-            <a:ext cx="11445765" cy="3762703"/>
-          </a:xfrm>
-          <a:prstGeom prst="roundRect">
-            <a:avLst>
-              <a:gd name="adj" fmla="val 7170"/>
-            </a:avLst>
-          </a:prstGeom>
-          <a:solidFill>
-            <a:schemeClr val="bg1"/>
-          </a:solidFill>
-          <a:ln>
-            <a:solidFill>
-              <a:schemeClr val="bg1">
-                <a:lumMod val="75000"/>
-              </a:schemeClr>
-            </a:solidFill>
-            <a:headEnd type="none" w="med" len="med"/>
-            <a:tailEnd type="none" w="med" len="med"/>
-          </a:ln>
-          <a:effectLst/>
-        </p:spPr>
-        <p:style>
-          <a:lnRef idx="1">
-            <a:schemeClr val="accent2"/>
-          </a:lnRef>
-          <a:fillRef idx="3">
-            <a:schemeClr val="accent2"/>
-          </a:fillRef>
-          <a:effectRef idx="2">
-            <a:schemeClr val="accent2"/>
-          </a:effectRef>
-          <a:fontRef idx="minor">
-            <a:schemeClr val="lt1"/>
-          </a:fontRef>
-        </p:style>
-        <p:txBody>
-          <a:bodyPr rot="0" spcFirstLastPara="0" vertOverflow="overflow" horzOverflow="overflow" vert="horz" wrap="square" lIns="45720" tIns="45720" rIns="45720" bIns="45720" numCol="1" spcCol="0" rtlCol="0" fromWordArt="0" anchor="ctr" anchorCtr="0" forceAA="0" compatLnSpc="1">
-            <a:prstTxWarp prst="textNoShape">
-              <a:avLst/>
-            </a:prstTxWarp>
-            <a:noAutofit/>
-          </a:bodyPr>
-          <a:lstStyle/>
-          <a:p>
-            <a:pPr algn="ctr" defTabSz="914099" fontAlgn="base">
-              <a:spcBef>
-                <a:spcPct val="0"/>
-              </a:spcBef>
-              <a:spcAft>
-                <a:spcPct val="0"/>
-              </a:spcAft>
-            </a:pPr>
-            <a:endParaRPr lang="en-US" sz="2200" dirty="0" smtClean="0">
-              <a:gradFill>
-                <a:gsLst>
-                  <a:gs pos="0">
-                    <a:srgbClr val="FFFFFF"/>
-                  </a:gs>
-                  <a:gs pos="100000">
-                    <a:srgbClr val="FFFFFF"/>
-                  </a:gs>
-                </a:gsLst>
-                <a:lin ang="5400000" scaled="0"/>
-              </a:gradFill>
-              <a:ea typeface="Segoe UI" pitchFamily="34" charset="0"/>
-              <a:cs typeface="Segoe UI" pitchFamily="34" charset="0"/>
-            </a:endParaRPr>
-          </a:p>
-        </p:txBody>
-      </p:sp>
-      <p:sp>
-        <p:nvSpPr>
-          <p:cNvPr id="9" name="Rectangle 8"/>
-          <p:cNvSpPr/>
-          <p:nvPr/>
-        </p:nvSpPr>
-        <p:spPr bwMode="auto">
-          <a:xfrm>
-            <a:off x="717792" y="3721337"/>
-            <a:ext cx="2718103" cy="1526000"/>
-          </a:xfrm>
-          <a:prstGeom prst="rect">
-            <a:avLst/>
-          </a:prstGeom>
-          <a:solidFill>
-            <a:schemeClr val="accent5">
-              <a:lumMod val="40000"/>
-              <a:lumOff val="60000"/>
-            </a:schemeClr>
-          </a:solidFill>
-          <a:ln>
-            <a:solidFill>
-              <a:schemeClr val="tx1">
-                <a:lumMod val="95000"/>
-                <a:lumOff val="5000"/>
-              </a:schemeClr>
-            </a:solidFill>
-            <a:headEnd type="none" w="med" len="med"/>
-            <a:tailEnd type="none" w="med" len="med"/>
-          </a:ln>
-          <a:effectLst/>
-        </p:spPr>
-        <p:style>
-          <a:lnRef idx="1">
-            <a:schemeClr val="accent2"/>
-          </a:lnRef>
-          <a:fillRef idx="3">
-            <a:schemeClr val="accent2"/>
-          </a:fillRef>
-          <a:effectRef idx="2">
-            <a:schemeClr val="accent2"/>
-          </a:effectRef>
-          <a:fontRef idx="minor">
-            <a:schemeClr val="lt1"/>
-          </a:fontRef>
-        </p:style>
-        <p:txBody>
-          <a:bodyPr rot="0" spcFirstLastPara="0" vertOverflow="overflow" horzOverflow="overflow" vert="horz" wrap="square" lIns="45720" tIns="45720" rIns="45720" bIns="182880" numCol="1" spcCol="0" rtlCol="0" fromWordArt="0" anchor="b" anchorCtr="0" forceAA="0" compatLnSpc="1">
-            <a:prstTxWarp prst="textNoShape">
-              <a:avLst/>
-            </a:prstTxWarp>
-            <a:noAutofit/>
-          </a:bodyPr>
-          <a:lstStyle/>
-          <a:p>
-            <a:pPr algn="ctr" defTabSz="914099" fontAlgn="base">
-              <a:spcBef>
-                <a:spcPct val="0"/>
-              </a:spcBef>
-              <a:spcAft>
-                <a:spcPct val="0"/>
-              </a:spcAft>
-            </a:pPr>
-            <a:r>
-              <a:rPr lang="en-US" sz="2200" dirty="0" smtClean="0">
-                <a:gradFill>
-                  <a:gsLst>
-                    <a:gs pos="0">
-                      <a:srgbClr val="FFFFFF"/>
-                    </a:gs>
-                    <a:gs pos="100000">
-                      <a:srgbClr val="FFFFFF"/>
-                    </a:gs>
-                  </a:gsLst>
-                  <a:lin ang="5400000" scaled="0"/>
-                </a:gradFill>
-                <a:ea typeface="Segoe UI" pitchFamily="34" charset="0"/>
-                <a:cs typeface="Segoe UI" pitchFamily="34" charset="0"/>
-              </a:rPr>
-              <a:t>Linux</a:t>
-            </a:r>
-          </a:p>
-        </p:txBody>
-      </p:sp>
-      <p:sp>
-        <p:nvSpPr>
-          <p:cNvPr id="10" name="Rounded Rectangle 9"/>
-          <p:cNvSpPr/>
-          <p:nvPr/>
-        </p:nvSpPr>
-        <p:spPr bwMode="auto">
-          <a:xfrm>
-            <a:off x="875447" y="3969331"/>
-            <a:ext cx="2327945" cy="639084"/>
-          </a:xfrm>
-          <a:prstGeom prst="roundRect">
-            <a:avLst/>
-          </a:prstGeom>
-          <a:solidFill>
-            <a:schemeClr val="accent1"/>
-          </a:solidFill>
-          <a:ln>
-            <a:solidFill>
-              <a:schemeClr val="tx1">
-                <a:lumMod val="95000"/>
-                <a:lumOff val="5000"/>
-              </a:schemeClr>
-            </a:solidFill>
-            <a:headEnd type="none" w="med" len="med"/>
-            <a:tailEnd type="none" w="med" len="med"/>
-          </a:ln>
-          <a:effectLst/>
-        </p:spPr>
-        <p:style>
-          <a:lnRef idx="1">
-            <a:schemeClr val="accent2"/>
-          </a:lnRef>
-          <a:fillRef idx="3">
-            <a:schemeClr val="accent2"/>
-          </a:fillRef>
-          <a:effectRef idx="2">
-            <a:schemeClr val="accent2"/>
-          </a:effectRef>
-          <a:fontRef idx="minor">
-            <a:schemeClr val="lt1"/>
-          </a:fontRef>
-        </p:style>
-        <p:txBody>
-          <a:bodyPr rot="0" spcFirstLastPara="0" vertOverflow="overflow" horzOverflow="overflow" vert="horz" wrap="square" lIns="45720" tIns="45720" rIns="45720" bIns="45720" numCol="1" spcCol="0" rtlCol="0" fromWordArt="0" anchor="ctr" anchorCtr="0" forceAA="0" compatLnSpc="1">
-            <a:prstTxWarp prst="textNoShape">
-              <a:avLst/>
-            </a:prstTxWarp>
-            <a:noAutofit/>
-          </a:bodyPr>
-          <a:lstStyle/>
-          <a:p>
-            <a:pPr algn="ctr" defTabSz="914099" fontAlgn="base">
-              <a:spcBef>
-                <a:spcPct val="0"/>
-              </a:spcBef>
-              <a:spcAft>
-                <a:spcPct val="0"/>
-              </a:spcAft>
-            </a:pPr>
-            <a:r>
-              <a:rPr lang="en-US" sz="2200" dirty="0" smtClean="0">
-                <a:gradFill>
-                  <a:gsLst>
-                    <a:gs pos="0">
-                      <a:srgbClr val="FFFFFF"/>
-                    </a:gs>
-                    <a:gs pos="100000">
-                      <a:srgbClr val="FFFFFF"/>
-                    </a:gs>
-                  </a:gsLst>
-                  <a:lin ang="5400000" scaled="0"/>
-                </a:gradFill>
-                <a:ea typeface="Segoe UI" pitchFamily="34" charset="0"/>
-                <a:cs typeface="Segoe UI" pitchFamily="34" charset="0"/>
-              </a:rPr>
-              <a:t>Mono</a:t>
-            </a:r>
-          </a:p>
-          <a:p>
-            <a:pPr algn="ctr" defTabSz="914099" fontAlgn="base">
-              <a:spcBef>
-                <a:spcPct val="0"/>
-              </a:spcBef>
-              <a:spcAft>
-                <a:spcPct val="0"/>
-              </a:spcAft>
-            </a:pPr>
-            <a:r>
-              <a:rPr lang="en-US" sz="1400" i="1" dirty="0" smtClean="0">
-                <a:gradFill>
-                  <a:gsLst>
-                    <a:gs pos="0">
-                      <a:srgbClr val="FFFFFF"/>
-                    </a:gs>
-                    <a:gs pos="100000">
-                      <a:srgbClr val="FFFFFF"/>
-                    </a:gs>
-                  </a:gsLst>
-                  <a:lin ang="5400000" scaled="0"/>
-                </a:gradFill>
-                <a:ea typeface="Segoe UI" pitchFamily="34" charset="0"/>
-                <a:cs typeface="Segoe UI" pitchFamily="34" charset="0"/>
-              </a:rPr>
-              <a:t>CLR &amp; .NET</a:t>
-            </a:r>
-          </a:p>
-        </p:txBody>
-      </p:sp>
-      <p:sp>
-        <p:nvSpPr>
-          <p:cNvPr id="11" name="Rectangle 10"/>
-          <p:cNvSpPr/>
-          <p:nvPr/>
-        </p:nvSpPr>
-        <p:spPr bwMode="auto">
-          <a:xfrm>
-            <a:off x="4551436" y="3184971"/>
-            <a:ext cx="2870510" cy="1176110"/>
-          </a:xfrm>
-          <a:prstGeom prst="rect">
-            <a:avLst/>
-          </a:prstGeom>
-          <a:solidFill>
-            <a:schemeClr val="accent5">
-              <a:lumMod val="60000"/>
-              <a:lumOff val="40000"/>
-            </a:schemeClr>
-          </a:solidFill>
-          <a:ln>
-            <a:solidFill>
-              <a:schemeClr val="tx1">
-                <a:lumMod val="95000"/>
-                <a:lumOff val="5000"/>
-              </a:schemeClr>
-            </a:solidFill>
-            <a:headEnd type="none" w="med" len="med"/>
-            <a:tailEnd type="none" w="med" len="med"/>
-          </a:ln>
-          <a:effectLst/>
-        </p:spPr>
-        <p:style>
-          <a:lnRef idx="1">
-            <a:schemeClr val="accent2"/>
-          </a:lnRef>
-          <a:fillRef idx="3">
-            <a:schemeClr val="accent2"/>
-          </a:fillRef>
-          <a:effectRef idx="2">
-            <a:schemeClr val="accent2"/>
-          </a:effectRef>
-          <a:fontRef idx="minor">
-            <a:schemeClr val="lt1"/>
-          </a:fontRef>
-        </p:style>
-        <p:txBody>
-          <a:bodyPr rot="0" spcFirstLastPara="0" vertOverflow="overflow" horzOverflow="overflow" vert="horz" wrap="square" lIns="45720" tIns="45720" rIns="45720" bIns="91440" numCol="1" spcCol="0" rtlCol="0" fromWordArt="0" anchor="b" anchorCtr="0" forceAA="0" compatLnSpc="1">
-            <a:prstTxWarp prst="textNoShape">
-              <a:avLst/>
-            </a:prstTxWarp>
-            <a:noAutofit/>
-          </a:bodyPr>
-          <a:lstStyle/>
-          <a:p>
-            <a:pPr algn="ctr" defTabSz="914099" fontAlgn="base">
-              <a:spcBef>
-                <a:spcPct val="0"/>
-              </a:spcBef>
-              <a:spcAft>
-                <a:spcPct val="0"/>
-              </a:spcAft>
-            </a:pPr>
-            <a:r>
-              <a:rPr lang="en-US" sz="2200" dirty="0" smtClean="0">
-                <a:gradFill>
-                  <a:gsLst>
-                    <a:gs pos="0">
-                      <a:srgbClr val="FFFFFF"/>
-                    </a:gs>
-                    <a:gs pos="100000">
-                      <a:srgbClr val="FFFFFF"/>
-                    </a:gs>
-                  </a:gsLst>
-                  <a:lin ang="5400000" scaled="0"/>
-                </a:gradFill>
-                <a:ea typeface="Segoe UI" pitchFamily="34" charset="0"/>
-                <a:cs typeface="Segoe UI" pitchFamily="34" charset="0"/>
-              </a:rPr>
-              <a:t>iOS</a:t>
-            </a:r>
-          </a:p>
-        </p:txBody>
-      </p:sp>
-      <p:sp>
-        <p:nvSpPr>
-          <p:cNvPr id="12" name="Rounded Rectangle 11"/>
-          <p:cNvSpPr/>
-          <p:nvPr/>
-        </p:nvSpPr>
-        <p:spPr bwMode="auto">
-          <a:xfrm>
-            <a:off x="4709091" y="3397774"/>
-            <a:ext cx="2458476" cy="446437"/>
-          </a:xfrm>
-          <a:prstGeom prst="roundRect">
-            <a:avLst/>
-          </a:prstGeom>
-          <a:solidFill>
-            <a:schemeClr val="accent1"/>
-          </a:solidFill>
-          <a:ln>
-            <a:solidFill>
-              <a:schemeClr val="tx1">
-                <a:lumMod val="95000"/>
-                <a:lumOff val="5000"/>
-              </a:schemeClr>
-            </a:solidFill>
-            <a:headEnd type="none" w="med" len="med"/>
-            <a:tailEnd type="none" w="med" len="med"/>
-          </a:ln>
-          <a:effectLst/>
-        </p:spPr>
-        <p:style>
-          <a:lnRef idx="1">
-            <a:schemeClr val="accent2"/>
-          </a:lnRef>
-          <a:fillRef idx="3">
-            <a:schemeClr val="accent2"/>
-          </a:fillRef>
-          <a:effectRef idx="2">
-            <a:schemeClr val="accent2"/>
-          </a:effectRef>
-          <a:fontRef idx="minor">
-            <a:schemeClr val="lt1"/>
-          </a:fontRef>
-        </p:style>
-        <p:txBody>
-          <a:bodyPr rot="0" spcFirstLastPara="0" vertOverflow="overflow" horzOverflow="overflow" vert="horz" wrap="square" lIns="45720" tIns="45720" rIns="45720" bIns="45720" numCol="1" spcCol="0" rtlCol="0" fromWordArt="0" anchor="ctr" anchorCtr="0" forceAA="0" compatLnSpc="1">
-            <a:prstTxWarp prst="textNoShape">
-              <a:avLst/>
-            </a:prstTxWarp>
-            <a:noAutofit/>
-          </a:bodyPr>
-          <a:lstStyle/>
-          <a:p>
-            <a:pPr algn="ctr" defTabSz="914099" fontAlgn="base">
-              <a:spcBef>
-                <a:spcPct val="0"/>
-              </a:spcBef>
-              <a:spcAft>
-                <a:spcPct val="0"/>
-              </a:spcAft>
-            </a:pPr>
-            <a:r>
-              <a:rPr lang="en-US" sz="2200" dirty="0" err="1" smtClean="0">
-                <a:gradFill>
-                  <a:gsLst>
-                    <a:gs pos="0">
-                      <a:srgbClr val="FFFFFF"/>
-                    </a:gs>
-                    <a:gs pos="100000">
-                      <a:srgbClr val="FFFFFF"/>
-                    </a:gs>
-                  </a:gsLst>
-                  <a:lin ang="5400000" scaled="0"/>
-                </a:gradFill>
-                <a:ea typeface="Segoe UI" pitchFamily="34" charset="0"/>
-                <a:cs typeface="Segoe UI" pitchFamily="34" charset="0"/>
-              </a:rPr>
-              <a:t>MonoTouch</a:t>
-            </a:r>
-            <a:endParaRPr lang="en-US" sz="2200" dirty="0" smtClean="0">
-              <a:gradFill>
-                <a:gsLst>
-                  <a:gs pos="0">
-                    <a:srgbClr val="FFFFFF"/>
-                  </a:gs>
-                  <a:gs pos="100000">
-                    <a:srgbClr val="FFFFFF"/>
-                  </a:gs>
-                </a:gsLst>
-                <a:lin ang="5400000" scaled="0"/>
-              </a:gradFill>
-              <a:ea typeface="Segoe UI" pitchFamily="34" charset="0"/>
-              <a:cs typeface="Segoe UI" pitchFamily="34" charset="0"/>
-            </a:endParaRPr>
-          </a:p>
-        </p:txBody>
-      </p:sp>
-      <p:sp>
-        <p:nvSpPr>
-          <p:cNvPr id="13" name="Rectangle 12"/>
-          <p:cNvSpPr/>
-          <p:nvPr/>
-        </p:nvSpPr>
-        <p:spPr bwMode="auto">
-          <a:xfrm>
-            <a:off x="4577710" y="4588097"/>
-            <a:ext cx="2870510" cy="1176110"/>
-          </a:xfrm>
-          <a:prstGeom prst="rect">
-            <a:avLst/>
-          </a:prstGeom>
-          <a:solidFill>
-            <a:schemeClr val="accent5">
-              <a:lumMod val="75000"/>
-            </a:schemeClr>
-          </a:solidFill>
-          <a:ln>
-            <a:solidFill>
-              <a:schemeClr val="tx1">
-                <a:lumMod val="95000"/>
-                <a:lumOff val="5000"/>
-              </a:schemeClr>
-            </a:solidFill>
-            <a:headEnd type="none" w="med" len="med"/>
-            <a:tailEnd type="none" w="med" len="med"/>
-          </a:ln>
-          <a:effectLst/>
-        </p:spPr>
-        <p:style>
-          <a:lnRef idx="1">
-            <a:schemeClr val="accent2"/>
-          </a:lnRef>
-          <a:fillRef idx="3">
-            <a:schemeClr val="accent2"/>
-          </a:fillRef>
-          <a:effectRef idx="2">
-            <a:schemeClr val="accent2"/>
-          </a:effectRef>
-          <a:fontRef idx="minor">
-            <a:schemeClr val="lt1"/>
-          </a:fontRef>
-        </p:style>
-        <p:txBody>
-          <a:bodyPr rot="0" spcFirstLastPara="0" vertOverflow="overflow" horzOverflow="overflow" vert="horz" wrap="square" lIns="45720" tIns="45720" rIns="45720" bIns="91440" numCol="1" spcCol="0" rtlCol="0" fromWordArt="0" anchor="b" anchorCtr="0" forceAA="0" compatLnSpc="1">
-            <a:prstTxWarp prst="textNoShape">
-              <a:avLst/>
-            </a:prstTxWarp>
-            <a:noAutofit/>
-          </a:bodyPr>
-          <a:lstStyle/>
-          <a:p>
-            <a:pPr algn="ctr" defTabSz="914099" fontAlgn="base">
-              <a:spcBef>
-                <a:spcPct val="0"/>
-              </a:spcBef>
-              <a:spcAft>
-                <a:spcPct val="0"/>
-              </a:spcAft>
-            </a:pPr>
-            <a:r>
-              <a:rPr lang="en-US" sz="2200" dirty="0" smtClean="0">
-                <a:gradFill>
-                  <a:gsLst>
-                    <a:gs pos="0">
-                      <a:srgbClr val="FFFFFF"/>
-                    </a:gs>
-                    <a:gs pos="100000">
-                      <a:srgbClr val="FFFFFF"/>
-                    </a:gs>
-                  </a:gsLst>
-                  <a:lin ang="5400000" scaled="0"/>
-                </a:gradFill>
-                <a:ea typeface="Segoe UI" pitchFamily="34" charset="0"/>
-                <a:cs typeface="Segoe UI" pitchFamily="34" charset="0"/>
-              </a:rPr>
-              <a:t>Android</a:t>
-            </a:r>
-          </a:p>
-        </p:txBody>
-      </p:sp>
-      <p:sp>
-        <p:nvSpPr>
-          <p:cNvPr id="14" name="Rounded Rectangle 13"/>
-          <p:cNvSpPr/>
-          <p:nvPr/>
-        </p:nvSpPr>
-        <p:spPr bwMode="auto">
-          <a:xfrm>
-            <a:off x="4735365" y="4800900"/>
-            <a:ext cx="2458476" cy="446437"/>
-          </a:xfrm>
-          <a:prstGeom prst="roundRect">
-            <a:avLst/>
-          </a:prstGeom>
-          <a:solidFill>
-            <a:schemeClr val="accent1"/>
-          </a:solidFill>
-          <a:ln>
-            <a:solidFill>
-              <a:schemeClr val="tx1">
-                <a:lumMod val="95000"/>
-                <a:lumOff val="5000"/>
-              </a:schemeClr>
-            </a:solidFill>
-            <a:headEnd type="none" w="med" len="med"/>
-            <a:tailEnd type="none" w="med" len="med"/>
-          </a:ln>
-          <a:effectLst/>
-        </p:spPr>
-        <p:style>
-          <a:lnRef idx="1">
-            <a:schemeClr val="accent2"/>
-          </a:lnRef>
-          <a:fillRef idx="3">
-            <a:schemeClr val="accent2"/>
-          </a:fillRef>
-          <a:effectRef idx="2">
-            <a:schemeClr val="accent2"/>
-          </a:effectRef>
-          <a:fontRef idx="minor">
-            <a:schemeClr val="lt1"/>
-          </a:fontRef>
-        </p:style>
-        <p:txBody>
-          <a:bodyPr rot="0" spcFirstLastPara="0" vertOverflow="overflow" horzOverflow="overflow" vert="horz" wrap="square" lIns="45720" tIns="45720" rIns="45720" bIns="45720" numCol="1" spcCol="0" rtlCol="0" fromWordArt="0" anchor="ctr" anchorCtr="0" forceAA="0" compatLnSpc="1">
-            <a:prstTxWarp prst="textNoShape">
-              <a:avLst/>
-            </a:prstTxWarp>
-            <a:noAutofit/>
-          </a:bodyPr>
-          <a:lstStyle/>
-          <a:p>
-            <a:pPr algn="ctr" defTabSz="914099" fontAlgn="base">
-              <a:spcBef>
-                <a:spcPct val="0"/>
-              </a:spcBef>
-              <a:spcAft>
-                <a:spcPct val="0"/>
-              </a:spcAft>
-            </a:pPr>
-            <a:r>
-              <a:rPr lang="en-US" sz="2200" dirty="0" smtClean="0">
-                <a:gradFill>
-                  <a:gsLst>
-                    <a:gs pos="0">
-                      <a:srgbClr val="FFFFFF"/>
-                    </a:gs>
-                    <a:gs pos="100000">
-                      <a:srgbClr val="FFFFFF"/>
-                    </a:gs>
-                  </a:gsLst>
-                  <a:lin ang="5400000" scaled="0"/>
-                </a:gradFill>
-                <a:ea typeface="Segoe UI" pitchFamily="34" charset="0"/>
-                <a:cs typeface="Segoe UI" pitchFamily="34" charset="0"/>
-              </a:rPr>
-              <a:t>Mono for Android</a:t>
-            </a:r>
-          </a:p>
-        </p:txBody>
-      </p:sp>
-      <p:sp>
-        <p:nvSpPr>
-          <p:cNvPr id="16" name="Right Arrow 15"/>
-          <p:cNvSpPr/>
-          <p:nvPr/>
-        </p:nvSpPr>
-        <p:spPr bwMode="auto">
-          <a:xfrm>
-            <a:off x="3675001" y="3578768"/>
-            <a:ext cx="756058" cy="441434"/>
-          </a:xfrm>
-          <a:prstGeom prst="rightArrow">
-            <a:avLst/>
-          </a:prstGeom>
-          <a:solidFill>
-            <a:schemeClr val="accent1"/>
-          </a:solidFill>
-          <a:ln>
-            <a:noFill/>
-            <a:headEnd type="none" w="med" len="med"/>
-            <a:tailEnd type="none" w="med" len="med"/>
-          </a:ln>
-          <a:effectLst/>
-        </p:spPr>
-        <p:style>
-          <a:lnRef idx="1">
-            <a:schemeClr val="accent2"/>
-          </a:lnRef>
-          <a:fillRef idx="3">
-            <a:schemeClr val="accent2"/>
-          </a:fillRef>
-          <a:effectRef idx="2">
-            <a:schemeClr val="accent2"/>
-          </a:effectRef>
-          <a:fontRef idx="minor">
-            <a:schemeClr val="lt1"/>
-          </a:fontRef>
-        </p:style>
-        <p:txBody>
-          <a:bodyPr rot="0" spcFirstLastPara="0" vertOverflow="overflow" horzOverflow="overflow" vert="horz" wrap="square" lIns="45720" tIns="45720" rIns="45720" bIns="45720" numCol="1" spcCol="0" rtlCol="0" fromWordArt="0" anchor="ctr" anchorCtr="0" forceAA="0" compatLnSpc="1">
-            <a:prstTxWarp prst="textNoShape">
-              <a:avLst/>
-            </a:prstTxWarp>
-            <a:noAutofit/>
-          </a:bodyPr>
-          <a:lstStyle/>
-          <a:p>
-            <a:pPr algn="ctr" defTabSz="914099" fontAlgn="base">
-              <a:spcBef>
-                <a:spcPct val="0"/>
-              </a:spcBef>
-              <a:spcAft>
-                <a:spcPct val="0"/>
-              </a:spcAft>
-            </a:pPr>
-            <a:endParaRPr lang="en-US" sz="2200" dirty="0" smtClean="0">
-              <a:gradFill>
-                <a:gsLst>
-                  <a:gs pos="0">
-                    <a:srgbClr val="FFFFFF"/>
-                  </a:gs>
-                  <a:gs pos="100000">
-                    <a:srgbClr val="FFFFFF"/>
-                  </a:gs>
-                </a:gsLst>
-                <a:lin ang="5400000" scaled="0"/>
-              </a:gradFill>
-              <a:ea typeface="Segoe UI" pitchFamily="34" charset="0"/>
-              <a:cs typeface="Segoe UI" pitchFamily="34" charset="0"/>
-            </a:endParaRPr>
-          </a:p>
-        </p:txBody>
-      </p:sp>
-      <p:sp>
-        <p:nvSpPr>
-          <p:cNvPr id="17" name="Right Arrow 16"/>
-          <p:cNvSpPr/>
-          <p:nvPr/>
-        </p:nvSpPr>
-        <p:spPr bwMode="auto">
-          <a:xfrm>
-            <a:off x="3680258" y="4981903"/>
-            <a:ext cx="756058" cy="441434"/>
-          </a:xfrm>
-          <a:prstGeom prst="rightArrow">
-            <a:avLst/>
-          </a:prstGeom>
-          <a:solidFill>
-            <a:schemeClr val="accent1"/>
-          </a:solidFill>
-          <a:ln>
-            <a:noFill/>
-            <a:headEnd type="none" w="med" len="med"/>
-            <a:tailEnd type="none" w="med" len="med"/>
-          </a:ln>
-          <a:effectLst/>
-        </p:spPr>
-        <p:style>
-          <a:lnRef idx="1">
-            <a:schemeClr val="accent2"/>
-          </a:lnRef>
-          <a:fillRef idx="3">
-            <a:schemeClr val="accent2"/>
-          </a:fillRef>
-          <a:effectRef idx="2">
-            <a:schemeClr val="accent2"/>
-          </a:effectRef>
-          <a:fontRef idx="minor">
-            <a:schemeClr val="lt1"/>
-          </a:fontRef>
-        </p:style>
-        <p:txBody>
-          <a:bodyPr rot="0" spcFirstLastPara="0" vertOverflow="overflow" horzOverflow="overflow" vert="horz" wrap="square" lIns="45720" tIns="45720" rIns="45720" bIns="45720" numCol="1" spcCol="0" rtlCol="0" fromWordArt="0" anchor="ctr" anchorCtr="0" forceAA="0" compatLnSpc="1">
-            <a:prstTxWarp prst="textNoShape">
-              <a:avLst/>
-            </a:prstTxWarp>
-            <a:noAutofit/>
-          </a:bodyPr>
-          <a:lstStyle/>
-          <a:p>
-            <a:pPr algn="ctr" defTabSz="914099" fontAlgn="base">
-              <a:spcBef>
-                <a:spcPct val="0"/>
-              </a:spcBef>
-              <a:spcAft>
-                <a:spcPct val="0"/>
-              </a:spcAft>
-            </a:pPr>
-            <a:endParaRPr lang="en-US" sz="2200" dirty="0" smtClean="0">
-              <a:gradFill>
-                <a:gsLst>
-                  <a:gs pos="0">
-                    <a:srgbClr val="FFFFFF"/>
-                  </a:gs>
-                  <a:gs pos="100000">
-                    <a:srgbClr val="FFFFFF"/>
-                  </a:gs>
-                </a:gsLst>
-                <a:lin ang="5400000" scaled="0"/>
-              </a:gradFill>
-              <a:ea typeface="Segoe UI" pitchFamily="34" charset="0"/>
-              <a:cs typeface="Segoe UI" pitchFamily="34" charset="0"/>
-            </a:endParaRPr>
-          </a:p>
-        </p:txBody>
-      </p:sp>
-      <p:sp>
-        <p:nvSpPr>
-          <p:cNvPr id="18" name="Rectangle 17"/>
-          <p:cNvSpPr/>
-          <p:nvPr/>
-        </p:nvSpPr>
-        <p:spPr bwMode="auto">
-          <a:xfrm>
-            <a:off x="8540106" y="3179721"/>
-            <a:ext cx="2870510" cy="1176110"/>
-          </a:xfrm>
-          <a:prstGeom prst="rect">
-            <a:avLst/>
-          </a:prstGeom>
-          <a:solidFill>
-            <a:schemeClr val="accent4">
-              <a:lumMod val="75000"/>
-            </a:schemeClr>
-          </a:solidFill>
-          <a:ln>
-            <a:solidFill>
-              <a:schemeClr val="tx1">
-                <a:lumMod val="95000"/>
-                <a:lumOff val="5000"/>
-              </a:schemeClr>
-            </a:solidFill>
-            <a:headEnd type="none" w="med" len="med"/>
-            <a:tailEnd type="none" w="med" len="med"/>
-          </a:ln>
-          <a:effectLst/>
-        </p:spPr>
-        <p:style>
-          <a:lnRef idx="1">
-            <a:schemeClr val="accent2"/>
-          </a:lnRef>
-          <a:fillRef idx="3">
-            <a:schemeClr val="accent2"/>
-          </a:fillRef>
-          <a:effectRef idx="2">
-            <a:schemeClr val="accent2"/>
-          </a:effectRef>
-          <a:fontRef idx="minor">
-            <a:schemeClr val="lt1"/>
-          </a:fontRef>
-        </p:style>
-        <p:txBody>
-          <a:bodyPr rot="0" spcFirstLastPara="0" vertOverflow="overflow" horzOverflow="overflow" vert="horz" wrap="square" lIns="45720" tIns="45720" rIns="45720" bIns="91440" numCol="1" spcCol="0" rtlCol="0" fromWordArt="0" anchor="b" anchorCtr="0" forceAA="0" compatLnSpc="1">
-            <a:prstTxWarp prst="textNoShape">
-              <a:avLst/>
-            </a:prstTxWarp>
-            <a:noAutofit/>
-          </a:bodyPr>
-          <a:lstStyle/>
-          <a:p>
-            <a:pPr algn="ctr" defTabSz="914099" fontAlgn="base">
-              <a:spcBef>
-                <a:spcPct val="0"/>
-              </a:spcBef>
-              <a:spcAft>
-                <a:spcPct val="0"/>
-              </a:spcAft>
-            </a:pPr>
-            <a:r>
-              <a:rPr lang="en-US" sz="2200" dirty="0" smtClean="0">
-                <a:gradFill>
-                  <a:gsLst>
-                    <a:gs pos="0">
-                      <a:srgbClr val="FFFFFF"/>
-                    </a:gs>
-                    <a:gs pos="100000">
-                      <a:srgbClr val="FFFFFF"/>
-                    </a:gs>
-                  </a:gsLst>
-                  <a:lin ang="5400000" scaled="0"/>
-                </a:gradFill>
-                <a:ea typeface="Segoe UI" pitchFamily="34" charset="0"/>
-                <a:cs typeface="Segoe UI" pitchFamily="34" charset="0"/>
-              </a:rPr>
-              <a:t>iOS</a:t>
-            </a:r>
-          </a:p>
-        </p:txBody>
-      </p:sp>
-      <p:sp>
-        <p:nvSpPr>
-          <p:cNvPr id="19" name="Rounded Rectangle 18"/>
-          <p:cNvSpPr/>
-          <p:nvPr/>
-        </p:nvSpPr>
-        <p:spPr bwMode="auto">
-          <a:xfrm>
-            <a:off x="8697761" y="3392524"/>
-            <a:ext cx="2458476" cy="446437"/>
-          </a:xfrm>
-          <a:prstGeom prst="roundRect">
-            <a:avLst/>
-          </a:prstGeom>
-          <a:solidFill>
-            <a:schemeClr val="accent1"/>
-          </a:solidFill>
-          <a:ln>
-            <a:solidFill>
-              <a:schemeClr val="tx1">
-                <a:lumMod val="95000"/>
-                <a:lumOff val="5000"/>
-              </a:schemeClr>
-            </a:solidFill>
-            <a:headEnd type="none" w="med" len="med"/>
-            <a:tailEnd type="none" w="med" len="med"/>
-          </a:ln>
-          <a:effectLst/>
-        </p:spPr>
-        <p:style>
-          <a:lnRef idx="1">
-            <a:schemeClr val="accent2"/>
-          </a:lnRef>
-          <a:fillRef idx="3">
-            <a:schemeClr val="accent2"/>
-          </a:fillRef>
-          <a:effectRef idx="2">
-            <a:schemeClr val="accent2"/>
-          </a:effectRef>
-          <a:fontRef idx="minor">
-            <a:schemeClr val="lt1"/>
-          </a:fontRef>
-        </p:style>
-        <p:txBody>
-          <a:bodyPr rot="0" spcFirstLastPara="0" vertOverflow="overflow" horzOverflow="overflow" vert="horz" wrap="square" lIns="45720" tIns="45720" rIns="45720" bIns="45720" numCol="1" spcCol="0" rtlCol="0" fromWordArt="0" anchor="ctr" anchorCtr="0" forceAA="0" compatLnSpc="1">
-            <a:prstTxWarp prst="textNoShape">
-              <a:avLst/>
-            </a:prstTxWarp>
-            <a:noAutofit/>
-          </a:bodyPr>
-          <a:lstStyle/>
-          <a:p>
-            <a:pPr algn="ctr" defTabSz="914099" fontAlgn="base">
-              <a:spcBef>
-                <a:spcPct val="0"/>
-              </a:spcBef>
-              <a:spcAft>
-                <a:spcPct val="0"/>
-              </a:spcAft>
-            </a:pPr>
-            <a:r>
-              <a:rPr lang="en-US" sz="2200" dirty="0" err="1" smtClean="0">
-                <a:gradFill>
-                  <a:gsLst>
-                    <a:gs pos="0">
-                      <a:srgbClr val="FFFFFF"/>
-                    </a:gs>
-                    <a:gs pos="100000">
-                      <a:srgbClr val="FFFFFF"/>
-                    </a:gs>
-                  </a:gsLst>
-                  <a:lin ang="5400000" scaled="0"/>
-                </a:gradFill>
-                <a:ea typeface="Segoe UI" pitchFamily="34" charset="0"/>
-                <a:cs typeface="Segoe UI" pitchFamily="34" charset="0"/>
-              </a:rPr>
-              <a:t>Xamarin.iOS</a:t>
-            </a:r>
-            <a:endParaRPr lang="en-US" sz="2200" dirty="0" smtClean="0">
-              <a:gradFill>
-                <a:gsLst>
-                  <a:gs pos="0">
-                    <a:srgbClr val="FFFFFF"/>
-                  </a:gs>
-                  <a:gs pos="100000">
-                    <a:srgbClr val="FFFFFF"/>
-                  </a:gs>
-                </a:gsLst>
-                <a:lin ang="5400000" scaled="0"/>
-              </a:gradFill>
-              <a:ea typeface="Segoe UI" pitchFamily="34" charset="0"/>
-              <a:cs typeface="Segoe UI" pitchFamily="34" charset="0"/>
-            </a:endParaRPr>
-          </a:p>
-        </p:txBody>
-      </p:sp>
-      <p:sp>
-        <p:nvSpPr>
-          <p:cNvPr id="20" name="Rectangle 19"/>
-          <p:cNvSpPr/>
-          <p:nvPr/>
-        </p:nvSpPr>
-        <p:spPr bwMode="auto">
-          <a:xfrm>
-            <a:off x="8566380" y="4582847"/>
-            <a:ext cx="2870510" cy="1176110"/>
-          </a:xfrm>
-          <a:prstGeom prst="rect">
-            <a:avLst/>
-          </a:prstGeom>
-          <a:solidFill>
-            <a:schemeClr val="accent4">
-              <a:lumMod val="50000"/>
-            </a:schemeClr>
-          </a:solidFill>
-          <a:ln>
-            <a:solidFill>
-              <a:schemeClr val="tx1">
-                <a:lumMod val="95000"/>
-                <a:lumOff val="5000"/>
-              </a:schemeClr>
-            </a:solidFill>
-            <a:headEnd type="none" w="med" len="med"/>
-            <a:tailEnd type="none" w="med" len="med"/>
-          </a:ln>
-          <a:effectLst/>
-        </p:spPr>
-        <p:style>
-          <a:lnRef idx="1">
-            <a:schemeClr val="accent2"/>
-          </a:lnRef>
-          <a:fillRef idx="3">
-            <a:schemeClr val="accent2"/>
-          </a:fillRef>
-          <a:effectRef idx="2">
-            <a:schemeClr val="accent2"/>
-          </a:effectRef>
-          <a:fontRef idx="minor">
-            <a:schemeClr val="lt1"/>
-          </a:fontRef>
-        </p:style>
-        <p:txBody>
-          <a:bodyPr rot="0" spcFirstLastPara="0" vertOverflow="overflow" horzOverflow="overflow" vert="horz" wrap="square" lIns="45720" tIns="45720" rIns="45720" bIns="91440" numCol="1" spcCol="0" rtlCol="0" fromWordArt="0" anchor="b" anchorCtr="0" forceAA="0" compatLnSpc="1">
-            <a:prstTxWarp prst="textNoShape">
-              <a:avLst/>
-            </a:prstTxWarp>
-            <a:noAutofit/>
-          </a:bodyPr>
-          <a:lstStyle/>
-          <a:p>
-            <a:pPr algn="ctr" defTabSz="914099" fontAlgn="base">
-              <a:spcBef>
-                <a:spcPct val="0"/>
-              </a:spcBef>
-              <a:spcAft>
-                <a:spcPct val="0"/>
-              </a:spcAft>
-            </a:pPr>
-            <a:r>
-              <a:rPr lang="en-US" sz="2200" dirty="0" smtClean="0">
-                <a:gradFill>
-                  <a:gsLst>
-                    <a:gs pos="0">
-                      <a:srgbClr val="FFFFFF"/>
-                    </a:gs>
-                    <a:gs pos="100000">
-                      <a:srgbClr val="FFFFFF"/>
-                    </a:gs>
-                  </a:gsLst>
-                  <a:lin ang="5400000" scaled="0"/>
-                </a:gradFill>
-                <a:ea typeface="Segoe UI" pitchFamily="34" charset="0"/>
-                <a:cs typeface="Segoe UI" pitchFamily="34" charset="0"/>
-              </a:rPr>
-              <a:t>Android</a:t>
-            </a:r>
-          </a:p>
-        </p:txBody>
-      </p:sp>
-      <p:sp>
-        <p:nvSpPr>
-          <p:cNvPr id="21" name="Rounded Rectangle 20"/>
-          <p:cNvSpPr/>
-          <p:nvPr/>
-        </p:nvSpPr>
-        <p:spPr bwMode="auto">
-          <a:xfrm>
-            <a:off x="8724035" y="4795650"/>
-            <a:ext cx="2458476" cy="446437"/>
-          </a:xfrm>
-          <a:prstGeom prst="roundRect">
-            <a:avLst/>
-          </a:prstGeom>
-          <a:solidFill>
-            <a:schemeClr val="accent1"/>
-          </a:solidFill>
-          <a:ln>
-            <a:solidFill>
-              <a:schemeClr val="tx1">
-                <a:lumMod val="95000"/>
-                <a:lumOff val="5000"/>
-              </a:schemeClr>
-            </a:solidFill>
-            <a:headEnd type="none" w="med" len="med"/>
-            <a:tailEnd type="none" w="med" len="med"/>
-          </a:ln>
-          <a:effectLst/>
-        </p:spPr>
-        <p:style>
-          <a:lnRef idx="1">
-            <a:schemeClr val="accent2"/>
-          </a:lnRef>
-          <a:fillRef idx="3">
-            <a:schemeClr val="accent2"/>
-          </a:fillRef>
-          <a:effectRef idx="2">
-            <a:schemeClr val="accent2"/>
-          </a:effectRef>
-          <a:fontRef idx="minor">
-            <a:schemeClr val="lt1"/>
-          </a:fontRef>
-        </p:style>
-        <p:txBody>
-          <a:bodyPr rot="0" spcFirstLastPara="0" vertOverflow="overflow" horzOverflow="overflow" vert="horz" wrap="square" lIns="45720" tIns="45720" rIns="45720" bIns="45720" numCol="1" spcCol="0" rtlCol="0" fromWordArt="0" anchor="ctr" anchorCtr="0" forceAA="0" compatLnSpc="1">
-            <a:prstTxWarp prst="textNoShape">
-              <a:avLst/>
-            </a:prstTxWarp>
-            <a:noAutofit/>
-          </a:bodyPr>
-          <a:lstStyle/>
-          <a:p>
-            <a:pPr algn="ctr" defTabSz="914099" fontAlgn="base">
-              <a:spcBef>
-                <a:spcPct val="0"/>
-              </a:spcBef>
-              <a:spcAft>
-                <a:spcPct val="0"/>
-              </a:spcAft>
-            </a:pPr>
-            <a:r>
-              <a:rPr lang="en-US" sz="2200" dirty="0" err="1" smtClean="0">
-                <a:gradFill>
-                  <a:gsLst>
-                    <a:gs pos="0">
-                      <a:srgbClr val="FFFFFF"/>
-                    </a:gs>
-                    <a:gs pos="100000">
-                      <a:srgbClr val="FFFFFF"/>
-                    </a:gs>
-                  </a:gsLst>
-                  <a:lin ang="5400000" scaled="0"/>
-                </a:gradFill>
-                <a:ea typeface="Segoe UI" pitchFamily="34" charset="0"/>
-                <a:cs typeface="Segoe UI" pitchFamily="34" charset="0"/>
-              </a:rPr>
-              <a:t>Xamarin.Android</a:t>
-            </a:r>
-            <a:endParaRPr lang="en-US" sz="2200" dirty="0" smtClean="0">
-              <a:gradFill>
-                <a:gsLst>
-                  <a:gs pos="0">
-                    <a:srgbClr val="FFFFFF"/>
-                  </a:gs>
-                  <a:gs pos="100000">
-                    <a:srgbClr val="FFFFFF"/>
-                  </a:gs>
-                </a:gsLst>
-                <a:lin ang="5400000" scaled="0"/>
-              </a:gradFill>
-              <a:ea typeface="Segoe UI" pitchFamily="34" charset="0"/>
-              <a:cs typeface="Segoe UI" pitchFamily="34" charset="0"/>
-            </a:endParaRPr>
-          </a:p>
-        </p:txBody>
-      </p:sp>
-      <p:sp>
-        <p:nvSpPr>
-          <p:cNvPr id="22" name="Right Arrow 21"/>
-          <p:cNvSpPr/>
-          <p:nvPr/>
-        </p:nvSpPr>
-        <p:spPr bwMode="auto">
-          <a:xfrm>
-            <a:off x="7663671" y="3573518"/>
-            <a:ext cx="756058" cy="441434"/>
-          </a:xfrm>
-          <a:prstGeom prst="rightArrow">
-            <a:avLst/>
-          </a:prstGeom>
-          <a:solidFill>
-            <a:schemeClr val="accent1"/>
-          </a:solidFill>
-          <a:ln>
-            <a:noFill/>
-            <a:headEnd type="none" w="med" len="med"/>
-            <a:tailEnd type="none" w="med" len="med"/>
-          </a:ln>
-          <a:effectLst/>
-        </p:spPr>
-        <p:style>
-          <a:lnRef idx="1">
-            <a:schemeClr val="accent2"/>
-          </a:lnRef>
-          <a:fillRef idx="3">
-            <a:schemeClr val="accent2"/>
-          </a:fillRef>
-          <a:effectRef idx="2">
-            <a:schemeClr val="accent2"/>
-          </a:effectRef>
-          <a:fontRef idx="minor">
-            <a:schemeClr val="lt1"/>
-          </a:fontRef>
-        </p:style>
-        <p:txBody>
-          <a:bodyPr rot="0" spcFirstLastPara="0" vertOverflow="overflow" horzOverflow="overflow" vert="horz" wrap="square" lIns="45720" tIns="45720" rIns="45720" bIns="45720" numCol="1" spcCol="0" rtlCol="0" fromWordArt="0" anchor="ctr" anchorCtr="0" forceAA="0" compatLnSpc="1">
-            <a:prstTxWarp prst="textNoShape">
-              <a:avLst/>
-            </a:prstTxWarp>
-            <a:noAutofit/>
-          </a:bodyPr>
-          <a:lstStyle/>
-          <a:p>
-            <a:pPr algn="ctr" defTabSz="914099" fontAlgn="base">
-              <a:spcBef>
-                <a:spcPct val="0"/>
-              </a:spcBef>
-              <a:spcAft>
-                <a:spcPct val="0"/>
-              </a:spcAft>
-            </a:pPr>
-            <a:endParaRPr lang="en-US" sz="2200" dirty="0" smtClean="0">
-              <a:gradFill>
-                <a:gsLst>
-                  <a:gs pos="0">
-                    <a:srgbClr val="FFFFFF"/>
-                  </a:gs>
-                  <a:gs pos="100000">
-                    <a:srgbClr val="FFFFFF"/>
-                  </a:gs>
-                </a:gsLst>
-                <a:lin ang="5400000" scaled="0"/>
-              </a:gradFill>
-              <a:ea typeface="Segoe UI" pitchFamily="34" charset="0"/>
-              <a:cs typeface="Segoe UI" pitchFamily="34" charset="0"/>
-            </a:endParaRPr>
-          </a:p>
-        </p:txBody>
-      </p:sp>
-      <p:sp>
-        <p:nvSpPr>
-          <p:cNvPr id="23" name="Right Arrow 22"/>
-          <p:cNvSpPr/>
-          <p:nvPr/>
-        </p:nvSpPr>
-        <p:spPr bwMode="auto">
-          <a:xfrm>
-            <a:off x="7668928" y="4976653"/>
-            <a:ext cx="756058" cy="441434"/>
-          </a:xfrm>
-          <a:prstGeom prst="rightArrow">
-            <a:avLst/>
-          </a:prstGeom>
-          <a:solidFill>
-            <a:schemeClr val="accent1"/>
-          </a:solidFill>
-          <a:ln>
-            <a:noFill/>
-            <a:headEnd type="none" w="med" len="med"/>
-            <a:tailEnd type="none" w="med" len="med"/>
-          </a:ln>
-          <a:effectLst/>
-        </p:spPr>
-        <p:style>
-          <a:lnRef idx="1">
-            <a:schemeClr val="accent2"/>
-          </a:lnRef>
-          <a:fillRef idx="3">
-            <a:schemeClr val="accent2"/>
-          </a:fillRef>
-          <a:effectRef idx="2">
-            <a:schemeClr val="accent2"/>
-          </a:effectRef>
-          <a:fontRef idx="minor">
-            <a:schemeClr val="lt1"/>
-          </a:fontRef>
-        </p:style>
-        <p:txBody>
-          <a:bodyPr rot="0" spcFirstLastPara="0" vertOverflow="overflow" horzOverflow="overflow" vert="horz" wrap="square" lIns="45720" tIns="45720" rIns="45720" bIns="45720" numCol="1" spcCol="0" rtlCol="0" fromWordArt="0" anchor="ctr" anchorCtr="0" forceAA="0" compatLnSpc="1">
-            <a:prstTxWarp prst="textNoShape">
-              <a:avLst/>
-            </a:prstTxWarp>
-            <a:noAutofit/>
-          </a:bodyPr>
-          <a:lstStyle/>
-          <a:p>
-            <a:pPr algn="ctr" defTabSz="914099" fontAlgn="base">
-              <a:spcBef>
-                <a:spcPct val="0"/>
-              </a:spcBef>
-              <a:spcAft>
-                <a:spcPct val="0"/>
-              </a:spcAft>
-            </a:pPr>
-            <a:endParaRPr lang="en-US" sz="2200" dirty="0" smtClean="0">
-              <a:gradFill>
-                <a:gsLst>
-                  <a:gs pos="0">
-                    <a:srgbClr val="FFFFFF"/>
-                  </a:gs>
-                  <a:gs pos="100000">
-                    <a:srgbClr val="FFFFFF"/>
-                  </a:gs>
-                </a:gsLst>
-                <a:lin ang="5400000" scaled="0"/>
-              </a:gradFill>
-              <a:ea typeface="Segoe UI" pitchFamily="34" charset="0"/>
-              <a:cs typeface="Segoe UI" pitchFamily="34" charset="0"/>
-            </a:endParaRPr>
-          </a:p>
-        </p:txBody>
-      </p:sp>
-      <p:sp>
-        <p:nvSpPr>
-          <p:cNvPr id="24" name="Rectangle 23"/>
-          <p:cNvSpPr/>
-          <p:nvPr/>
-        </p:nvSpPr>
-        <p:spPr bwMode="auto">
-          <a:xfrm>
-            <a:off x="717792" y="5969878"/>
-            <a:ext cx="6704154" cy="567558"/>
-          </a:xfrm>
-          <a:prstGeom prst="rect">
-            <a:avLst/>
-          </a:prstGeom>
-          <a:solidFill>
-            <a:schemeClr val="bg1">
-              <a:lumMod val="50000"/>
-            </a:schemeClr>
-          </a:solidFill>
-          <a:ln>
-            <a:noFill/>
-            <a:headEnd type="none" w="med" len="med"/>
-            <a:tailEnd type="none" w="med" len="med"/>
-          </a:ln>
-          <a:effectLst/>
-        </p:spPr>
-        <p:style>
-          <a:lnRef idx="1">
-            <a:schemeClr val="accent2"/>
-          </a:lnRef>
-          <a:fillRef idx="3">
-            <a:schemeClr val="accent2"/>
-          </a:fillRef>
-          <a:effectRef idx="2">
-            <a:schemeClr val="accent2"/>
-          </a:effectRef>
-          <a:fontRef idx="minor">
-            <a:schemeClr val="lt1"/>
-          </a:fontRef>
-        </p:style>
-        <p:txBody>
-          <a:bodyPr rot="0" spcFirstLastPara="0" vertOverflow="overflow" horzOverflow="overflow" vert="horz" wrap="square" lIns="45720" tIns="45720" rIns="45720" bIns="45720" numCol="1" spcCol="0" rtlCol="0" fromWordArt="0" anchor="ctr" anchorCtr="0" forceAA="0" compatLnSpc="1">
-            <a:prstTxWarp prst="textNoShape">
-              <a:avLst/>
-            </a:prstTxWarp>
-            <a:noAutofit/>
-          </a:bodyPr>
-          <a:lstStyle/>
-          <a:p>
-            <a:pPr algn="ctr" defTabSz="914099" fontAlgn="base">
-              <a:spcBef>
-                <a:spcPct val="0"/>
-              </a:spcBef>
-              <a:spcAft>
-                <a:spcPct val="0"/>
-              </a:spcAft>
-            </a:pPr>
-            <a:r>
-              <a:rPr lang="en-US" sz="2000" dirty="0" smtClean="0">
-                <a:gradFill>
-                  <a:gsLst>
-                    <a:gs pos="0">
-                      <a:srgbClr val="FFFFFF"/>
-                    </a:gs>
-                    <a:gs pos="100000">
-                      <a:srgbClr val="FFFFFF"/>
-                    </a:gs>
-                  </a:gsLst>
-                  <a:lin ang="5400000" scaled="0"/>
-                </a:gradFill>
-                <a:ea typeface="Segoe UI" pitchFamily="34" charset="0"/>
-                <a:cs typeface="Segoe UI" pitchFamily="34" charset="0"/>
-              </a:rPr>
-              <a:t>Free Software</a:t>
-            </a:r>
-          </a:p>
-        </p:txBody>
-      </p:sp>
-      <p:sp>
-        <p:nvSpPr>
-          <p:cNvPr id="25" name="Rectangle 24"/>
-          <p:cNvSpPr/>
-          <p:nvPr/>
-        </p:nvSpPr>
-        <p:spPr bwMode="auto">
-          <a:xfrm>
-            <a:off x="8566380" y="5975465"/>
-            <a:ext cx="2870510" cy="567558"/>
-          </a:xfrm>
-          <a:prstGeom prst="rect">
-            <a:avLst/>
-          </a:prstGeom>
-          <a:solidFill>
-            <a:schemeClr val="bg1">
-              <a:lumMod val="50000"/>
-            </a:schemeClr>
-          </a:solidFill>
-          <a:ln>
-            <a:noFill/>
-            <a:headEnd type="none" w="med" len="med"/>
-            <a:tailEnd type="none" w="med" len="med"/>
-          </a:ln>
-          <a:effectLst/>
-        </p:spPr>
-        <p:style>
-          <a:lnRef idx="1">
-            <a:schemeClr val="accent2"/>
-          </a:lnRef>
-          <a:fillRef idx="3">
-            <a:schemeClr val="accent2"/>
-          </a:fillRef>
-          <a:effectRef idx="2">
-            <a:schemeClr val="accent2"/>
-          </a:effectRef>
-          <a:fontRef idx="minor">
-            <a:schemeClr val="lt1"/>
-          </a:fontRef>
-        </p:style>
-        <p:txBody>
-          <a:bodyPr rot="0" spcFirstLastPara="0" vertOverflow="overflow" horzOverflow="overflow" vert="horz" wrap="square" lIns="45720" tIns="45720" rIns="45720" bIns="45720" numCol="1" spcCol="0" rtlCol="0" fromWordArt="0" anchor="ctr" anchorCtr="0" forceAA="0" compatLnSpc="1">
-            <a:prstTxWarp prst="textNoShape">
-              <a:avLst/>
-            </a:prstTxWarp>
-            <a:noAutofit/>
-          </a:bodyPr>
-          <a:lstStyle/>
-          <a:p>
-            <a:pPr algn="ctr" defTabSz="914099" fontAlgn="base">
-              <a:spcBef>
-                <a:spcPct val="0"/>
-              </a:spcBef>
-              <a:spcAft>
-                <a:spcPct val="0"/>
-              </a:spcAft>
-            </a:pPr>
-            <a:r>
-              <a:rPr lang="en-US" sz="2000" dirty="0" smtClean="0">
-                <a:gradFill>
-                  <a:gsLst>
-                    <a:gs pos="0">
-                      <a:srgbClr val="FFFFFF"/>
-                    </a:gs>
-                    <a:gs pos="100000">
-                      <a:srgbClr val="FFFFFF"/>
-                    </a:gs>
-                  </a:gsLst>
-                  <a:lin ang="5400000" scaled="0"/>
-                </a:gradFill>
-                <a:ea typeface="Segoe UI" pitchFamily="34" charset="0"/>
-                <a:cs typeface="Segoe UI" pitchFamily="34" charset="0"/>
-              </a:rPr>
-              <a:t>Commercial Licensing</a:t>
-            </a:r>
-          </a:p>
-        </p:txBody>
-      </p:sp>
-    </p:spTree>
-    <p:extLst>
-      <p:ext uri="{BB962C8B-B14F-4D97-AF65-F5344CB8AC3E}">
-        <p14:creationId xmlns:p14="http://schemas.microsoft.com/office/powerpoint/2010/main" val="1558485349"/>
-      </p:ext>
-    </p:extLst>
-  </p:cSld>
-  <p:clrMapOvr>
-    <a:masterClrMapping/>
-  </p:clrMapOvr>
-  <p:transition>
-    <p:fade/>
-  </p:transition>
-  <p:timing>
-    <p:tnLst>
-      <p:par>
-        <p:cTn id="1" dur="indefinite" restart="never" nodeType="tmRoot"/>
-      </p:par>
-    </p:tnLst>
-  </p:timing>
-</p:sld>
-</file>
-
-<file path=ppt/slides/slide11.xml><?xml version="1.0" encoding="utf-8"?>
-<p:sld xmlns:a="http://schemas.openxmlformats.org/drawingml/2006/main" xmlns:r="http://schemas.openxmlformats.org/officeDocument/2006/relationships" xmlns:p="http://schemas.openxmlformats.org/presentationml/2006/main">
-  <p:cSld>
-    <p:spTree>
-      <p:nvGrpSpPr>
-        <p:cNvPr id="1" name=""/>
-        <p:cNvGrpSpPr/>
-        <p:nvPr/>
-      </p:nvGrpSpPr>
-      <p:grpSpPr>
-        <a:xfrm>
-          <a:off x="0" y="0"/>
-          <a:ext cx="0" cy="0"/>
-          <a:chOff x="0" y="0"/>
-          <a:chExt cx="0" cy="0"/>
-        </a:xfrm>
-      </p:grpSpPr>
-      <p:sp>
-        <p:nvSpPr>
-          <p:cNvPr id="2" name="Title 1"/>
-          <p:cNvSpPr>
-            <a:spLocks noGrp="1"/>
-          </p:cNvSpPr>
-          <p:nvPr>
-            <p:ph type="title"/>
-          </p:nvPr>
-        </p:nvSpPr>
-        <p:spPr/>
-        <p:txBody>
-          <a:bodyPr/>
-          <a:lstStyle/>
-          <a:p>
-            <a:r>
-              <a:rPr lang="en-US" dirty="0" smtClean="0"/>
               <a:t>Xamarin on Android Architecture</a:t>
             </a:r>
             <a:endParaRPr lang="en-US" dirty="0"/>
@@ -13796,7 +12298,7 @@
             <a:fld id="{727B4C2D-45E2-4621-8491-2995EB46A674}" type="slidenum">
               <a:rPr lang="en-US" smtClean="0"/>
               <a:pPr/>
-              <a:t>11</a:t>
+              <a:t>10</a:t>
             </a:fld>
             <a:endParaRPr lang="en-US" dirty="0"/>
           </a:p>
@@ -14729,7 +13231,7 @@
 </p:sld>
 </file>
 
-<file path=ppt/slides/slide12.xml><?xml version="1.0" encoding="utf-8"?>
+<file path=ppt/slides/slide11.xml><?xml version="1.0" encoding="utf-8"?>
 <p:sld xmlns:a="http://schemas.openxmlformats.org/drawingml/2006/main" xmlns:r="http://schemas.openxmlformats.org/officeDocument/2006/relationships" xmlns:p="http://schemas.openxmlformats.org/presentationml/2006/main">
   <p:cSld>
     <p:spTree>
@@ -14900,7 +13402,7 @@
 </p:sld>
 </file>
 
-<file path=ppt/slides/slide13.xml><?xml version="1.0" encoding="utf-8"?>
+<file path=ppt/slides/slide12.xml><?xml version="1.0" encoding="utf-8"?>
 <p:sld xmlns:a="http://schemas.openxmlformats.org/drawingml/2006/main" xmlns:r="http://schemas.openxmlformats.org/officeDocument/2006/relationships" xmlns:p="http://schemas.openxmlformats.org/presentationml/2006/main">
   <p:cSld>
     <p:spTree>
@@ -14964,22 +13466,14 @@
             <a:pPr lvl="1"/>
             <a:r>
               <a:rPr lang="en-US" dirty="0" smtClean="0"/>
-              <a:t>App must be packages with everything it needs to run on </a:t>
-            </a:r>
+              <a:t>App must be packages with everything it needs to run on iOS</a:t>
+            </a:r>
+          </a:p>
+          <a:p>
+            <a:pPr lvl="1"/>
             <a:r>
               <a:rPr lang="en-US" dirty="0" smtClean="0"/>
-              <a:t>iOS</a:t>
-            </a:r>
-          </a:p>
-          <a:p>
-            <a:pPr lvl="1"/>
-            <a:r>
-              <a:rPr lang="en-US" dirty="0" smtClean="0"/>
-              <a:t>Compilation of app must be done on computer with iOS not Windows</a:t>
-            </a:r>
-            <a:r>
-              <a:rPr lang="en-US" dirty="0" smtClean="0"/>
-              <a:t> </a:t>
+              <a:t>Compilation of app must be done on computer with iOS not Windows </a:t>
             </a:r>
             <a:endParaRPr lang="en-US" dirty="0"/>
           </a:p>
@@ -15008,7 +13502,7 @@
             <a:fld id="{727B4C2D-45E2-4621-8491-2995EB46A674}" type="slidenum">
               <a:rPr lang="en-US" smtClean="0"/>
               <a:pPr/>
-              <a:t>13</a:t>
+              <a:t>12</a:t>
             </a:fld>
             <a:endParaRPr lang="en-US" dirty="0"/>
           </a:p>
@@ -15493,7 +13987,7 @@
 </p:sld>
 </file>
 
-<file path=ppt/slides/slide14.xml><?xml version="1.0" encoding="utf-8"?>
+<file path=ppt/slides/slide13.xml><?xml version="1.0" encoding="utf-8"?>
 <p:sld xmlns:a="http://schemas.openxmlformats.org/drawingml/2006/main" xmlns:r="http://schemas.openxmlformats.org/officeDocument/2006/relationships" xmlns:p="http://schemas.openxmlformats.org/presentationml/2006/main">
   <p:cSld>
     <p:spTree>
@@ -15556,8 +14050,13 @@
           <a:p>
             <a:r>
               <a:rPr lang="en-US" dirty="0" smtClean="0"/>
-              <a:t>Install Xamarin Studio</a:t>
-            </a:r>
+              <a:t>Install </a:t>
+            </a:r>
+            <a:r>
+              <a:rPr lang="en-US" dirty="0" smtClean="0"/>
+              <a:t>Xamarin</a:t>
+            </a:r>
+            <a:endParaRPr lang="en-US" dirty="0" smtClean="0"/>
           </a:p>
           <a:p>
             <a:endParaRPr lang="en-US" dirty="0"/>
@@ -15582,7 +14081,7 @@
             <a:fld id="{727B4C2D-45E2-4621-8491-2995EB46A674}" type="slidenum">
               <a:rPr lang="en-US" smtClean="0"/>
               <a:pPr/>
-              <a:t>14</a:t>
+              <a:t>13</a:t>
             </a:fld>
             <a:endParaRPr lang="en-US" dirty="0"/>
           </a:p>
@@ -15635,7 +14134,7 @@
 </p:sld>
 </file>
 
-<file path=ppt/slides/slide15.xml><?xml version="1.0" encoding="utf-8"?>
+<file path=ppt/slides/slide14.xml><?xml version="1.0" encoding="utf-8"?>
 <p:sld xmlns:a="http://schemas.openxmlformats.org/drawingml/2006/main" xmlns:r="http://schemas.openxmlformats.org/officeDocument/2006/relationships" xmlns:p="http://schemas.openxmlformats.org/presentationml/2006/main">
   <p:cSld>
     <p:spTree>
@@ -15863,7 +14362,7 @@
 </p:sld>
 </file>
 
-<file path=ppt/slides/slide16.xml><?xml version="1.0" encoding="utf-8"?>
+<file path=ppt/slides/slide15.xml><?xml version="1.0" encoding="utf-8"?>
 <p:sld xmlns:a="http://schemas.openxmlformats.org/drawingml/2006/main" xmlns:r="http://schemas.openxmlformats.org/officeDocument/2006/relationships" xmlns:p="http://schemas.openxmlformats.org/presentationml/2006/main">
   <p:cSld>
     <p:spTree>
@@ -15950,7 +14449,7 @@
 </p:sld>
 </file>
 
-<file path=ppt/slides/slide17.xml><?xml version="1.0" encoding="utf-8"?>
+<file path=ppt/slides/slide16.xml><?xml version="1.0" encoding="utf-8"?>
 <p:sld xmlns:a="http://schemas.openxmlformats.org/drawingml/2006/main" xmlns:r="http://schemas.openxmlformats.org/officeDocument/2006/relationships" xmlns:p="http://schemas.openxmlformats.org/presentationml/2006/main">
   <p:cSld>
     <p:spTree>
@@ -16017,7 +14516,7 @@
 </p:sld>
 </file>
 
-<file path=ppt/slides/slide18.xml><?xml version="1.0" encoding="utf-8"?>
+<file path=ppt/slides/slide17.xml><?xml version="1.0" encoding="utf-8"?>
 <p:sld xmlns:a="http://schemas.openxmlformats.org/drawingml/2006/main" xmlns:r="http://schemas.openxmlformats.org/officeDocument/2006/relationships" xmlns:p="http://schemas.openxmlformats.org/presentationml/2006/main">
   <p:cSld>
     <p:spTree>
@@ -16128,7 +14627,7 @@
 </p:sld>
 </file>
 
-<file path=ppt/slides/slide19.xml><?xml version="1.0" encoding="utf-8"?>
+<file path=ppt/slides/slide18.xml><?xml version="1.0" encoding="utf-8"?>
 <p:sld xmlns:a="http://schemas.openxmlformats.org/drawingml/2006/main" xmlns:r="http://schemas.openxmlformats.org/officeDocument/2006/relationships" xmlns:p="http://schemas.openxmlformats.org/presentationml/2006/main">
   <p:cSld>
     <p:spTree>
@@ -16207,7 +14706,19 @@
             <a:pPr lvl="1"/>
             <a:r>
               <a:rPr lang="en-US" dirty="0" smtClean="0"/>
-              <a:t>Visual Studio provides Android layout design editor</a:t>
+              <a:t>Xamarin adds Android </a:t>
+            </a:r>
+            <a:r>
+              <a:rPr lang="en-US" dirty="0" smtClean="0"/>
+              <a:t>layout design </a:t>
+            </a:r>
+            <a:r>
+              <a:rPr lang="en-US" dirty="0"/>
+              <a:t>editor into to Visual </a:t>
+            </a:r>
+            <a:r>
+              <a:rPr lang="en-US" dirty="0" smtClean="0"/>
+              <a:t>Studio</a:t>
             </a:r>
             <a:endParaRPr lang="en-US" dirty="0"/>
           </a:p>
@@ -16231,7 +14742,7 @@
             <a:fld id="{727B4C2D-45E2-4621-8491-2995EB46A674}" type="slidenum">
               <a:rPr lang="en-US" smtClean="0"/>
               <a:pPr/>
-              <a:t>19</a:t>
+              <a:t>18</a:t>
             </a:fld>
             <a:endParaRPr lang="en-US" dirty="0"/>
           </a:p>
@@ -16341,6 +14852,124 @@
     <p:extLst>
       <p:ext uri="{BB962C8B-B14F-4D97-AF65-F5344CB8AC3E}">
         <p14:creationId xmlns:p14="http://schemas.microsoft.com/office/powerpoint/2010/main" val="1948620098"/>
+      </p:ext>
+    </p:extLst>
+  </p:cSld>
+  <p:clrMapOvr>
+    <a:masterClrMapping/>
+  </p:clrMapOvr>
+  <p:transition>
+    <p:fade/>
+  </p:transition>
+  <p:timing>
+    <p:tnLst>
+      <p:par>
+        <p:cTn id="1" dur="indefinite" restart="never" nodeType="tmRoot"/>
+      </p:par>
+    </p:tnLst>
+  </p:timing>
+</p:sld>
+</file>
+
+<file path=ppt/slides/slide19.xml><?xml version="1.0" encoding="utf-8"?>
+<p:sld xmlns:a="http://schemas.openxmlformats.org/drawingml/2006/main" xmlns:r="http://schemas.openxmlformats.org/officeDocument/2006/relationships" xmlns:p="http://schemas.openxmlformats.org/presentationml/2006/main">
+  <p:cSld>
+    <p:spTree>
+      <p:nvGrpSpPr>
+        <p:cNvPr id="1" name=""/>
+        <p:cNvGrpSpPr/>
+        <p:nvPr/>
+      </p:nvGrpSpPr>
+      <p:grpSpPr>
+        <a:xfrm>
+          <a:off x="0" y="0"/>
+          <a:ext cx="0" cy="0"/>
+          <a:chOff x="0" y="0"/>
+          <a:chExt cx="0" cy="0"/>
+        </a:xfrm>
+      </p:grpSpPr>
+      <p:sp>
+        <p:nvSpPr>
+          <p:cNvPr id="2" name="Title 1"/>
+          <p:cNvSpPr>
+            <a:spLocks noGrp="1"/>
+          </p:cNvSpPr>
+          <p:nvPr>
+            <p:ph type="title"/>
+          </p:nvPr>
+        </p:nvSpPr>
+        <p:spPr/>
+        <p:txBody>
+          <a:bodyPr/>
+          <a:lstStyle/>
+          <a:p>
+            <a:r>
+              <a:rPr lang="en-US" dirty="0" smtClean="0"/>
+              <a:t>Activity-based User Interface Code</a:t>
+            </a:r>
+            <a:endParaRPr lang="en-US" dirty="0"/>
+          </a:p>
+        </p:txBody>
+      </p:sp>
+      <p:sp>
+        <p:nvSpPr>
+          <p:cNvPr id="3" name="Slide Number Placeholder 2"/>
+          <p:cNvSpPr>
+            <a:spLocks noGrp="1"/>
+          </p:cNvSpPr>
+          <p:nvPr>
+            <p:ph type="sldNum" sz="quarter" idx="12"/>
+          </p:nvPr>
+        </p:nvSpPr>
+        <p:spPr/>
+        <p:txBody>
+          <a:bodyPr/>
+          <a:lstStyle/>
+          <a:p>
+            <a:fld id="{727B4C2D-45E2-4621-8491-2995EB46A674}" type="slidenum">
+              <a:rPr lang="en-US" smtClean="0"/>
+              <a:pPr/>
+              <a:t>19</a:t>
+            </a:fld>
+            <a:endParaRPr lang="en-US" dirty="0"/>
+          </a:p>
+        </p:txBody>
+      </p:sp>
+      <p:pic>
+        <p:nvPicPr>
+          <p:cNvPr id="4" name="Picture 3"/>
+          <p:cNvPicPr>
+            <a:picLocks noChangeAspect="1"/>
+          </p:cNvPicPr>
+          <p:nvPr/>
+        </p:nvPicPr>
+        <p:blipFill>
+          <a:blip r:embed="rId2"/>
+          <a:stretch>
+            <a:fillRect/>
+          </a:stretch>
+        </p:blipFill>
+        <p:spPr>
+          <a:xfrm>
+            <a:off x="1081386" y="1212827"/>
+            <a:ext cx="9220854" cy="5186730"/>
+          </a:xfrm>
+          <a:prstGeom prst="rect">
+            <a:avLst/>
+          </a:prstGeom>
+          <a:ln>
+            <a:solidFill>
+              <a:schemeClr val="bg1">
+                <a:lumMod val="50000"/>
+              </a:schemeClr>
+            </a:solidFill>
+          </a:ln>
+        </p:spPr>
+      </p:pic>
+    </p:spTree>
+    <p:extLst>
+      <p:ext uri="{BB962C8B-B14F-4D97-AF65-F5344CB8AC3E}">
+        <p14:creationId xmlns:p14="http://schemas.microsoft.com/office/powerpoint/2010/main" val="1396870545"/>
       </p:ext>
     </p:extLst>
   </p:cSld>
@@ -16765,7 +15394,87 @@
           <a:p>
             <a:r>
               <a:rPr lang="en-US" dirty="0" smtClean="0"/>
-              <a:t>Activity-based User Interface Code</a:t>
+              <a:t>Debugging with an Android Emulator</a:t>
+            </a:r>
+            <a:endParaRPr lang="en-US" dirty="0"/>
+          </a:p>
+        </p:txBody>
+      </p:sp>
+      <p:sp>
+        <p:nvSpPr>
+          <p:cNvPr id="5" name="Text Placeholder 4"/>
+          <p:cNvSpPr>
+            <a:spLocks noGrp="1"/>
+          </p:cNvSpPr>
+          <p:nvPr>
+            <p:ph type="body" sz="quarter" idx="10"/>
+          </p:nvPr>
+        </p:nvSpPr>
+        <p:spPr/>
+        <p:txBody>
+          <a:bodyPr/>
+          <a:lstStyle/>
+          <a:p>
+            <a:r>
+              <a:rPr lang="en-US" sz="3600" dirty="0" smtClean="0"/>
+              <a:t>Android emulators created with Android SDK can be slow</a:t>
+            </a:r>
+          </a:p>
+          <a:p>
+            <a:pPr lvl="1"/>
+            <a:r>
+              <a:rPr lang="en-US" dirty="0" smtClean="0"/>
+              <a:t>You can optimize performance by installing the </a:t>
+            </a:r>
+            <a:r>
+              <a:rPr lang="en-US" dirty="0"/>
+              <a:t>Intel HAX module</a:t>
+            </a:r>
+          </a:p>
+          <a:p>
+            <a:pPr lvl="1"/>
+            <a:r>
+              <a:rPr lang="en-US" dirty="0"/>
+              <a:t>Intel HAX module </a:t>
+            </a:r>
+            <a:r>
+              <a:rPr lang="en-US" dirty="0" smtClean="0"/>
+              <a:t>requires disabling Hyper-V</a:t>
+            </a:r>
+          </a:p>
+          <a:p>
+            <a:pPr lvl="2"/>
+            <a:r>
+              <a:rPr lang="en-US" sz="2000" dirty="0">
+                <a:solidFill>
+                  <a:srgbClr val="C00000"/>
+                </a:solidFill>
+              </a:rPr>
+              <a:t>http://serena-yeoh.blogspot.com/2014/02/boost-performance-of-android-emulator.html</a:t>
+            </a:r>
+            <a:endParaRPr lang="en-US" sz="2000" dirty="0" smtClean="0">
+              <a:solidFill>
+                <a:srgbClr val="C00000"/>
+              </a:solidFill>
+            </a:endParaRPr>
+          </a:p>
+          <a:p>
+            <a:pPr lvl="1"/>
+            <a:r>
+              <a:rPr lang="en-US" dirty="0" smtClean="0"/>
+              <a:t>Use 3</a:t>
+            </a:r>
+            <a:r>
+              <a:rPr lang="en-US" baseline="30000" dirty="0" smtClean="0"/>
+              <a:t>rd</a:t>
+            </a:r>
+            <a:r>
+              <a:rPr lang="en-US" dirty="0" smtClean="0"/>
+              <a:t> party emulator such as </a:t>
+            </a:r>
+            <a:r>
+              <a:rPr lang="en-US" dirty="0" err="1" smtClean="0"/>
+              <a:t>Genymotion</a:t>
             </a:r>
             <a:endParaRPr lang="en-US" dirty="0"/>
           </a:p>
@@ -16811,25 +15520,18 @@
         </p:blipFill>
         <p:spPr>
           <a:xfrm>
-            <a:off x="1081386" y="1212827"/>
-            <a:ext cx="9220854" cy="5186730"/>
+            <a:off x="7340451" y="3368509"/>
+            <a:ext cx="4586265" cy="3250504"/>
           </a:xfrm>
           <a:prstGeom prst="rect">
             <a:avLst/>
           </a:prstGeom>
-          <a:ln>
-            <a:solidFill>
-              <a:schemeClr val="bg1">
-                <a:lumMod val="50000"/>
-              </a:schemeClr>
-            </a:solidFill>
-          </a:ln>
         </p:spPr>
       </p:pic>
     </p:spTree>
     <p:extLst>
       <p:ext uri="{BB962C8B-B14F-4D97-AF65-F5344CB8AC3E}">
-        <p14:creationId xmlns:p14="http://schemas.microsoft.com/office/powerpoint/2010/main" val="1396870545"/>
+        <p14:creationId xmlns:p14="http://schemas.microsoft.com/office/powerpoint/2010/main" val="1998735227"/>
       </p:ext>
     </p:extLst>
   </p:cSld>
@@ -16868,12 +15570,12 @@
       </p:grpSpPr>
       <p:sp>
         <p:nvSpPr>
-          <p:cNvPr id="2" name="Title 1"/>
+          <p:cNvPr id="2" name="Subtitle 1"/>
           <p:cNvSpPr>
             <a:spLocks noGrp="1"/>
           </p:cNvSpPr>
           <p:nvPr>
-            <p:ph type="title"/>
+            <p:ph type="subTitle" idx="1"/>
           </p:nvPr>
         </p:nvSpPr>
         <p:spPr/>
@@ -16883,7 +15585,7 @@
           <a:p>
             <a:r>
               <a:rPr lang="en-US" dirty="0" smtClean="0"/>
-              <a:t>Debugging with an Android Emulator</a:t>
+              <a:t>Creating and Testing an Android App using Xamarin</a:t>
             </a:r>
             <a:endParaRPr lang="en-US" dirty="0"/>
           </a:p>
@@ -16891,12 +15593,12 @@
       </p:sp>
       <p:sp>
         <p:nvSpPr>
-          <p:cNvPr id="3" name="Slide Number Placeholder 2"/>
+          <p:cNvPr id="3" name="Text Placeholder 2"/>
           <p:cNvSpPr>
             <a:spLocks noGrp="1"/>
           </p:cNvSpPr>
           <p:nvPr>
-            <p:ph type="sldNum" sz="quarter" idx="12"/>
+            <p:ph type="body" sz="quarter" idx="10"/>
           </p:nvPr>
         </p:nvSpPr>
         <p:spPr/>
@@ -16904,43 +15606,21 @@
           <a:bodyPr/>
           <a:lstStyle/>
           <a:p>
-            <a:fld id="{727B4C2D-45E2-4621-8491-2995EB46A674}" type="slidenum">
-              <a:rPr lang="en-US" smtClean="0"/>
-              <a:pPr/>
-              <a:t>21</a:t>
-            </a:fld>
+            <a:pPr marL="0" indent="0">
+              <a:buNone/>
+            </a:pPr>
+            <a:r>
+              <a:rPr lang="en-US" dirty="0" smtClean="0"/>
+              <a:t>demo</a:t>
+            </a:r>
             <a:endParaRPr lang="en-US" dirty="0"/>
           </a:p>
         </p:txBody>
       </p:sp>
-      <p:pic>
-        <p:nvPicPr>
-          <p:cNvPr id="4" name="Picture 3"/>
-          <p:cNvPicPr>
-            <a:picLocks noChangeAspect="1"/>
-          </p:cNvPicPr>
-          <p:nvPr/>
-        </p:nvPicPr>
-        <p:blipFill>
-          <a:blip r:embed="rId2"/>
-          <a:stretch>
-            <a:fillRect/>
-          </a:stretch>
-        </p:blipFill>
-        <p:spPr>
-          <a:xfrm>
-            <a:off x="1984057" y="1310029"/>
-            <a:ext cx="7637463" cy="5413033"/>
-          </a:xfrm>
-          <a:prstGeom prst="rect">
-            <a:avLst/>
-          </a:prstGeom>
-        </p:spPr>
-      </p:pic>
     </p:spTree>
     <p:extLst>
       <p:ext uri="{BB962C8B-B14F-4D97-AF65-F5344CB8AC3E}">
-        <p14:creationId xmlns:p14="http://schemas.microsoft.com/office/powerpoint/2010/main" val="1998735227"/>
+        <p14:creationId xmlns:p14="http://schemas.microsoft.com/office/powerpoint/2010/main" val="975500819"/>
       </p:ext>
     </p:extLst>
   </p:cSld>
@@ -16979,12 +15659,12 @@
       </p:grpSpPr>
       <p:sp>
         <p:nvSpPr>
-          <p:cNvPr id="2" name="Subtitle 1"/>
+          <p:cNvPr id="2" name="Title 1"/>
           <p:cNvSpPr>
             <a:spLocks noGrp="1"/>
           </p:cNvSpPr>
           <p:nvPr>
-            <p:ph type="subTitle" idx="1"/>
+            <p:ph type="title"/>
           </p:nvPr>
         </p:nvSpPr>
         <p:spPr/>
@@ -16993,34 +15673,12 @@
           <a:lstStyle/>
           <a:p>
             <a:r>
+              <a:rPr lang="en-US" dirty="0"/>
+              <a:t>Developing for Office </a:t>
+            </a:r>
+            <a:r>
               <a:rPr lang="en-US" dirty="0" smtClean="0"/>
-              <a:t>Creating and Testing an Android App using Xamarin</a:t>
-            </a:r>
-            <a:endParaRPr lang="en-US" dirty="0"/>
-          </a:p>
-        </p:txBody>
-      </p:sp>
-      <p:sp>
-        <p:nvSpPr>
-          <p:cNvPr id="3" name="Text Placeholder 2"/>
-          <p:cNvSpPr>
-            <a:spLocks noGrp="1"/>
-          </p:cNvSpPr>
-          <p:nvPr>
-            <p:ph type="body" sz="quarter" idx="10"/>
-          </p:nvPr>
-        </p:nvSpPr>
-        <p:spPr/>
-        <p:txBody>
-          <a:bodyPr/>
-          <a:lstStyle/>
-          <a:p>
-            <a:pPr marL="0" indent="0">
-              <a:buNone/>
-            </a:pPr>
-            <a:r>
-              <a:rPr lang="en-US" dirty="0" smtClean="0"/>
-              <a:t>demo</a:t>
+              <a:t>365</a:t>
             </a:r>
             <a:endParaRPr lang="en-US" dirty="0"/>
           </a:p>
@@ -17029,7 +15687,7 @@
     </p:spTree>
     <p:extLst>
       <p:ext uri="{BB962C8B-B14F-4D97-AF65-F5344CB8AC3E}">
-        <p14:creationId xmlns:p14="http://schemas.microsoft.com/office/powerpoint/2010/main" val="975500819"/>
+        <p14:creationId xmlns:p14="http://schemas.microsoft.com/office/powerpoint/2010/main" val="3717663138"/>
       </p:ext>
     </p:extLst>
   </p:cSld>
@@ -17082,73 +15740,6 @@
           <a:lstStyle/>
           <a:p>
             <a:r>
-              <a:rPr lang="en-US" dirty="0"/>
-              <a:t>Developing for Office </a:t>
-            </a:r>
-            <a:r>
-              <a:rPr lang="en-US" dirty="0" smtClean="0"/>
-              <a:t>365</a:t>
-            </a:r>
-            <a:endParaRPr lang="en-US" dirty="0"/>
-          </a:p>
-        </p:txBody>
-      </p:sp>
-    </p:spTree>
-    <p:extLst>
-      <p:ext uri="{BB962C8B-B14F-4D97-AF65-F5344CB8AC3E}">
-        <p14:creationId xmlns:p14="http://schemas.microsoft.com/office/powerpoint/2010/main" val="3717663138"/>
-      </p:ext>
-    </p:extLst>
-  </p:cSld>
-  <p:clrMapOvr>
-    <a:masterClrMapping/>
-  </p:clrMapOvr>
-  <p:transition>
-    <p:fade/>
-  </p:transition>
-  <p:timing>
-    <p:tnLst>
-      <p:par>
-        <p:cTn id="1" dur="indefinite" restart="never" nodeType="tmRoot"/>
-      </p:par>
-    </p:tnLst>
-  </p:timing>
-</p:sld>
-</file>
-
-<file path=ppt/slides/slide24.xml><?xml version="1.0" encoding="utf-8"?>
-<p:sld xmlns:a="http://schemas.openxmlformats.org/drawingml/2006/main" xmlns:r="http://schemas.openxmlformats.org/officeDocument/2006/relationships" xmlns:p="http://schemas.openxmlformats.org/presentationml/2006/main">
-  <p:cSld>
-    <p:spTree>
-      <p:nvGrpSpPr>
-        <p:cNvPr id="1" name=""/>
-        <p:cNvGrpSpPr/>
-        <p:nvPr/>
-      </p:nvGrpSpPr>
-      <p:grpSpPr>
-        <a:xfrm>
-          <a:off x="0" y="0"/>
-          <a:ext cx="0" cy="0"/>
-          <a:chOff x="0" y="0"/>
-          <a:chExt cx="0" cy="0"/>
-        </a:xfrm>
-      </p:grpSpPr>
-      <p:sp>
-        <p:nvSpPr>
-          <p:cNvPr id="2" name="Title 1"/>
-          <p:cNvSpPr>
-            <a:spLocks noGrp="1"/>
-          </p:cNvSpPr>
-          <p:nvPr>
-            <p:ph type="title"/>
-          </p:nvPr>
-        </p:nvSpPr>
-        <p:spPr/>
-        <p:txBody>
-          <a:bodyPr/>
-          <a:lstStyle/>
-          <a:p>
-            <a:r>
               <a:rPr lang="en-US" dirty="0" smtClean="0"/>
               <a:t>Adding Connected Services</a:t>
             </a:r>
@@ -17174,7 +15765,7 @@
             <a:fld id="{727B4C2D-45E2-4621-8491-2995EB46A674}" type="slidenum">
               <a:rPr lang="en-US" smtClean="0"/>
               <a:pPr/>
-              <a:t>24</a:t>
+              <a:t>23</a:t>
             </a:fld>
             <a:endParaRPr lang="en-US" dirty="0"/>
           </a:p>
@@ -17504,7 +16095,7 @@
 </p:sld>
 </file>
 
-<file path=ppt/slides/slide25.xml><?xml version="1.0" encoding="utf-8"?>
+<file path=ppt/slides/slide24.xml><?xml version="1.0" encoding="utf-8"?>
 <p:sld xmlns:a="http://schemas.openxmlformats.org/drawingml/2006/main" xmlns:r="http://schemas.openxmlformats.org/officeDocument/2006/relationships" xmlns:p="http://schemas.openxmlformats.org/presentationml/2006/main">
   <p:cSld>
     <p:spTree>
@@ -17570,7 +16161,7 @@
             <a:fld id="{727B4C2D-45E2-4621-8491-2995EB46A674}" type="slidenum">
               <a:rPr lang="en-US" smtClean="0"/>
               <a:pPr/>
-              <a:t>25</a:t>
+              <a:t>24</a:t>
             </a:fld>
             <a:endParaRPr lang="en-US" dirty="0"/>
           </a:p>
@@ -17882,7 +16473,7 @@
 </p:sld>
 </file>
 
-<file path=ppt/slides/slide26.xml><?xml version="1.0" encoding="utf-8"?>
+<file path=ppt/slides/slide25.xml><?xml version="1.0" encoding="utf-8"?>
 <p:sld xmlns:a="http://schemas.openxmlformats.org/drawingml/2006/main" xmlns:r="http://schemas.openxmlformats.org/officeDocument/2006/relationships" xmlns:p="http://schemas.openxmlformats.org/presentationml/2006/main">
   <p:cSld>
     <p:spTree>
@@ -17975,7 +16566,7 @@
             <a:fld id="{727B4C2D-45E2-4621-8491-2995EB46A674}" type="slidenum">
               <a:rPr lang="en-US" smtClean="0"/>
               <a:pPr/>
-              <a:t>26</a:t>
+              <a:t>25</a:t>
             </a:fld>
             <a:endParaRPr lang="en-US" dirty="0"/>
           </a:p>
@@ -18028,7 +16619,7 @@
 </p:sld>
 </file>
 
-<file path=ppt/slides/slide27.xml><?xml version="1.0" encoding="utf-8"?>
+<file path=ppt/slides/slide26.xml><?xml version="1.0" encoding="utf-8"?>
 <p:sld xmlns:a="http://schemas.openxmlformats.org/drawingml/2006/main" xmlns:r="http://schemas.openxmlformats.org/officeDocument/2006/relationships" xmlns:p="http://schemas.openxmlformats.org/presentationml/2006/main">
   <p:cSld>
     <p:spTree>
@@ -18117,7 +16708,7 @@
             <a:fld id="{727B4C2D-45E2-4621-8491-2995EB46A674}" type="slidenum">
               <a:rPr lang="en-US" smtClean="0"/>
               <a:pPr/>
-              <a:t>27</a:t>
+              <a:t>26</a:t>
             </a:fld>
             <a:endParaRPr lang="en-US" dirty="0"/>
           </a:p>
@@ -18207,7 +16798,7 @@
 </p:sld>
 </file>
 
-<file path=ppt/slides/slide28.xml><?xml version="1.0" encoding="utf-8"?>
+<file path=ppt/slides/slide27.xml><?xml version="1.0" encoding="utf-8"?>
 <p:sld xmlns:a="http://schemas.openxmlformats.org/drawingml/2006/main" xmlns:r="http://schemas.openxmlformats.org/officeDocument/2006/relationships" xmlns:p="http://schemas.openxmlformats.org/presentationml/2006/main">
   <p:cSld>
     <p:spTree>
@@ -18301,7 +16892,7 @@
 </p:sld>
 </file>
 
-<file path=ppt/slides/slide29.xml><?xml version="1.0" encoding="utf-8"?>
+<file path=ppt/slides/slide28.xml><?xml version="1.0" encoding="utf-8"?>
 <p:sld xmlns:a="http://schemas.openxmlformats.org/drawingml/2006/main" xmlns:r="http://schemas.openxmlformats.org/officeDocument/2006/relationships" xmlns:p="http://schemas.openxmlformats.org/presentationml/2006/main">
   <p:cSld>
     <p:spTree>
@@ -18430,7 +17021,7 @@
             <a:fld id="{727B4C2D-45E2-4621-8491-2995EB46A674}" type="slidenum">
               <a:rPr lang="en-US" smtClean="0"/>
               <a:pPr/>
-              <a:t>29</a:t>
+              <a:t>28</a:t>
             </a:fld>
             <a:endParaRPr lang="en-US" dirty="0"/>
           </a:p>
@@ -18612,119 +17203,7 @@
 </p:sld>
 </file>
 
-<file path=ppt/slides/slide3.xml><?xml version="1.0" encoding="utf-8"?>
-<p:sld xmlns:a="http://schemas.openxmlformats.org/drawingml/2006/main" xmlns:r="http://schemas.openxmlformats.org/officeDocument/2006/relationships" xmlns:p="http://schemas.openxmlformats.org/presentationml/2006/main">
-  <p:cSld>
-    <p:spTree>
-      <p:nvGrpSpPr>
-        <p:cNvPr id="1" name=""/>
-        <p:cNvGrpSpPr/>
-        <p:nvPr/>
-      </p:nvGrpSpPr>
-      <p:grpSpPr>
-        <a:xfrm>
-          <a:off x="0" y="0"/>
-          <a:ext cx="0" cy="0"/>
-          <a:chOff x="0" y="0"/>
-          <a:chExt cx="0" cy="0"/>
-        </a:xfrm>
-      </p:grpSpPr>
-      <p:sp>
-        <p:nvSpPr>
-          <p:cNvPr id="4" name="Title 3"/>
-          <p:cNvSpPr>
-            <a:spLocks noGrp="1"/>
-          </p:cNvSpPr>
-          <p:nvPr>
-            <p:ph type="ctrTitle"/>
-          </p:nvPr>
-        </p:nvSpPr>
-        <p:spPr/>
-        <p:txBody>
-          <a:bodyPr/>
-          <a:lstStyle/>
-          <a:p>
-            <a:r>
-              <a:rPr lang="en-GB" sz="4800" b="1" dirty="0" smtClean="0"/>
-              <a:t>Deep Dive </a:t>
-            </a:r>
-            <a:r>
-              <a:rPr lang="en-GB" sz="4800" b="1" dirty="0"/>
-              <a:t>into native </a:t>
-            </a:r>
-            <a:r>
-              <a:rPr lang="en-GB" sz="4800" b="1" dirty="0" err="1"/>
-              <a:t>Xamarin</a:t>
-            </a:r>
-            <a:r>
-              <a:rPr lang="en-GB" sz="4800" b="1" dirty="0"/>
-              <a:t> Development with Office 365 APIs</a:t>
-            </a:r>
-            <a:endParaRPr lang="en-US" dirty="0"/>
-          </a:p>
-        </p:txBody>
-      </p:sp>
-      <p:sp>
-        <p:nvSpPr>
-          <p:cNvPr id="5" name="Subtitle 4"/>
-          <p:cNvSpPr>
-            <a:spLocks noGrp="1"/>
-          </p:cNvSpPr>
-          <p:nvPr>
-            <p:ph type="subTitle" idx="1"/>
-          </p:nvPr>
-        </p:nvSpPr>
-        <p:spPr>
-          <a:xfrm>
-            <a:off x="532265" y="4735249"/>
-            <a:ext cx="7640611" cy="1878025"/>
-          </a:xfrm>
-        </p:spPr>
-        <p:txBody>
-          <a:bodyPr/>
-          <a:lstStyle/>
-          <a:p>
-            <a:r>
-              <a:rPr lang="en-US" dirty="0" smtClean="0"/>
-              <a:t>Speaker</a:t>
-            </a:r>
-          </a:p>
-          <a:p>
-            <a:endParaRPr lang="en-US" dirty="0" smtClean="0"/>
-          </a:p>
-          <a:p>
-            <a:r>
-              <a:rPr lang="en-US" dirty="0" smtClean="0"/>
-              <a:t>Speaker</a:t>
-            </a:r>
-            <a:endParaRPr lang="en-US" dirty="0"/>
-          </a:p>
-        </p:txBody>
-      </p:sp>
-    </p:spTree>
-    <p:extLst>
-      <p:ext uri="{BB962C8B-B14F-4D97-AF65-F5344CB8AC3E}">
-        <p14:creationId xmlns:p14="http://schemas.microsoft.com/office/powerpoint/2010/main" val="1233982471"/>
-      </p:ext>
-    </p:extLst>
-  </p:cSld>
-  <p:clrMapOvr>
-    <a:masterClrMapping/>
-  </p:clrMapOvr>
-  <p:transition>
-    <p:fade/>
-  </p:transition>
-  <p:timing>
-    <p:tnLst>
-      <p:par>
-        <p:cTn id="1" dur="indefinite" restart="never" nodeType="tmRoot"/>
-      </p:par>
-    </p:tnLst>
-  </p:timing>
-</p:sld>
-</file>
-
-<file path=ppt/slides/slide30.xml><?xml version="1.0" encoding="utf-8"?>
+<file path=ppt/slides/slide29.xml><?xml version="1.0" encoding="utf-8"?>
 <p:sld xmlns:a="http://schemas.openxmlformats.org/drawingml/2006/main" xmlns:r="http://schemas.openxmlformats.org/officeDocument/2006/relationships" xmlns:p="http://schemas.openxmlformats.org/presentationml/2006/main">
   <p:cSld>
     <p:spTree>
@@ -18818,7 +17297,7 @@
 </p:sld>
 </file>
 
-<file path=ppt/slides/slide31.xml><?xml version="1.0" encoding="utf-8"?>
+<file path=ppt/slides/slide3.xml><?xml version="1.0" encoding="utf-8"?>
 <p:sld xmlns:a="http://schemas.openxmlformats.org/drawingml/2006/main" xmlns:r="http://schemas.openxmlformats.org/officeDocument/2006/relationships" xmlns:p="http://schemas.openxmlformats.org/presentationml/2006/main">
   <p:cSld>
     <p:spTree>
@@ -18837,6 +17316,118 @@
       </p:grpSpPr>
       <p:sp>
         <p:nvSpPr>
+          <p:cNvPr id="4" name="Title 3"/>
+          <p:cNvSpPr>
+            <a:spLocks noGrp="1"/>
+          </p:cNvSpPr>
+          <p:nvPr>
+            <p:ph type="ctrTitle"/>
+          </p:nvPr>
+        </p:nvSpPr>
+        <p:spPr/>
+        <p:txBody>
+          <a:bodyPr/>
+          <a:lstStyle/>
+          <a:p>
+            <a:r>
+              <a:rPr lang="en-GB" sz="4800" b="1" dirty="0" smtClean="0"/>
+              <a:t>Deep Dive </a:t>
+            </a:r>
+            <a:r>
+              <a:rPr lang="en-GB" sz="4800" b="1" dirty="0"/>
+              <a:t>into native </a:t>
+            </a:r>
+            <a:r>
+              <a:rPr lang="en-GB" sz="4800" b="1" dirty="0" err="1"/>
+              <a:t>Xamarin</a:t>
+            </a:r>
+            <a:r>
+              <a:rPr lang="en-GB" sz="4800" b="1" dirty="0"/>
+              <a:t> Development with Office 365 APIs</a:t>
+            </a:r>
+            <a:endParaRPr lang="en-US" dirty="0"/>
+          </a:p>
+        </p:txBody>
+      </p:sp>
+      <p:sp>
+        <p:nvSpPr>
+          <p:cNvPr id="5" name="Subtitle 4"/>
+          <p:cNvSpPr>
+            <a:spLocks noGrp="1"/>
+          </p:cNvSpPr>
+          <p:nvPr>
+            <p:ph type="subTitle" idx="1"/>
+          </p:nvPr>
+        </p:nvSpPr>
+        <p:spPr>
+          <a:xfrm>
+            <a:off x="532265" y="4735249"/>
+            <a:ext cx="7640611" cy="1878025"/>
+          </a:xfrm>
+        </p:spPr>
+        <p:txBody>
+          <a:bodyPr/>
+          <a:lstStyle/>
+          <a:p>
+            <a:r>
+              <a:rPr lang="en-US" dirty="0" smtClean="0"/>
+              <a:t>Speaker</a:t>
+            </a:r>
+          </a:p>
+          <a:p>
+            <a:endParaRPr lang="en-US" dirty="0" smtClean="0"/>
+          </a:p>
+          <a:p>
+            <a:r>
+              <a:rPr lang="en-US" dirty="0" smtClean="0"/>
+              <a:t>Speaker</a:t>
+            </a:r>
+            <a:endParaRPr lang="en-US" dirty="0"/>
+          </a:p>
+        </p:txBody>
+      </p:sp>
+    </p:spTree>
+    <p:extLst>
+      <p:ext uri="{BB962C8B-B14F-4D97-AF65-F5344CB8AC3E}">
+        <p14:creationId xmlns:p14="http://schemas.microsoft.com/office/powerpoint/2010/main" val="1233982471"/>
+      </p:ext>
+    </p:extLst>
+  </p:cSld>
+  <p:clrMapOvr>
+    <a:masterClrMapping/>
+  </p:clrMapOvr>
+  <p:transition>
+    <p:fade/>
+  </p:transition>
+  <p:timing>
+    <p:tnLst>
+      <p:par>
+        <p:cTn id="1" dur="indefinite" restart="never" nodeType="tmRoot"/>
+      </p:par>
+    </p:tnLst>
+  </p:timing>
+</p:sld>
+</file>
+
+<file path=ppt/slides/slide30.xml><?xml version="1.0" encoding="utf-8"?>
+<p:sld xmlns:a="http://schemas.openxmlformats.org/drawingml/2006/main" xmlns:r="http://schemas.openxmlformats.org/officeDocument/2006/relationships" xmlns:p="http://schemas.openxmlformats.org/presentationml/2006/main">
+  <p:cSld>
+    <p:spTree>
+      <p:nvGrpSpPr>
+        <p:cNvPr id="1" name=""/>
+        <p:cNvGrpSpPr/>
+        <p:nvPr/>
+      </p:nvGrpSpPr>
+      <p:grpSpPr>
+        <a:xfrm>
+          <a:off x="0" y="0"/>
+          <a:ext cx="0" cy="0"/>
+          <a:chOff x="0" y="0"/>
+          <a:chExt cx="0" cy="0"/>
+        </a:xfrm>
+      </p:grpSpPr>
+      <p:sp>
+        <p:nvSpPr>
           <p:cNvPr id="2" name="Title 1"/>
           <p:cNvSpPr>
             <a:spLocks noGrp="1"/>
@@ -18881,7 +17472,7 @@
             <a:fld id="{727B4C2D-45E2-4621-8491-2995EB46A674}" type="slidenum">
               <a:rPr lang="en-US" smtClean="0"/>
               <a:pPr/>
-              <a:t>31</a:t>
+              <a:t>30</a:t>
             </a:fld>
             <a:endParaRPr lang="en-US" dirty="0"/>
           </a:p>
@@ -19188,6 +17779,95 @@
 </p:sld>
 </file>
 
+<file path=ppt/slides/slide31.xml><?xml version="1.0" encoding="utf-8"?>
+<p:sld xmlns:a="http://schemas.openxmlformats.org/drawingml/2006/main" xmlns:r="http://schemas.openxmlformats.org/officeDocument/2006/relationships" xmlns:p="http://schemas.openxmlformats.org/presentationml/2006/main">
+  <p:cSld>
+    <p:spTree>
+      <p:nvGrpSpPr>
+        <p:cNvPr id="1" name=""/>
+        <p:cNvGrpSpPr/>
+        <p:nvPr/>
+      </p:nvGrpSpPr>
+      <p:grpSpPr>
+        <a:xfrm>
+          <a:off x="0" y="0"/>
+          <a:ext cx="0" cy="0"/>
+          <a:chOff x="0" y="0"/>
+          <a:chExt cx="0" cy="0"/>
+        </a:xfrm>
+      </p:grpSpPr>
+      <p:sp>
+        <p:nvSpPr>
+          <p:cNvPr id="2" name="Subtitle 1"/>
+          <p:cNvSpPr>
+            <a:spLocks noGrp="1"/>
+          </p:cNvSpPr>
+          <p:nvPr>
+            <p:ph type="subTitle" idx="1"/>
+          </p:nvPr>
+        </p:nvSpPr>
+        <p:spPr/>
+        <p:txBody>
+          <a:bodyPr/>
+          <a:lstStyle/>
+          <a:p>
+            <a:r>
+              <a:rPr lang="en-US" dirty="0" smtClean="0"/>
+              <a:t>Adding A Connected Service to a XAMARIN App</a:t>
+            </a:r>
+            <a:endParaRPr lang="en-US" dirty="0"/>
+          </a:p>
+        </p:txBody>
+      </p:sp>
+      <p:sp>
+        <p:nvSpPr>
+          <p:cNvPr id="3" name="Text Placeholder 2"/>
+          <p:cNvSpPr>
+            <a:spLocks noGrp="1"/>
+          </p:cNvSpPr>
+          <p:nvPr>
+            <p:ph type="body" sz="quarter" idx="10"/>
+          </p:nvPr>
+        </p:nvSpPr>
+        <p:spPr/>
+        <p:txBody>
+          <a:bodyPr/>
+          <a:lstStyle/>
+          <a:p>
+            <a:pPr marL="0" indent="0">
+              <a:buNone/>
+            </a:pPr>
+            <a:r>
+              <a:rPr lang="en-US" dirty="0" smtClean="0"/>
+              <a:t>demo</a:t>
+            </a:r>
+            <a:endParaRPr lang="en-US" dirty="0"/>
+          </a:p>
+        </p:txBody>
+      </p:sp>
+    </p:spTree>
+    <p:extLst>
+      <p:ext uri="{BB962C8B-B14F-4D97-AF65-F5344CB8AC3E}">
+        <p14:creationId xmlns:p14="http://schemas.microsoft.com/office/powerpoint/2010/main" val="4105066289"/>
+      </p:ext>
+    </p:extLst>
+  </p:cSld>
+  <p:clrMapOvr>
+    <a:masterClrMapping/>
+  </p:clrMapOvr>
+  <p:transition>
+    <p:fade/>
+  </p:transition>
+  <p:timing>
+    <p:tnLst>
+      <p:par>
+        <p:cTn id="1" dur="indefinite" restart="never" nodeType="tmRoot"/>
+      </p:par>
+    </p:tnLst>
+  </p:timing>
+</p:sld>
+</file>
+
 <file path=ppt/slides/slide32.xml><?xml version="1.0" encoding="utf-8"?>
 <p:sld xmlns:a="http://schemas.openxmlformats.org/drawingml/2006/main" xmlns:r="http://schemas.openxmlformats.org/officeDocument/2006/relationships" xmlns:p="http://schemas.openxmlformats.org/presentationml/2006/main">
   <p:cSld>
@@ -19207,12 +17887,12 @@
       </p:grpSpPr>
       <p:sp>
         <p:nvSpPr>
-          <p:cNvPr id="2" name="Subtitle 1"/>
+          <p:cNvPr id="2" name="Title 1"/>
           <p:cNvSpPr>
             <a:spLocks noGrp="1"/>
           </p:cNvSpPr>
           <p:nvPr>
-            <p:ph type="subTitle" idx="1"/>
+            <p:ph type="title"/>
           </p:nvPr>
         </p:nvSpPr>
         <p:spPr/>
@@ -19221,34 +17901,12 @@
           <a:lstStyle/>
           <a:p>
             <a:r>
+              <a:rPr lang="en-US" dirty="0"/>
+              <a:t>Creating </a:t>
+            </a:r>
+            <a:r>
               <a:rPr lang="en-US" dirty="0" smtClean="0"/>
-              <a:t>Adding A Connected Service to a XAMARIN App</a:t>
-            </a:r>
-            <a:endParaRPr lang="en-US" dirty="0"/>
-          </a:p>
-        </p:txBody>
-      </p:sp>
-      <p:sp>
-        <p:nvSpPr>
-          <p:cNvPr id="3" name="Text Placeholder 2"/>
-          <p:cNvSpPr>
-            <a:spLocks noGrp="1"/>
-          </p:cNvSpPr>
-          <p:nvPr>
-            <p:ph type="body" sz="quarter" idx="10"/>
-          </p:nvPr>
-        </p:nvSpPr>
-        <p:spPr/>
-        <p:txBody>
-          <a:bodyPr/>
-          <a:lstStyle/>
-          <a:p>
-            <a:pPr marL="0" indent="0">
-              <a:buNone/>
-            </a:pPr>
-            <a:r>
-              <a:rPr lang="en-US" dirty="0" smtClean="0"/>
-              <a:t>demo</a:t>
+              <a:t>Shared Projects</a:t>
             </a:r>
             <a:endParaRPr lang="en-US" dirty="0"/>
           </a:p>
@@ -19257,7 +17915,7 @@
     </p:spTree>
     <p:extLst>
       <p:ext uri="{BB962C8B-B14F-4D97-AF65-F5344CB8AC3E}">
-        <p14:creationId xmlns:p14="http://schemas.microsoft.com/office/powerpoint/2010/main" val="4105066289"/>
+        <p14:creationId xmlns:p14="http://schemas.microsoft.com/office/powerpoint/2010/main" val="3417302205"/>
       </p:ext>
     </p:extLst>
   </p:cSld>
@@ -19310,21 +17968,113 @@
           <a:lstStyle/>
           <a:p>
             <a:r>
+              <a:rPr lang="en-US" dirty="0" smtClean="0"/>
+              <a:t>Shared Projects</a:t>
+            </a:r>
+            <a:endParaRPr lang="en-US" dirty="0"/>
+          </a:p>
+        </p:txBody>
+      </p:sp>
+      <p:sp>
+        <p:nvSpPr>
+          <p:cNvPr id="3" name="Text Placeholder 2"/>
+          <p:cNvSpPr>
+            <a:spLocks noGrp="1"/>
+          </p:cNvSpPr>
+          <p:nvPr>
+            <p:ph type="body" sz="quarter" idx="10"/>
+          </p:nvPr>
+        </p:nvSpPr>
+        <p:spPr/>
+        <p:txBody>
+          <a:bodyPr/>
+          <a:lstStyle/>
+          <a:p>
+            <a:r>
+              <a:rPr lang="en-US" dirty="0" smtClean="0"/>
+              <a:t>Allows for reuse of code across projects</a:t>
+            </a:r>
+          </a:p>
+          <a:p>
+            <a:pPr lvl="1"/>
+            <a:r>
+              <a:rPr lang="en-US" dirty="0" smtClean="0"/>
+              <a:t>Shared project has no output (e.g. DLL) of its own</a:t>
+            </a:r>
+          </a:p>
+          <a:p>
+            <a:pPr lvl="1"/>
+            <a:r>
               <a:rPr lang="en-US" dirty="0"/>
-              <a:t>Creating Portable Xamarin </a:t>
+              <a:t>Shared </a:t>
             </a:r>
             <a:r>
               <a:rPr lang="en-US" dirty="0" smtClean="0"/>
-              <a:t>Apps</a:t>
+              <a:t>project code is compiled into any other project that reference it</a:t>
             </a:r>
             <a:endParaRPr lang="en-US" dirty="0"/>
           </a:p>
         </p:txBody>
       </p:sp>
+      <p:sp>
+        <p:nvSpPr>
+          <p:cNvPr id="4" name="Slide Number Placeholder 3"/>
+          <p:cNvSpPr>
+            <a:spLocks noGrp="1"/>
+          </p:cNvSpPr>
+          <p:nvPr>
+            <p:ph type="sldNum" sz="quarter" idx="12"/>
+          </p:nvPr>
+        </p:nvSpPr>
+        <p:spPr/>
+        <p:txBody>
+          <a:bodyPr/>
+          <a:lstStyle/>
+          <a:p>
+            <a:fld id="{727B4C2D-45E2-4621-8491-2995EB46A674}" type="slidenum">
+              <a:rPr lang="en-US" smtClean="0"/>
+              <a:pPr/>
+              <a:t>33</a:t>
+            </a:fld>
+            <a:endParaRPr lang="en-US" dirty="0"/>
+          </a:p>
+        </p:txBody>
+      </p:sp>
+      <p:pic>
+        <p:nvPicPr>
+          <p:cNvPr id="5" name="Picture 4"/>
+          <p:cNvPicPr>
+            <a:picLocks noChangeAspect="1"/>
+          </p:cNvPicPr>
+          <p:nvPr/>
+        </p:nvPicPr>
+        <p:blipFill>
+          <a:blip r:embed="rId2"/>
+          <a:stretch>
+            <a:fillRect/>
+          </a:stretch>
+        </p:blipFill>
+        <p:spPr>
+          <a:xfrm>
+            <a:off x="1429113" y="3124705"/>
+            <a:ext cx="6899042" cy="3384580"/>
+          </a:xfrm>
+          <a:prstGeom prst="rect">
+            <a:avLst/>
+          </a:prstGeom>
+          <a:ln>
+            <a:solidFill>
+              <a:schemeClr val="bg1">
+                <a:lumMod val="65000"/>
+              </a:schemeClr>
+            </a:solidFill>
+          </a:ln>
+        </p:spPr>
+      </p:pic>
     </p:spTree>
     <p:extLst>
       <p:ext uri="{BB962C8B-B14F-4D97-AF65-F5344CB8AC3E}">
-        <p14:creationId xmlns:p14="http://schemas.microsoft.com/office/powerpoint/2010/main" val="3417302205"/>
+        <p14:creationId xmlns:p14="http://schemas.microsoft.com/office/powerpoint/2010/main" val="1035145713"/>
       </p:ext>
     </p:extLst>
   </p:cSld>
@@ -19334,13 +18084,6 @@
   <p:transition>
     <p:fade/>
   </p:transition>
-  <p:timing>
-    <p:tnLst>
-      <p:par>
-        <p:cTn id="1" dur="indefinite" restart="never" nodeType="tmRoot"/>
-      </p:par>
-    </p:tnLst>
-  </p:timing>
 </p:sld>
 </file>
 
@@ -19363,57 +18106,7 @@
       </p:grpSpPr>
       <p:sp>
         <p:nvSpPr>
-          <p:cNvPr id="2" name="Text Placeholder 1"/>
-          <p:cNvSpPr>
-            <a:spLocks noGrp="1"/>
-          </p:cNvSpPr>
-          <p:nvPr>
-            <p:ph type="body" sz="quarter" idx="10"/>
-          </p:nvPr>
-        </p:nvSpPr>
-        <p:spPr/>
-        <p:txBody>
-          <a:bodyPr/>
-          <a:lstStyle/>
-          <a:p>
-            <a:r>
-              <a:rPr lang="en-US" dirty="0" smtClean="0"/>
-              <a:t>Some things can be shared</a:t>
-            </a:r>
-          </a:p>
-          <a:p>
-            <a:pPr lvl="1"/>
-            <a:r>
-              <a:rPr lang="en-US" dirty="0" smtClean="0"/>
-              <a:t>Business logic</a:t>
-            </a:r>
-          </a:p>
-          <a:p>
-            <a:pPr lvl="1"/>
-            <a:r>
-              <a:rPr lang="en-US" dirty="0" smtClean="0"/>
-              <a:t>Code to access services across the network</a:t>
-            </a:r>
-          </a:p>
-          <a:p>
-            <a:r>
-              <a:rPr lang="en-US" dirty="0" smtClean="0"/>
-              <a:t>Some things cannot be shared</a:t>
-            </a:r>
-          </a:p>
-          <a:p>
-            <a:pPr lvl="1"/>
-            <a:r>
-              <a:rPr lang="en-US" dirty="0" smtClean="0"/>
-              <a:t>Code that manages the user experience because Android, iOS Windows Phone are very different</a:t>
-            </a:r>
-            <a:endParaRPr lang="en-US" dirty="0"/>
-          </a:p>
-        </p:txBody>
-      </p:sp>
-      <p:sp>
-        <p:nvSpPr>
-          <p:cNvPr id="3" name="Title 2"/>
+          <p:cNvPr id="2" name="Title 1"/>
           <p:cNvSpPr>
             <a:spLocks noGrp="1"/>
           </p:cNvSpPr>
@@ -19428,7 +18121,7 @@
           <a:p>
             <a:r>
               <a:rPr lang="en-US" dirty="0" smtClean="0"/>
-              <a:t>Xamarin Cross-platform Development</a:t>
+              <a:t>Creating a Shared Project Solution</a:t>
             </a:r>
             <a:endParaRPr lang="en-US" dirty="0"/>
           </a:p>
@@ -19436,7 +18129,7 @@
       </p:sp>
       <p:sp>
         <p:nvSpPr>
-          <p:cNvPr id="4" name="Slide Number Placeholder 3"/>
+          <p:cNvPr id="3" name="Slide Number Placeholder 2"/>
           <p:cNvSpPr>
             <a:spLocks noGrp="1"/>
           </p:cNvSpPr>
@@ -19458,10 +18151,138 @@
           </a:p>
         </p:txBody>
       </p:sp>
+      <p:pic>
+        <p:nvPicPr>
+          <p:cNvPr id="4" name="Picture 3"/>
+          <p:cNvPicPr>
+            <a:picLocks noChangeAspect="1"/>
+          </p:cNvPicPr>
+          <p:nvPr/>
+        </p:nvPicPr>
+        <p:blipFill>
+          <a:blip r:embed="rId2"/>
+          <a:stretch>
+            <a:fillRect/>
+          </a:stretch>
+        </p:blipFill>
+        <p:spPr>
+          <a:xfrm>
+            <a:off x="348930" y="1653435"/>
+            <a:ext cx="5591981" cy="3863806"/>
+          </a:xfrm>
+          <a:prstGeom prst="rect">
+            <a:avLst/>
+          </a:prstGeom>
+        </p:spPr>
+      </p:pic>
+      <p:pic>
+        <p:nvPicPr>
+          <p:cNvPr id="5" name="Picture 4"/>
+          <p:cNvPicPr>
+            <a:picLocks noChangeAspect="1"/>
+          </p:cNvPicPr>
+          <p:nvPr/>
+        </p:nvPicPr>
+        <p:blipFill>
+          <a:blip r:embed="rId3"/>
+          <a:stretch>
+            <a:fillRect/>
+          </a:stretch>
+        </p:blipFill>
+        <p:spPr>
+          <a:xfrm>
+            <a:off x="6664250" y="1565753"/>
+            <a:ext cx="5207205" cy="5144087"/>
+          </a:xfrm>
+          <a:prstGeom prst="rect">
+            <a:avLst/>
+          </a:prstGeom>
+          <a:ln>
+            <a:solidFill>
+              <a:schemeClr val="bg1">
+                <a:lumMod val="75000"/>
+              </a:schemeClr>
+            </a:solidFill>
+          </a:ln>
+        </p:spPr>
+      </p:pic>
+      <p:sp>
+        <p:nvSpPr>
+          <p:cNvPr id="6" name="Right Arrow 5"/>
+          <p:cNvSpPr/>
+          <p:nvPr/>
+        </p:nvSpPr>
+        <p:spPr bwMode="auto">
+          <a:xfrm>
+            <a:off x="5295820" y="3323604"/>
+            <a:ext cx="1290181" cy="814192"/>
+          </a:xfrm>
+          <a:prstGeom prst="rightArrow">
+            <a:avLst/>
+          </a:prstGeom>
+          <a:solidFill>
+            <a:schemeClr val="accent1"/>
+          </a:solidFill>
+          <a:ln>
+            <a:noFill/>
+            <a:headEnd type="none" w="med" len="med"/>
+            <a:tailEnd type="none" w="med" len="med"/>
+          </a:ln>
+          <a:effectLst/>
+        </p:spPr>
+        <p:style>
+          <a:lnRef idx="1">
+            <a:schemeClr val="accent2"/>
+          </a:lnRef>
+          <a:fillRef idx="3">
+            <a:schemeClr val="accent2"/>
+          </a:fillRef>
+          <a:effectRef idx="2">
+            <a:schemeClr val="accent2"/>
+          </a:effectRef>
+          <a:fontRef idx="minor">
+            <a:schemeClr val="lt1"/>
+          </a:fontRef>
+        </p:style>
+        <p:txBody>
+          <a:bodyPr rot="0" spcFirstLastPara="0" vertOverflow="overflow" horzOverflow="overflow" vert="horz" wrap="square" lIns="45720" tIns="45720" rIns="45720" bIns="45720" numCol="1" spcCol="0" rtlCol="0" fromWordArt="0" anchor="ctr" anchorCtr="0" forceAA="0" compatLnSpc="1">
+            <a:prstTxWarp prst="textNoShape">
+              <a:avLst/>
+            </a:prstTxWarp>
+            <a:noAutofit/>
+          </a:bodyPr>
+          <a:lstStyle/>
+          <a:p>
+            <a:pPr algn="ctr" defTabSz="914099" fontAlgn="base">
+              <a:spcBef>
+                <a:spcPct val="0"/>
+              </a:spcBef>
+              <a:spcAft>
+                <a:spcPct val="0"/>
+              </a:spcAft>
+            </a:pPr>
+            <a:endParaRPr lang="en-US" sz="2200" dirty="0" smtClean="0">
+              <a:gradFill>
+                <a:gsLst>
+                  <a:gs pos="0">
+                    <a:srgbClr val="FFFFFF"/>
+                  </a:gs>
+                  <a:gs pos="100000">
+                    <a:srgbClr val="FFFFFF"/>
+                  </a:gs>
+                </a:gsLst>
+                <a:lin ang="5400000" scaled="0"/>
+              </a:gradFill>
+              <a:ea typeface="Segoe UI" pitchFamily="34" charset="0"/>
+              <a:cs typeface="Segoe UI" pitchFamily="34" charset="0"/>
+            </a:endParaRPr>
+          </a:p>
+        </p:txBody>
+      </p:sp>
     </p:spTree>
     <p:extLst>
       <p:ext uri="{BB962C8B-B14F-4D97-AF65-F5344CB8AC3E}">
-        <p14:creationId xmlns:p14="http://schemas.microsoft.com/office/powerpoint/2010/main" val="1154633360"/>
+        <p14:creationId xmlns:p14="http://schemas.microsoft.com/office/powerpoint/2010/main" val="617812021"/>
       </p:ext>
     </p:extLst>
   </p:cSld>
@@ -19471,13 +18292,6 @@
   <p:transition>
     <p:fade/>
   </p:transition>
-  <p:timing>
-    <p:tnLst>
-      <p:par>
-        <p:cTn id="1" dur="indefinite" restart="never" nodeType="tmRoot"/>
-      </p:par>
-    </p:tnLst>
-  </p:timing>
 </p:sld>
 </file>
 
@@ -19514,10 +18328,61 @@
           <a:lstStyle/>
           <a:p>
             <a:r>
-              <a:rPr lang="en-US" sz="4800" dirty="0" smtClean="0"/>
-              <a:t>Creating a Xamarin Cross-Platform Solution</a:t>
-            </a:r>
-            <a:endParaRPr lang="en-US" sz="4800" dirty="0"/>
+              <a:rPr lang="en-US" dirty="0" smtClean="0"/>
+              <a:t>Integrating an iOS Project</a:t>
+            </a:r>
+            <a:endParaRPr lang="en-US" dirty="0"/>
+          </a:p>
+        </p:txBody>
+      </p:sp>
+      <p:sp>
+        <p:nvSpPr>
+          <p:cNvPr id="5" name="Text Placeholder 4"/>
+          <p:cNvSpPr>
+            <a:spLocks noGrp="1"/>
+          </p:cNvSpPr>
+          <p:nvPr>
+            <p:ph type="body" sz="quarter" idx="10"/>
+          </p:nvPr>
+        </p:nvSpPr>
+        <p:spPr/>
+        <p:txBody>
+          <a:bodyPr/>
+          <a:lstStyle/>
+          <a:p>
+            <a:r>
+              <a:rPr lang="en-US" dirty="0" smtClean="0"/>
+              <a:t>To build iOS apps you will needs a Mac</a:t>
+            </a:r>
+          </a:p>
+          <a:p>
+            <a:pPr lvl="1"/>
+            <a:r>
+              <a:rPr lang="en-US" dirty="0" smtClean="0"/>
+              <a:t>Xamarin product orchestrates communication between Mac and Windows</a:t>
+            </a:r>
+          </a:p>
+          <a:p>
+            <a:pPr lvl="1"/>
+            <a:r>
+              <a:rPr lang="en-US" dirty="0" smtClean="0"/>
+              <a:t>Windows PC with Visual Studio pairs with Mac computer</a:t>
+            </a:r>
+          </a:p>
+          <a:p>
+            <a:pPr lvl="1"/>
+            <a:r>
+              <a:rPr lang="en-US" dirty="0" smtClean="0"/>
+              <a:t>Builds and debugging sessions can be initiated from Visual Studio</a:t>
+            </a:r>
+          </a:p>
+          <a:p>
+            <a:pPr lvl="1"/>
+            <a:r>
+              <a:rPr lang="en-US" dirty="0" smtClean="0"/>
+              <a:t>App compilation done on the Mac</a:t>
+            </a:r>
+            <a:endParaRPr lang="en-US" dirty="0"/>
           </a:p>
         </p:txBody>
       </p:sp>
@@ -19540,168 +18405,6 @@
               <a:rPr lang="en-US" smtClean="0"/>
               <a:pPr/>
               <a:t>35</a:t>
-            </a:fld>
-            <a:endParaRPr lang="en-US" dirty="0"/>
-          </a:p>
-        </p:txBody>
-      </p:sp>
-      <p:pic>
-        <p:nvPicPr>
-          <p:cNvPr id="4" name="Picture 3"/>
-          <p:cNvPicPr>
-            <a:picLocks noChangeAspect="1"/>
-          </p:cNvPicPr>
-          <p:nvPr/>
-        </p:nvPicPr>
-        <p:blipFill>
-          <a:blip r:embed="rId2"/>
-          <a:stretch>
-            <a:fillRect/>
-          </a:stretch>
-        </p:blipFill>
-        <p:spPr>
-          <a:xfrm>
-            <a:off x="519112" y="1172326"/>
-            <a:ext cx="6654550" cy="4597993"/>
-          </a:xfrm>
-          <a:prstGeom prst="rect">
-            <a:avLst/>
-          </a:prstGeom>
-        </p:spPr>
-      </p:pic>
-    </p:spTree>
-    <p:extLst>
-      <p:ext uri="{BB962C8B-B14F-4D97-AF65-F5344CB8AC3E}">
-        <p14:creationId xmlns:p14="http://schemas.microsoft.com/office/powerpoint/2010/main" val="1560813205"/>
-      </p:ext>
-    </p:extLst>
-  </p:cSld>
-  <p:clrMapOvr>
-    <a:masterClrMapping/>
-  </p:clrMapOvr>
-  <p:transition>
-    <p:fade/>
-  </p:transition>
-  <p:timing>
-    <p:tnLst>
-      <p:par>
-        <p:cTn id="1" dur="indefinite" restart="never" nodeType="tmRoot"/>
-      </p:par>
-    </p:tnLst>
-  </p:timing>
-</p:sld>
-</file>
-
-<file path=ppt/slides/slide36.xml><?xml version="1.0" encoding="utf-8"?>
-<p:sld xmlns:a="http://schemas.openxmlformats.org/drawingml/2006/main" xmlns:r="http://schemas.openxmlformats.org/officeDocument/2006/relationships" xmlns:p="http://schemas.openxmlformats.org/presentationml/2006/main">
-  <p:cSld>
-    <p:spTree>
-      <p:nvGrpSpPr>
-        <p:cNvPr id="1" name=""/>
-        <p:cNvGrpSpPr/>
-        <p:nvPr/>
-      </p:nvGrpSpPr>
-      <p:grpSpPr>
-        <a:xfrm>
-          <a:off x="0" y="0"/>
-          <a:ext cx="0" cy="0"/>
-          <a:chOff x="0" y="0"/>
-          <a:chExt cx="0" cy="0"/>
-        </a:xfrm>
-      </p:grpSpPr>
-      <p:sp>
-        <p:nvSpPr>
-          <p:cNvPr id="2" name="Title 1"/>
-          <p:cNvSpPr>
-            <a:spLocks noGrp="1"/>
-          </p:cNvSpPr>
-          <p:nvPr>
-            <p:ph type="title"/>
-          </p:nvPr>
-        </p:nvSpPr>
-        <p:spPr/>
-        <p:txBody>
-          <a:bodyPr/>
-          <a:lstStyle/>
-          <a:p>
-            <a:r>
-              <a:rPr lang="en-US" dirty="0" smtClean="0"/>
-              <a:t>Integrating an iOS Project</a:t>
-            </a:r>
-            <a:endParaRPr lang="en-US" dirty="0"/>
-          </a:p>
-        </p:txBody>
-      </p:sp>
-      <p:sp>
-        <p:nvSpPr>
-          <p:cNvPr id="5" name="Text Placeholder 4"/>
-          <p:cNvSpPr>
-            <a:spLocks noGrp="1"/>
-          </p:cNvSpPr>
-          <p:nvPr>
-            <p:ph type="body" sz="quarter" idx="10"/>
-          </p:nvPr>
-        </p:nvSpPr>
-        <p:spPr/>
-        <p:txBody>
-          <a:bodyPr/>
-          <a:lstStyle/>
-          <a:p>
-            <a:r>
-              <a:rPr lang="en-US" dirty="0" smtClean="0"/>
-              <a:t>To build iOS apps you will needs a Mac</a:t>
-            </a:r>
-          </a:p>
-          <a:p>
-            <a:pPr lvl="1"/>
-            <a:r>
-              <a:rPr lang="en-US" dirty="0" smtClean="0"/>
-              <a:t>Xamarin product orchestrates communication between Mac and Windows</a:t>
-            </a:r>
-          </a:p>
-          <a:p>
-            <a:pPr lvl="1"/>
-            <a:r>
-              <a:rPr lang="en-US" dirty="0" smtClean="0"/>
-              <a:t>Windows PC with Visual Studio pairs with Mac computer</a:t>
-            </a:r>
-          </a:p>
-          <a:p>
-            <a:pPr lvl="1"/>
-            <a:r>
-              <a:rPr lang="en-US" dirty="0" smtClean="0"/>
-              <a:t>Builds and debugging sessions can be initiated from Visual Studio</a:t>
-            </a:r>
-          </a:p>
-          <a:p>
-            <a:pPr lvl="1"/>
-            <a:r>
-              <a:rPr lang="en-US" dirty="0" smtClean="0"/>
-              <a:t>App compilation done on the Mac</a:t>
-            </a:r>
-            <a:endParaRPr lang="en-US" dirty="0"/>
-          </a:p>
-        </p:txBody>
-      </p:sp>
-      <p:sp>
-        <p:nvSpPr>
-          <p:cNvPr id="3" name="Slide Number Placeholder 2"/>
-          <p:cNvSpPr>
-            <a:spLocks noGrp="1"/>
-          </p:cNvSpPr>
-          <p:nvPr>
-            <p:ph type="sldNum" sz="quarter" idx="12"/>
-          </p:nvPr>
-        </p:nvSpPr>
-        <p:spPr/>
-        <p:txBody>
-          <a:bodyPr/>
-          <a:lstStyle/>
-          <a:p>
-            <a:fld id="{727B4C2D-45E2-4621-8491-2995EB46A674}" type="slidenum">
-              <a:rPr lang="en-US" smtClean="0"/>
-              <a:pPr/>
-              <a:t>36</a:t>
             </a:fld>
             <a:endParaRPr lang="en-US" dirty="0"/>
           </a:p>
@@ -19754,6 +18457,157 @@
 </p:sld>
 </file>
 
+<file path=ppt/slides/slide36.xml><?xml version="1.0" encoding="utf-8"?>
+<p:sld xmlns:a="http://schemas.openxmlformats.org/drawingml/2006/main" xmlns:r="http://schemas.openxmlformats.org/officeDocument/2006/relationships" xmlns:p="http://schemas.openxmlformats.org/presentationml/2006/main">
+  <p:cSld>
+    <p:spTree>
+      <p:nvGrpSpPr>
+        <p:cNvPr id="1" name=""/>
+        <p:cNvGrpSpPr/>
+        <p:nvPr/>
+      </p:nvGrpSpPr>
+      <p:grpSpPr>
+        <a:xfrm>
+          <a:off x="0" y="0"/>
+          <a:ext cx="0" cy="0"/>
+          <a:chOff x="0" y="0"/>
+          <a:chExt cx="0" cy="0"/>
+        </a:xfrm>
+      </p:grpSpPr>
+      <p:sp>
+        <p:nvSpPr>
+          <p:cNvPr id="2" name="Title 1"/>
+          <p:cNvSpPr>
+            <a:spLocks noGrp="1"/>
+          </p:cNvSpPr>
+          <p:nvPr>
+            <p:ph type="title"/>
+          </p:nvPr>
+        </p:nvSpPr>
+        <p:spPr/>
+        <p:txBody>
+          <a:bodyPr/>
+          <a:lstStyle/>
+          <a:p>
+            <a:r>
+              <a:rPr lang="en-US" dirty="0" err="1" smtClean="0"/>
+              <a:t>Xamarin.Forms</a:t>
+            </a:r>
+            <a:endParaRPr lang="en-US" dirty="0"/>
+          </a:p>
+        </p:txBody>
+      </p:sp>
+      <p:sp>
+        <p:nvSpPr>
+          <p:cNvPr id="3" name="Text Placeholder 2"/>
+          <p:cNvSpPr>
+            <a:spLocks noGrp="1"/>
+          </p:cNvSpPr>
+          <p:nvPr>
+            <p:ph type="body" sz="quarter" idx="10"/>
+          </p:nvPr>
+        </p:nvSpPr>
+        <p:spPr/>
+        <p:txBody>
+          <a:bodyPr/>
+          <a:lstStyle/>
+          <a:p>
+            <a:r>
+              <a:rPr lang="en-US" sz="3600" dirty="0" smtClean="0"/>
+              <a:t>Cross-platform </a:t>
+            </a:r>
+            <a:r>
+              <a:rPr lang="en-US" sz="3600" dirty="0"/>
+              <a:t>natively backed UI toolkit </a:t>
+            </a:r>
+            <a:r>
+              <a:rPr lang="en-US" sz="3600" dirty="0" smtClean="0"/>
+              <a:t>abstraction</a:t>
+            </a:r>
+          </a:p>
+          <a:p>
+            <a:pPr lvl="1"/>
+            <a:r>
+              <a:rPr lang="en-US" sz="2000" dirty="0" smtClean="0"/>
+              <a:t>Allows for UI layouts that </a:t>
+            </a:r>
+            <a:r>
+              <a:rPr lang="en-US" sz="2000" dirty="0"/>
+              <a:t>can be shared across Android, iOS, and Windows </a:t>
+            </a:r>
+            <a:r>
+              <a:rPr lang="en-US" sz="2000" dirty="0" smtClean="0"/>
+              <a:t>Phone</a:t>
+            </a:r>
+          </a:p>
+          <a:p>
+            <a:pPr lvl="1"/>
+            <a:r>
+              <a:rPr lang="en-US" sz="2000" dirty="0" smtClean="0"/>
+              <a:t>User </a:t>
+            </a:r>
+            <a:r>
+              <a:rPr lang="en-US" sz="2000" dirty="0"/>
+              <a:t>interfaces are rendered using the native controls of the target </a:t>
+            </a:r>
+            <a:r>
+              <a:rPr lang="en-US" sz="2000" dirty="0" smtClean="0"/>
+              <a:t>platform</a:t>
+            </a:r>
+          </a:p>
+          <a:p>
+            <a:pPr lvl="1"/>
+            <a:r>
+              <a:rPr lang="en-US" sz="2000" dirty="0" smtClean="0"/>
+              <a:t>Allows applications </a:t>
+            </a:r>
+            <a:r>
+              <a:rPr lang="en-US" sz="2000" dirty="0"/>
+              <a:t>to retain the appropriate look and feel for each platform</a:t>
+            </a:r>
+          </a:p>
+        </p:txBody>
+      </p:sp>
+      <p:sp>
+        <p:nvSpPr>
+          <p:cNvPr id="4" name="Slide Number Placeholder 3"/>
+          <p:cNvSpPr>
+            <a:spLocks noGrp="1"/>
+          </p:cNvSpPr>
+          <p:nvPr>
+            <p:ph type="sldNum" sz="quarter" idx="12"/>
+          </p:nvPr>
+        </p:nvSpPr>
+        <p:spPr/>
+        <p:txBody>
+          <a:bodyPr/>
+          <a:lstStyle/>
+          <a:p>
+            <a:fld id="{727B4C2D-45E2-4621-8491-2995EB46A674}" type="slidenum">
+              <a:rPr lang="en-US" smtClean="0"/>
+              <a:pPr/>
+              <a:t>36</a:t>
+            </a:fld>
+            <a:endParaRPr lang="en-US" dirty="0"/>
+          </a:p>
+        </p:txBody>
+      </p:sp>
+    </p:spTree>
+    <p:extLst>
+      <p:ext uri="{BB962C8B-B14F-4D97-AF65-F5344CB8AC3E}">
+        <p14:creationId xmlns:p14="http://schemas.microsoft.com/office/powerpoint/2010/main" val="26577356"/>
+      </p:ext>
+    </p:extLst>
+  </p:cSld>
+  <p:clrMapOvr>
+    <a:masterClrMapping/>
+  </p:clrMapOvr>
+  <p:transition>
+    <p:fade/>
+  </p:transition>
+</p:sld>
+</file>
+
 <file path=ppt/slides/slide37.xml><?xml version="1.0" encoding="utf-8"?>
 <p:sld xmlns:a="http://schemas.openxmlformats.org/drawingml/2006/main" xmlns:r="http://schemas.openxmlformats.org/officeDocument/2006/relationships" xmlns:p="http://schemas.openxmlformats.org/presentationml/2006/main">
   <p:cSld>
@@ -19771,45 +18625,14 @@
           <a:chExt cx="0" cy="0"/>
         </a:xfrm>
       </p:grpSpPr>
-      <p:pic>
-        <p:nvPicPr>
-          <p:cNvPr id="2" name="Picture 1"/>
-          <p:cNvPicPr>
-            <a:picLocks noChangeAspect="1"/>
-          </p:cNvPicPr>
-          <p:nvPr/>
-        </p:nvPicPr>
-        <p:blipFill>
-          <a:blip r:embed="rId2"/>
-          <a:stretch>
-            <a:fillRect/>
-          </a:stretch>
-        </p:blipFill>
-        <p:spPr>
-          <a:xfrm>
-            <a:off x="743367" y="3491435"/>
-            <a:ext cx="5600700" cy="2905125"/>
-          </a:xfrm>
-          <a:prstGeom prst="rect">
-            <a:avLst/>
-          </a:prstGeom>
-          <a:ln>
-            <a:solidFill>
-              <a:schemeClr val="bg1">
-                <a:lumMod val="50000"/>
-              </a:schemeClr>
-            </a:solidFill>
-          </a:ln>
-        </p:spPr>
-      </p:pic>
-      <p:sp>
-        <p:nvSpPr>
-          <p:cNvPr id="3" name="Title 2"/>
+      <p:sp>
+        <p:nvSpPr>
+          <p:cNvPr id="2" name="Subtitle 1"/>
           <p:cNvSpPr>
             <a:spLocks noGrp="1"/>
           </p:cNvSpPr>
           <p:nvPr>
-            <p:ph type="title"/>
+            <p:ph type="subTitle" idx="1"/>
           </p:nvPr>
         </p:nvSpPr>
         <p:spPr/>
@@ -19819,7 +18642,7 @@
           <a:p>
             <a:r>
               <a:rPr lang="en-US" dirty="0" smtClean="0"/>
-              <a:t>Portable Xamarin Solutions</a:t>
+              <a:t>Examining a Xamarin  Cross-Platform Solution</a:t>
             </a:r>
             <a:endParaRPr lang="en-US" dirty="0"/>
           </a:p>
@@ -19827,7 +18650,7 @@
       </p:sp>
       <p:sp>
         <p:nvSpPr>
-          <p:cNvPr id="4" name="Text Placeholder 3"/>
+          <p:cNvPr id="3" name="Text Placeholder 2"/>
           <p:cNvSpPr>
             <a:spLocks noGrp="1"/>
           </p:cNvSpPr>
@@ -19840,21 +18663,12 @@
           <a:bodyPr/>
           <a:lstStyle/>
           <a:p>
+            <a:pPr marL="0" indent="0">
+              <a:buNone/>
+            </a:pPr>
             <a:r>
               <a:rPr lang="en-US" dirty="0" smtClean="0"/>
-              <a:t>Common code goes into portal library</a:t>
-            </a:r>
-          </a:p>
-          <a:p>
-            <a:r>
-              <a:rPr lang="en-US" dirty="0" smtClean="0"/>
-              <a:t>Each platform gets its own project and debug targets</a:t>
-            </a:r>
-          </a:p>
-          <a:p>
-            <a:r>
-              <a:rPr lang="en-US" dirty="0" smtClean="0"/>
-              <a:t>Connected Services Add to platform projects</a:t>
+              <a:t>demo</a:t>
             </a:r>
             <a:endParaRPr lang="en-US" dirty="0"/>
           </a:p>
@@ -19863,7 +18677,7 @@
     </p:spTree>
     <p:extLst>
       <p:ext uri="{BB962C8B-B14F-4D97-AF65-F5344CB8AC3E}">
-        <p14:creationId xmlns:p14="http://schemas.microsoft.com/office/powerpoint/2010/main" val="879267327"/>
+        <p14:creationId xmlns:p14="http://schemas.microsoft.com/office/powerpoint/2010/main" val="528467950"/>
       </p:ext>
     </p:extLst>
   </p:cSld>
@@ -19902,95 +18716,6 @@
       </p:grpSpPr>
       <p:sp>
         <p:nvSpPr>
-          <p:cNvPr id="2" name="Subtitle 1"/>
-          <p:cNvSpPr>
-            <a:spLocks noGrp="1"/>
-          </p:cNvSpPr>
-          <p:nvPr>
-            <p:ph type="subTitle" idx="1"/>
-          </p:nvPr>
-        </p:nvSpPr>
-        <p:spPr/>
-        <p:txBody>
-          <a:bodyPr/>
-          <a:lstStyle/>
-          <a:p>
-            <a:r>
-              <a:rPr lang="en-US" dirty="0" smtClean="0"/>
-              <a:t>Examining a Xamarin  Cross-Platform Solution</a:t>
-            </a:r>
-            <a:endParaRPr lang="en-US" dirty="0"/>
-          </a:p>
-        </p:txBody>
-      </p:sp>
-      <p:sp>
-        <p:nvSpPr>
-          <p:cNvPr id="3" name="Text Placeholder 2"/>
-          <p:cNvSpPr>
-            <a:spLocks noGrp="1"/>
-          </p:cNvSpPr>
-          <p:nvPr>
-            <p:ph type="body" sz="quarter" idx="10"/>
-          </p:nvPr>
-        </p:nvSpPr>
-        <p:spPr/>
-        <p:txBody>
-          <a:bodyPr/>
-          <a:lstStyle/>
-          <a:p>
-            <a:pPr marL="0" indent="0">
-              <a:buNone/>
-            </a:pPr>
-            <a:r>
-              <a:rPr lang="en-US" dirty="0" smtClean="0"/>
-              <a:t>demo</a:t>
-            </a:r>
-            <a:endParaRPr lang="en-US" dirty="0"/>
-          </a:p>
-        </p:txBody>
-      </p:sp>
-    </p:spTree>
-    <p:extLst>
-      <p:ext uri="{BB962C8B-B14F-4D97-AF65-F5344CB8AC3E}">
-        <p14:creationId xmlns:p14="http://schemas.microsoft.com/office/powerpoint/2010/main" val="528467950"/>
-      </p:ext>
-    </p:extLst>
-  </p:cSld>
-  <p:clrMapOvr>
-    <a:masterClrMapping/>
-  </p:clrMapOvr>
-  <p:transition>
-    <p:fade/>
-  </p:transition>
-  <p:timing>
-    <p:tnLst>
-      <p:par>
-        <p:cTn id="1" dur="indefinite" restart="never" nodeType="tmRoot"/>
-      </p:par>
-    </p:tnLst>
-  </p:timing>
-</p:sld>
-</file>
-
-<file path=ppt/slides/slide39.xml><?xml version="1.0" encoding="utf-8"?>
-<p:sld xmlns:a="http://schemas.openxmlformats.org/drawingml/2006/main" xmlns:r="http://schemas.openxmlformats.org/officeDocument/2006/relationships" xmlns:p="http://schemas.openxmlformats.org/presentationml/2006/main">
-  <p:cSld>
-    <p:spTree>
-      <p:nvGrpSpPr>
-        <p:cNvPr id="1" name=""/>
-        <p:cNvGrpSpPr/>
-        <p:nvPr/>
-      </p:nvGrpSpPr>
-      <p:grpSpPr>
-        <a:xfrm>
-          <a:off x="0" y="0"/>
-          <a:ext cx="0" cy="0"/>
-          <a:chOff x="0" y="0"/>
-          <a:chExt cx="0" cy="0"/>
-        </a:xfrm>
-      </p:grpSpPr>
-      <p:sp>
-        <p:nvSpPr>
           <p:cNvPr id="2" name="Text Placeholder 1"/>
           <p:cNvSpPr>
             <a:spLocks noGrp="1"/>
@@ -20125,156 +18850,7 @@
 </p:sld>
 </file>
 
-<file path=ppt/slides/slide4.xml><?xml version="1.0" encoding="utf-8"?>
-<p:sld xmlns:a="http://schemas.openxmlformats.org/drawingml/2006/main" xmlns:r="http://schemas.openxmlformats.org/officeDocument/2006/relationships" xmlns:p="http://schemas.openxmlformats.org/presentationml/2006/main">
-  <p:cSld>
-    <p:spTree>
-      <p:nvGrpSpPr>
-        <p:cNvPr id="1" name=""/>
-        <p:cNvGrpSpPr/>
-        <p:nvPr/>
-      </p:nvGrpSpPr>
-      <p:grpSpPr>
-        <a:xfrm>
-          <a:off x="0" y="0"/>
-          <a:ext cx="0" cy="0"/>
-          <a:chOff x="0" y="0"/>
-          <a:chExt cx="0" cy="0"/>
-        </a:xfrm>
-      </p:grpSpPr>
-      <p:sp>
-        <p:nvSpPr>
-          <p:cNvPr id="2" name="Text Placeholder 1"/>
-          <p:cNvSpPr>
-            <a:spLocks noGrp="1"/>
-          </p:cNvSpPr>
-          <p:nvPr>
-            <p:ph type="body" sz="quarter" idx="15"/>
-          </p:nvPr>
-        </p:nvSpPr>
-        <p:spPr>
-          <a:xfrm>
-            <a:off x="4708937" y="1814048"/>
-            <a:ext cx="7169534" cy="2881519"/>
-          </a:xfrm>
-        </p:spPr>
-        <p:txBody>
-          <a:bodyPr/>
-          <a:lstStyle/>
-          <a:p>
-            <a:r>
-              <a:rPr lang="en-US" dirty="0" smtClean="0"/>
-              <a:t>Xamarin Development Overview</a:t>
-            </a:r>
-          </a:p>
-          <a:p>
-            <a:r>
-              <a:rPr lang="en-US" dirty="0" smtClean="0"/>
-              <a:t>Developing Xamarin Apps</a:t>
-            </a:r>
-          </a:p>
-          <a:p>
-            <a:r>
-              <a:rPr lang="en-US" dirty="0" smtClean="0"/>
-              <a:t>Developing for Office 365</a:t>
-            </a:r>
-          </a:p>
-          <a:p>
-            <a:r>
-              <a:rPr lang="en-US" dirty="0" smtClean="0"/>
-              <a:t>Creating Portable Xamarin Apps</a:t>
-            </a:r>
-          </a:p>
-        </p:txBody>
-      </p:sp>
-      <p:pic>
-        <p:nvPicPr>
-          <p:cNvPr id="4" name="Picture Placeholder 3"/>
-          <p:cNvPicPr>
-            <a:picLocks noGrp="1" noChangeAspect="1"/>
-          </p:cNvPicPr>
-          <p:nvPr>
-            <p:ph type="pic" sz="quarter" idx="16"/>
-          </p:nvPr>
-        </p:nvPicPr>
-        <p:blipFill>
-          <a:blip r:embed="rId3">
-            <a:extLst>
-              <a:ext uri="{28A0092B-C50C-407E-A947-70E740481C1C}">
-                <a14:useLocalDpi xmlns:a14="http://schemas.microsoft.com/office/drawing/2010/main" val="0"/>
-              </a:ext>
-            </a:extLst>
-          </a:blip>
-          <a:stretch>
-            <a:fillRect/>
-          </a:stretch>
-        </p:blipFill>
-        <p:spPr>
-          <a:xfrm>
-            <a:off x="269169" y="1905492"/>
-            <a:ext cx="4301734" cy="2865616"/>
-          </a:xfrm>
-        </p:spPr>
-      </p:pic>
-      <p:sp>
-        <p:nvSpPr>
-          <p:cNvPr id="5" name="Title 4"/>
-          <p:cNvSpPr>
-            <a:spLocks noGrp="1"/>
-          </p:cNvSpPr>
-          <p:nvPr>
-            <p:ph type="title"/>
-          </p:nvPr>
-        </p:nvSpPr>
-        <p:spPr/>
-        <p:txBody>
-          <a:bodyPr/>
-          <a:lstStyle/>
-          <a:p>
-            <a:r>
-              <a:rPr lang="en-US" dirty="0" smtClean="0"/>
-              <a:t>Agenda</a:t>
-            </a:r>
-            <a:br>
-              <a:rPr lang="en-US" dirty="0" smtClean="0"/>
-            </a:br>
-            <a:endParaRPr lang="en-US" dirty="0"/>
-          </a:p>
-        </p:txBody>
-      </p:sp>
-    </p:spTree>
-    <p:extLst>
-      <p:ext uri="{BB962C8B-B14F-4D97-AF65-F5344CB8AC3E}">
-        <p14:creationId xmlns:p14="http://schemas.microsoft.com/office/powerpoint/2010/main" val="2395946767"/>
-      </p:ext>
-    </p:extLst>
-  </p:cSld>
-  <p:clrMapOvr>
-    <a:masterClrMapping/>
-  </p:clrMapOvr>
-  <mc:AlternateContent xmlns:mc="http://schemas.openxmlformats.org/markup-compatibility/2006" xmlns:p14="http://schemas.microsoft.com/office/powerpoint/2010/main">
-    <mc:Choice Requires="p14">
-      <p:transition spd="med" p14:dur="700">
-        <p:fade/>
-      </p:transition>
-    </mc:Choice>
-    <mc:Fallback xmlns="">
-      <p:transition spd="med">
-        <p:fade/>
-      </p:transition>
-    </mc:Fallback>
-  </mc:AlternateContent>
-  <p:timing>
-    <p:tnLst>
-      <p:par>
-        <p:cTn id="1" dur="indefinite" restart="never" nodeType="tmRoot"/>
-      </p:par>
-    </p:tnLst>
-  </p:timing>
-</p:sld>
-</file>
-
-<file path=ppt/slides/slide40.xml><?xml version="1.0" encoding="utf-8"?>
+<file path=ppt/slides/slide39.xml><?xml version="1.0" encoding="utf-8"?>
 <p:sld xmlns:a="http://schemas.openxmlformats.org/drawingml/2006/main" xmlns:r="http://schemas.openxmlformats.org/officeDocument/2006/relationships" xmlns:p="http://schemas.openxmlformats.org/presentationml/2006/main">
   <p:cSld>
     <p:spTree>
@@ -20659,6 +19235,160 @@
 </p:sld>
 </file>
 
+<file path=ppt/slides/slide4.xml><?xml version="1.0" encoding="utf-8"?>
+<p:sld xmlns:a="http://schemas.openxmlformats.org/drawingml/2006/main" xmlns:r="http://schemas.openxmlformats.org/officeDocument/2006/relationships" xmlns:p="http://schemas.openxmlformats.org/presentationml/2006/main">
+  <p:cSld>
+    <p:spTree>
+      <p:nvGrpSpPr>
+        <p:cNvPr id="1" name=""/>
+        <p:cNvGrpSpPr/>
+        <p:nvPr/>
+      </p:nvGrpSpPr>
+      <p:grpSpPr>
+        <a:xfrm>
+          <a:off x="0" y="0"/>
+          <a:ext cx="0" cy="0"/>
+          <a:chOff x="0" y="0"/>
+          <a:chExt cx="0" cy="0"/>
+        </a:xfrm>
+      </p:grpSpPr>
+      <p:sp>
+        <p:nvSpPr>
+          <p:cNvPr id="2" name="Text Placeholder 1"/>
+          <p:cNvSpPr>
+            <a:spLocks noGrp="1"/>
+          </p:cNvSpPr>
+          <p:nvPr>
+            <p:ph type="body" sz="quarter" idx="15"/>
+          </p:nvPr>
+        </p:nvSpPr>
+        <p:spPr>
+          <a:xfrm>
+            <a:off x="4708937" y="1814048"/>
+            <a:ext cx="7169534" cy="2881519"/>
+          </a:xfrm>
+        </p:spPr>
+        <p:txBody>
+          <a:bodyPr/>
+          <a:lstStyle/>
+          <a:p>
+            <a:r>
+              <a:rPr lang="en-US" dirty="0" smtClean="0"/>
+              <a:t>Xamarin Development Overview</a:t>
+            </a:r>
+          </a:p>
+          <a:p>
+            <a:r>
+              <a:rPr lang="en-US" dirty="0" smtClean="0"/>
+              <a:t>Developing Xamarin Apps</a:t>
+            </a:r>
+          </a:p>
+          <a:p>
+            <a:r>
+              <a:rPr lang="en-US" dirty="0" smtClean="0"/>
+              <a:t>Developing for Office 365</a:t>
+            </a:r>
+          </a:p>
+          <a:p>
+            <a:r>
+              <a:rPr lang="en-US" dirty="0" smtClean="0"/>
+              <a:t>Creating </a:t>
+            </a:r>
+            <a:r>
+              <a:rPr lang="en-US" dirty="0" smtClean="0"/>
+              <a:t>Shared Projects</a:t>
+            </a:r>
+            <a:endParaRPr lang="en-US" dirty="0" smtClean="0"/>
+          </a:p>
+        </p:txBody>
+      </p:sp>
+      <p:pic>
+        <p:nvPicPr>
+          <p:cNvPr id="4" name="Picture Placeholder 3"/>
+          <p:cNvPicPr>
+            <a:picLocks noGrp="1" noChangeAspect="1"/>
+          </p:cNvPicPr>
+          <p:nvPr>
+            <p:ph type="pic" sz="quarter" idx="16"/>
+          </p:nvPr>
+        </p:nvPicPr>
+        <p:blipFill>
+          <a:blip r:embed="rId3">
+            <a:extLst>
+              <a:ext uri="{28A0092B-C50C-407E-A947-70E740481C1C}">
+                <a14:useLocalDpi xmlns:a14="http://schemas.microsoft.com/office/drawing/2010/main" val="0"/>
+              </a:ext>
+            </a:extLst>
+          </a:blip>
+          <a:stretch>
+            <a:fillRect/>
+          </a:stretch>
+        </p:blipFill>
+        <p:spPr>
+          <a:xfrm>
+            <a:off x="269169" y="1905492"/>
+            <a:ext cx="4301734" cy="2865616"/>
+          </a:xfrm>
+        </p:spPr>
+      </p:pic>
+      <p:sp>
+        <p:nvSpPr>
+          <p:cNvPr id="5" name="Title 4"/>
+          <p:cNvSpPr>
+            <a:spLocks noGrp="1"/>
+          </p:cNvSpPr>
+          <p:nvPr>
+            <p:ph type="title"/>
+          </p:nvPr>
+        </p:nvSpPr>
+        <p:spPr/>
+        <p:txBody>
+          <a:bodyPr/>
+          <a:lstStyle/>
+          <a:p>
+            <a:r>
+              <a:rPr lang="en-US" dirty="0" smtClean="0"/>
+              <a:t>Agenda</a:t>
+            </a:r>
+            <a:br>
+              <a:rPr lang="en-US" dirty="0" smtClean="0"/>
+            </a:br>
+            <a:endParaRPr lang="en-US" dirty="0"/>
+          </a:p>
+        </p:txBody>
+      </p:sp>
+    </p:spTree>
+    <p:extLst>
+      <p:ext uri="{BB962C8B-B14F-4D97-AF65-F5344CB8AC3E}">
+        <p14:creationId xmlns:p14="http://schemas.microsoft.com/office/powerpoint/2010/main" val="2395946767"/>
+      </p:ext>
+    </p:extLst>
+  </p:cSld>
+  <p:clrMapOvr>
+    <a:masterClrMapping/>
+  </p:clrMapOvr>
+  <mc:AlternateContent xmlns:mc="http://schemas.openxmlformats.org/markup-compatibility/2006" xmlns:p14="http://schemas.microsoft.com/office/powerpoint/2010/main">
+    <mc:Choice Requires="p14">
+      <p:transition spd="med" p14:dur="700">
+        <p:fade/>
+      </p:transition>
+    </mc:Choice>
+    <mc:Fallback xmlns="">
+      <p:transition spd="med">
+        <p:fade/>
+      </p:transition>
+    </mc:Fallback>
+  </mc:AlternateContent>
+  <p:timing>
+    <p:tnLst>
+      <p:par>
+        <p:cTn id="1" dur="indefinite" restart="never" nodeType="tmRoot"/>
+      </p:par>
+    </p:tnLst>
+  </p:timing>
+</p:sld>
+</file>
+
 <file path=ppt/slides/slide5.xml><?xml version="1.0" encoding="utf-8"?>
 <p:sld xmlns:a="http://schemas.openxmlformats.org/drawingml/2006/main" xmlns:r="http://schemas.openxmlformats.org/officeDocument/2006/relationships" xmlns:p="http://schemas.openxmlformats.org/presentationml/2006/main">
   <p:cSld>
@@ -20777,68 +19507,95 @@
           <a:lstStyle/>
           <a:p>
             <a:r>
-              <a:rPr lang="en-US" dirty="0" smtClean="0"/>
-              <a:t>A Commercial Product</a:t>
-            </a:r>
+              <a:rPr lang="en-US" sz="3200" dirty="0" smtClean="0"/>
+              <a:t>A </a:t>
+            </a:r>
+            <a:r>
+              <a:rPr lang="en-US" sz="3200" dirty="0" smtClean="0"/>
+              <a:t>Company and a Development Platform</a:t>
+            </a:r>
+            <a:endParaRPr lang="en-US" sz="3200" dirty="0" smtClean="0"/>
           </a:p>
           <a:p>
             <a:pPr lvl="1"/>
             <a:r>
-              <a:rPr lang="en-US" dirty="0" smtClean="0"/>
-              <a:t>You must pay for a Xamarin license</a:t>
-            </a:r>
+              <a:rPr lang="en-US" sz="2000" dirty="0" smtClean="0"/>
+              <a:t>Developing on Xamarin platform requires monthly or yearly subscription</a:t>
+            </a:r>
+            <a:endParaRPr lang="en-US" sz="2000" dirty="0" smtClean="0"/>
           </a:p>
           <a:p>
             <a:pPr lvl="1"/>
             <a:r>
-              <a:rPr lang="en-US" dirty="0" smtClean="0"/>
+              <a:rPr lang="en-US" sz="2000" dirty="0" smtClean="0"/>
               <a:t>You can get a free 30-day trial </a:t>
             </a:r>
             <a:r>
-              <a:rPr lang="en-US" i="1" dirty="0" smtClean="0"/>
+              <a:rPr lang="en-US" sz="2000" i="1" dirty="0" smtClean="0"/>
               <a:t>(90-day trial available for MSDN subscribers)</a:t>
             </a:r>
           </a:p>
           <a:p>
-            <a:r>
-              <a:rPr lang="en-US" dirty="0" smtClean="0"/>
-              <a:t>Development toolset for cross-platform development</a:t>
+            <a:pPr>
+              <a:lnSpc>
+                <a:spcPct val="150000"/>
+              </a:lnSpc>
+            </a:pPr>
+            <a:r>
+              <a:rPr lang="en-US" sz="3200" dirty="0"/>
+              <a:t>Xamarin Development based on the .NET framework</a:t>
             </a:r>
           </a:p>
           <a:p>
             <a:pPr lvl="1"/>
             <a:r>
-              <a:rPr lang="en-US" dirty="0" smtClean="0"/>
+              <a:rPr lang="en-US" sz="2000" dirty="0"/>
+              <a:t>You write code using C# and the .NET framework class </a:t>
+            </a:r>
+            <a:r>
+              <a:rPr lang="en-US" sz="2000" dirty="0" smtClean="0"/>
+              <a:t>libraries</a:t>
+            </a:r>
+            <a:endParaRPr lang="en-US" sz="3200" dirty="0" smtClean="0"/>
+          </a:p>
+          <a:p>
+            <a:pPr>
+              <a:lnSpc>
+                <a:spcPct val="150000"/>
+              </a:lnSpc>
+            </a:pPr>
+            <a:r>
+              <a:rPr lang="en-US" sz="3200" dirty="0" smtClean="0"/>
+              <a:t>Xamarin Platform supported across many OSs and devices</a:t>
+            </a:r>
+            <a:endParaRPr lang="en-US" sz="3200" dirty="0" smtClean="0"/>
+          </a:p>
+          <a:p>
+            <a:pPr lvl="1"/>
+            <a:r>
+              <a:rPr lang="en-US" sz="2000" dirty="0" smtClean="0"/>
               <a:t>Android</a:t>
             </a:r>
           </a:p>
           <a:p>
             <a:pPr lvl="1"/>
             <a:r>
-              <a:rPr lang="en-US" dirty="0" smtClean="0"/>
-              <a:t>iOS</a:t>
-            </a:r>
+              <a:rPr lang="en-US" sz="2000" dirty="0" smtClean="0"/>
+              <a:t>iOS and Mac</a:t>
+            </a:r>
+            <a:endParaRPr lang="en-US" sz="2000" dirty="0" smtClean="0"/>
           </a:p>
           <a:p>
             <a:pPr lvl="1"/>
             <a:r>
-              <a:rPr lang="en-US" dirty="0" smtClean="0"/>
-              <a:t>Windows Phone</a:t>
-            </a:r>
-          </a:p>
-          <a:p>
-            <a:r>
-              <a:rPr lang="en-US" dirty="0" smtClean="0"/>
-              <a:t>Development toolset based on the .NET framework</a:t>
-            </a:r>
-          </a:p>
-          <a:p>
-            <a:pPr lvl="1"/>
-            <a:r>
-              <a:rPr lang="en-US" dirty="0" smtClean="0"/>
-              <a:t>You write code using C# and the .NET framework class libraries</a:t>
-            </a:r>
-            <a:endParaRPr lang="en-US" dirty="0"/>
+              <a:rPr lang="en-US" sz="2000" dirty="0" smtClean="0"/>
+              <a:t>Windows </a:t>
+            </a:r>
+            <a:r>
+              <a:rPr lang="en-US" sz="2000" dirty="0" smtClean="0"/>
+              <a:t>and Windows Phone</a:t>
+            </a:r>
+            <a:endParaRPr lang="en-US" sz="2000" dirty="0" smtClean="0"/>
           </a:p>
         </p:txBody>
       </p:sp>
@@ -20866,6 +19623,37 @@
           </a:p>
         </p:txBody>
       </p:sp>
+      <p:pic>
+        <p:nvPicPr>
+          <p:cNvPr id="5" name="Picture 4"/>
+          <p:cNvPicPr>
+            <a:picLocks noChangeAspect="1"/>
+          </p:cNvPicPr>
+          <p:nvPr/>
+        </p:nvPicPr>
+        <p:blipFill>
+          <a:blip r:embed="rId2"/>
+          <a:stretch>
+            <a:fillRect/>
+          </a:stretch>
+        </p:blipFill>
+        <p:spPr>
+          <a:xfrm>
+            <a:off x="5210827" y="4553553"/>
+            <a:ext cx="4233797" cy="2065460"/>
+          </a:xfrm>
+          <a:prstGeom prst="rect">
+            <a:avLst/>
+          </a:prstGeom>
+          <a:ln>
+            <a:solidFill>
+              <a:schemeClr val="bg1">
+                <a:lumMod val="50000"/>
+              </a:schemeClr>
+            </a:solidFill>
+          </a:ln>
+        </p:spPr>
+      </p:pic>
     </p:spTree>
     <p:extLst>
       <p:ext uri="{BB962C8B-B14F-4D97-AF65-F5344CB8AC3E}">
@@ -20890,372 +19678,6 @@
 </file>
 
 <file path=ppt/slides/slide7.xml><?xml version="1.0" encoding="utf-8"?>
-<p:sld xmlns:a="http://schemas.openxmlformats.org/drawingml/2006/main" xmlns:r="http://schemas.openxmlformats.org/officeDocument/2006/relationships" xmlns:p="http://schemas.openxmlformats.org/presentationml/2006/main">
-  <p:cSld>
-    <p:spTree>
-      <p:nvGrpSpPr>
-        <p:cNvPr id="1" name=""/>
-        <p:cNvGrpSpPr/>
-        <p:nvPr/>
-      </p:nvGrpSpPr>
-      <p:grpSpPr>
-        <a:xfrm>
-          <a:off x="0" y="0"/>
-          <a:ext cx="0" cy="0"/>
-          <a:chOff x="0" y="0"/>
-          <a:chExt cx="0" cy="0"/>
-        </a:xfrm>
-      </p:grpSpPr>
-      <p:sp>
-        <p:nvSpPr>
-          <p:cNvPr id="2" name="Title 1"/>
-          <p:cNvSpPr>
-            <a:spLocks noGrp="1"/>
-          </p:cNvSpPr>
-          <p:nvPr>
-            <p:ph type="title"/>
-          </p:nvPr>
-        </p:nvSpPr>
-        <p:spPr/>
-        <p:txBody>
-          <a:bodyPr/>
-          <a:lstStyle/>
-          <a:p>
-            <a:r>
-              <a:rPr lang="en-US" dirty="0" smtClean="0"/>
-              <a:t>Supported Platforms</a:t>
-            </a:r>
-            <a:endParaRPr lang="en-US" dirty="0"/>
-          </a:p>
-        </p:txBody>
-      </p:sp>
-      <p:sp>
-        <p:nvSpPr>
-          <p:cNvPr id="3" name="Text Placeholder 2"/>
-          <p:cNvSpPr>
-            <a:spLocks noGrp="1"/>
-          </p:cNvSpPr>
-          <p:nvPr>
-            <p:ph type="body" sz="quarter" idx="10"/>
-          </p:nvPr>
-        </p:nvSpPr>
-        <p:spPr/>
-        <p:txBody>
-          <a:bodyPr/>
-          <a:lstStyle/>
-          <a:p>
-            <a:r>
-              <a:rPr lang="en-GB" dirty="0"/>
-              <a:t>You can use </a:t>
-            </a:r>
-            <a:r>
-              <a:rPr lang="en-GB" dirty="0" smtClean="0"/>
-              <a:t>Xamarin to </a:t>
-            </a:r>
-            <a:r>
-              <a:rPr lang="en-GB" dirty="0"/>
-              <a:t>build apps for the following devices and platforms:</a:t>
-            </a:r>
-          </a:p>
-          <a:p>
-            <a:pPr lvl="1"/>
-            <a:r>
-              <a:rPr lang="en-GB" dirty="0" smtClean="0"/>
-              <a:t>Android </a:t>
-            </a:r>
-            <a:r>
-              <a:rPr lang="en-GB" dirty="0"/>
-              <a:t>4 and later (4.4 provides the best developer experience)</a:t>
-            </a:r>
-          </a:p>
-          <a:p>
-            <a:pPr lvl="1"/>
-            <a:r>
-              <a:rPr lang="en-GB" dirty="0" smtClean="0"/>
-              <a:t>iOS </a:t>
-            </a:r>
-            <a:r>
-              <a:rPr lang="en-GB" dirty="0"/>
-              <a:t>6 and iOS 7</a:t>
-            </a:r>
-          </a:p>
-          <a:p>
-            <a:pPr lvl="1"/>
-            <a:r>
-              <a:rPr lang="en-GB" dirty="0" smtClean="0"/>
-              <a:t>Windows </a:t>
-            </a:r>
-            <a:r>
-              <a:rPr lang="en-GB" dirty="0"/>
-              <a:t>8 (Windows Store)</a:t>
-            </a:r>
-          </a:p>
-          <a:p>
-            <a:pPr lvl="1"/>
-            <a:r>
-              <a:rPr lang="en-GB" dirty="0" smtClean="0"/>
-              <a:t>Windows </a:t>
-            </a:r>
-            <a:r>
-              <a:rPr lang="en-GB" dirty="0"/>
-              <a:t>Phone </a:t>
-            </a:r>
-            <a:r>
-              <a:rPr lang="en-GB" dirty="0" smtClean="0"/>
-              <a:t>8</a:t>
-            </a:r>
-            <a:endParaRPr lang="en-GB" dirty="0"/>
-          </a:p>
-        </p:txBody>
-      </p:sp>
-      <p:sp>
-        <p:nvSpPr>
-          <p:cNvPr id="4" name="Slide Number Placeholder 3"/>
-          <p:cNvSpPr>
-            <a:spLocks noGrp="1"/>
-          </p:cNvSpPr>
-          <p:nvPr>
-            <p:ph type="sldNum" sz="quarter" idx="12"/>
-          </p:nvPr>
-        </p:nvSpPr>
-        <p:spPr/>
-        <p:txBody>
-          <a:bodyPr/>
-          <a:lstStyle/>
-          <a:p>
-            <a:fld id="{727B4C2D-45E2-4621-8491-2995EB46A674}" type="slidenum">
-              <a:rPr lang="en-US" smtClean="0"/>
-              <a:pPr/>
-              <a:t>7</a:t>
-            </a:fld>
-            <a:endParaRPr lang="en-US" dirty="0"/>
-          </a:p>
-        </p:txBody>
-      </p:sp>
-      <p:pic>
-        <p:nvPicPr>
-          <p:cNvPr id="5" name="Picture 4"/>
-          <p:cNvPicPr>
-            <a:picLocks noChangeAspect="1"/>
-          </p:cNvPicPr>
-          <p:nvPr/>
-        </p:nvPicPr>
-        <p:blipFill>
-          <a:blip r:embed="rId2"/>
-          <a:stretch>
-            <a:fillRect/>
-          </a:stretch>
-        </p:blipFill>
-        <p:spPr>
-          <a:xfrm>
-            <a:off x="5041232" y="3333787"/>
-            <a:ext cx="6955088" cy="3393043"/>
-          </a:xfrm>
-          <a:prstGeom prst="rect">
-            <a:avLst/>
-          </a:prstGeom>
-          <a:ln>
-            <a:solidFill>
-              <a:schemeClr val="bg1">
-                <a:lumMod val="85000"/>
-              </a:schemeClr>
-            </a:solidFill>
-          </a:ln>
-        </p:spPr>
-      </p:pic>
-    </p:spTree>
-    <p:extLst>
-      <p:ext uri="{BB962C8B-B14F-4D97-AF65-F5344CB8AC3E}">
-        <p14:creationId xmlns:p14="http://schemas.microsoft.com/office/powerpoint/2010/main" val="4163391355"/>
-      </p:ext>
-    </p:extLst>
-  </p:cSld>
-  <p:clrMapOvr>
-    <a:masterClrMapping/>
-  </p:clrMapOvr>
-  <p:transition>
-    <p:fade/>
-  </p:transition>
-  <p:timing>
-    <p:tnLst>
-      <p:par>
-        <p:cTn id="1" dur="indefinite" restart="never" nodeType="tmRoot"/>
-      </p:par>
-    </p:tnLst>
-  </p:timing>
-</p:sld>
-</file>
-
-<file path=ppt/slides/slide8.xml><?xml version="1.0" encoding="utf-8"?>
-<p:sld xmlns:a="http://schemas.openxmlformats.org/drawingml/2006/main" xmlns:r="http://schemas.openxmlformats.org/officeDocument/2006/relationships" xmlns:p="http://schemas.openxmlformats.org/presentationml/2006/main">
-  <p:cSld>
-    <p:spTree>
-      <p:nvGrpSpPr>
-        <p:cNvPr id="1" name=""/>
-        <p:cNvGrpSpPr/>
-        <p:nvPr/>
-      </p:nvGrpSpPr>
-      <p:grpSpPr>
-        <a:xfrm>
-          <a:off x="0" y="0"/>
-          <a:ext cx="0" cy="0"/>
-          <a:chOff x="0" y="0"/>
-          <a:chExt cx="0" cy="0"/>
-        </a:xfrm>
-      </p:grpSpPr>
-      <p:sp>
-        <p:nvSpPr>
-          <p:cNvPr id="2" name="Title 1"/>
-          <p:cNvSpPr>
-            <a:spLocks noGrp="1"/>
-          </p:cNvSpPr>
-          <p:nvPr>
-            <p:ph type="title"/>
-          </p:nvPr>
-        </p:nvSpPr>
-        <p:spPr/>
-        <p:txBody>
-          <a:bodyPr/>
-          <a:lstStyle/>
-          <a:p>
-            <a:r>
-              <a:rPr lang="en-US" dirty="0" smtClean="0"/>
-              <a:t>Challenges with a Common Approach</a:t>
-            </a:r>
-            <a:endParaRPr lang="en-US" dirty="0"/>
-          </a:p>
-        </p:txBody>
-      </p:sp>
-      <p:sp>
-        <p:nvSpPr>
-          <p:cNvPr id="3" name="Text Placeholder 2"/>
-          <p:cNvSpPr>
-            <a:spLocks noGrp="1"/>
-          </p:cNvSpPr>
-          <p:nvPr>
-            <p:ph type="body" sz="quarter" idx="10"/>
-          </p:nvPr>
-        </p:nvSpPr>
-        <p:spPr/>
-        <p:txBody>
-          <a:bodyPr/>
-          <a:lstStyle/>
-          <a:p>
-            <a:r>
-              <a:rPr lang="en-US" dirty="0" smtClean="0"/>
-              <a:t>Comparing Android, iOS and Windows Phone</a:t>
-            </a:r>
-          </a:p>
-          <a:p>
-            <a:pPr lvl="1"/>
-            <a:r>
-              <a:rPr lang="en-US" dirty="0" smtClean="0"/>
-              <a:t>Significant differences in toolsets</a:t>
-            </a:r>
-          </a:p>
-          <a:p>
-            <a:pPr lvl="1"/>
-            <a:r>
-              <a:rPr lang="en-US" dirty="0"/>
-              <a:t>Significant differences in </a:t>
-            </a:r>
-            <a:r>
-              <a:rPr lang="en-US" dirty="0" smtClean="0"/>
-              <a:t>UI/UX models</a:t>
-            </a:r>
-          </a:p>
-          <a:p>
-            <a:pPr lvl="1"/>
-            <a:r>
-              <a:rPr lang="en-US" dirty="0"/>
-              <a:t>Significant differences </a:t>
-            </a:r>
-            <a:r>
-              <a:rPr lang="en-US" dirty="0" smtClean="0"/>
-              <a:t>in execution models</a:t>
-            </a:r>
-          </a:p>
-          <a:p>
-            <a:r>
-              <a:rPr lang="en-US" dirty="0" smtClean="0"/>
-              <a:t>Bringing CLR and .NET to Android and iOS is difficult</a:t>
-            </a:r>
-          </a:p>
-          <a:p>
-            <a:pPr lvl="1"/>
-            <a:r>
-              <a:rPr lang="en-US" dirty="0" smtClean="0"/>
-              <a:t>Each platform has unique runtime environment</a:t>
-            </a:r>
-          </a:p>
-          <a:p>
-            <a:pPr lvl="1"/>
-            <a:r>
-              <a:rPr lang="en-US" dirty="0" smtClean="0"/>
-              <a:t>Environments very different from CLR</a:t>
-            </a:r>
-          </a:p>
-          <a:p>
-            <a:pPr lvl="1"/>
-            <a:r>
-              <a:rPr lang="en-US" dirty="0" smtClean="0"/>
-              <a:t>Both environments significantly difference from each other</a:t>
-            </a:r>
-          </a:p>
-          <a:p>
-            <a:pPr lvl="1"/>
-            <a:endParaRPr lang="en-US" dirty="0"/>
-          </a:p>
-        </p:txBody>
-      </p:sp>
-      <p:sp>
-        <p:nvSpPr>
-          <p:cNvPr id="4" name="Slide Number Placeholder 3"/>
-          <p:cNvSpPr>
-            <a:spLocks noGrp="1"/>
-          </p:cNvSpPr>
-          <p:nvPr>
-            <p:ph type="sldNum" sz="quarter" idx="12"/>
-          </p:nvPr>
-        </p:nvSpPr>
-        <p:spPr/>
-        <p:txBody>
-          <a:bodyPr/>
-          <a:lstStyle/>
-          <a:p>
-            <a:fld id="{727B4C2D-45E2-4621-8491-2995EB46A674}" type="slidenum">
-              <a:rPr lang="en-US" smtClean="0"/>
-              <a:pPr/>
-              <a:t>8</a:t>
-            </a:fld>
-            <a:endParaRPr lang="en-US" dirty="0"/>
-          </a:p>
-        </p:txBody>
-      </p:sp>
-    </p:spTree>
-    <p:extLst>
-      <p:ext uri="{BB962C8B-B14F-4D97-AF65-F5344CB8AC3E}">
-        <p14:creationId xmlns:p14="http://schemas.microsoft.com/office/powerpoint/2010/main" val="1796431704"/>
-      </p:ext>
-    </p:extLst>
-  </p:cSld>
-  <p:clrMapOvr>
-    <a:masterClrMapping/>
-  </p:clrMapOvr>
-  <p:transition>
-    <p:fade/>
-  </p:transition>
-  <p:timing>
-    <p:tnLst>
-      <p:par>
-        <p:cTn id="1" dur="indefinite" restart="never" nodeType="tmRoot"/>
-      </p:par>
-    </p:tnLst>
-  </p:timing>
-</p:sld>
-</file>
-
-<file path=ppt/slides/slide9.xml><?xml version="1.0" encoding="utf-8"?>
 <p:sld xmlns:a="http://schemas.openxmlformats.org/drawingml/2006/main" xmlns:r="http://schemas.openxmlformats.org/officeDocument/2006/relationships" xmlns:p="http://schemas.openxmlformats.org/presentationml/2006/main">
   <p:cSld>
     <p:spTree>
@@ -21477,13 +19899,6 @@
             </a:r>
           </a:p>
           <a:p>
-            <a:pPr lvl="1"/>
-            <a:r>
-              <a:rPr lang="en-US" sz="2000" dirty="0" smtClean="0"/>
-              <a:t>CLR stands for “Common Language Runtime)</a:t>
-            </a:r>
-          </a:p>
-          <a:p>
             <a:r>
               <a:rPr lang="en-US" sz="3600" dirty="0" smtClean="0"/>
               <a:t>CLR ported to Linux with Mono project</a:t>
@@ -21492,7 +19907,11 @@
           <a:p>
             <a:r>
               <a:rPr lang="en-US" sz="3600" dirty="0" smtClean="0"/>
-              <a:t>Mono extended to Android and iOS as Free Software</a:t>
+              <a:t>Mono extended to Android and </a:t>
+            </a:r>
+            <a:r>
+              <a:rPr lang="en-US" sz="3600" dirty="0" smtClean="0"/>
+              <a:t>iOS</a:t>
             </a:r>
             <a:endParaRPr lang="en-US" sz="3600" dirty="0"/>
           </a:p>
@@ -21521,7 +19940,7 @@
             <a:fld id="{727B4C2D-45E2-4621-8491-2995EB46A674}" type="slidenum">
               <a:rPr lang="en-US" smtClean="0"/>
               <a:pPr/>
-              <a:t>9</a:t>
+              <a:t>7</a:t>
             </a:fld>
             <a:endParaRPr lang="en-US" dirty="0"/>
           </a:p>
@@ -22368,6 +20787,1657 @@
     <p:extLst>
       <p:ext uri="{BB962C8B-B14F-4D97-AF65-F5344CB8AC3E}">
         <p14:creationId xmlns:p14="http://schemas.microsoft.com/office/powerpoint/2010/main" val="1107964546"/>
+      </p:ext>
+    </p:extLst>
+  </p:cSld>
+  <p:clrMapOvr>
+    <a:masterClrMapping/>
+  </p:clrMapOvr>
+  <p:transition>
+    <p:fade/>
+  </p:transition>
+  <p:timing>
+    <p:tnLst>
+      <p:par>
+        <p:cTn id="1" dur="indefinite" restart="never" nodeType="tmRoot"/>
+      </p:par>
+    </p:tnLst>
+  </p:timing>
+</p:sld>
+</file>
+
+<file path=ppt/slides/slide8.xml><?xml version="1.0" encoding="utf-8"?>
+<p:sld xmlns:a="http://schemas.openxmlformats.org/drawingml/2006/main" xmlns:r="http://schemas.openxmlformats.org/officeDocument/2006/relationships" xmlns:p="http://schemas.openxmlformats.org/presentationml/2006/main">
+  <p:cSld>
+    <p:spTree>
+      <p:nvGrpSpPr>
+        <p:cNvPr id="1" name=""/>
+        <p:cNvGrpSpPr/>
+        <p:nvPr/>
+      </p:nvGrpSpPr>
+      <p:grpSpPr>
+        <a:xfrm>
+          <a:off x="0" y="0"/>
+          <a:ext cx="0" cy="0"/>
+          <a:chOff x="0" y="0"/>
+          <a:chExt cx="0" cy="0"/>
+        </a:xfrm>
+      </p:grpSpPr>
+      <p:sp>
+        <p:nvSpPr>
+          <p:cNvPr id="2" name="Title 1"/>
+          <p:cNvSpPr>
+            <a:spLocks noGrp="1"/>
+          </p:cNvSpPr>
+          <p:nvPr>
+            <p:ph type="title"/>
+          </p:nvPr>
+        </p:nvSpPr>
+        <p:spPr/>
+        <p:txBody>
+          <a:bodyPr/>
+          <a:lstStyle/>
+          <a:p>
+            <a:r>
+              <a:rPr lang="en-US" dirty="0" smtClean="0"/>
+              <a:t>Evolution of the Xamarin </a:t>
+            </a:r>
+            <a:r>
+              <a:rPr lang="en-US" dirty="0" smtClean="0"/>
+              <a:t>Platform</a:t>
+            </a:r>
+            <a:endParaRPr lang="en-US" dirty="0"/>
+          </a:p>
+        </p:txBody>
+      </p:sp>
+      <p:sp>
+        <p:nvSpPr>
+          <p:cNvPr id="3" name="Text Placeholder 2"/>
+          <p:cNvSpPr>
+            <a:spLocks noGrp="1"/>
+          </p:cNvSpPr>
+          <p:nvPr>
+            <p:ph type="body" sz="quarter" idx="10"/>
+          </p:nvPr>
+        </p:nvSpPr>
+        <p:spPr/>
+        <p:txBody>
+          <a:bodyPr/>
+          <a:lstStyle/>
+          <a:p>
+            <a:r>
+              <a:rPr lang="en-US" dirty="0" smtClean="0"/>
+              <a:t>Xamarin Platform’s Key Value Proposition</a:t>
+            </a:r>
+            <a:endParaRPr lang="en-US" dirty="0" smtClean="0"/>
+          </a:p>
+          <a:p>
+            <a:pPr lvl="1"/>
+            <a:r>
+              <a:rPr lang="en-US" dirty="0" smtClean="0"/>
+              <a:t>P</a:t>
+            </a:r>
+            <a:r>
+              <a:rPr lang="en-US" dirty="0" smtClean="0"/>
+              <a:t>rovide </a:t>
+            </a:r>
+            <a:r>
+              <a:rPr lang="en-US" dirty="0" smtClean="0"/>
+              <a:t>update-to-date </a:t>
+            </a:r>
+            <a:r>
+              <a:rPr lang="en-US" dirty="0" smtClean="0"/>
+              <a:t>versions </a:t>
+            </a:r>
+            <a:r>
+              <a:rPr lang="en-US" dirty="0" smtClean="0"/>
+              <a:t>of .NET on </a:t>
+            </a:r>
+            <a:r>
+              <a:rPr lang="en-US" dirty="0" err="1" smtClean="0"/>
+              <a:t>Xamarin.iOS</a:t>
+            </a:r>
+            <a:r>
+              <a:rPr lang="en-US" dirty="0" smtClean="0"/>
+              <a:t> and </a:t>
+            </a:r>
+            <a:r>
+              <a:rPr lang="en-US" dirty="0" err="1" smtClean="0"/>
+              <a:t>Xamarin.Android</a:t>
+            </a:r>
+            <a:endParaRPr lang="en-US" dirty="0" smtClean="0"/>
+          </a:p>
+          <a:p>
+            <a:pPr lvl="1"/>
+            <a:r>
+              <a:rPr lang="en-US" dirty="0" smtClean="0"/>
+              <a:t>Allow you to leverage skills you already have with Visual Studio, C# and .NET</a:t>
+            </a:r>
+          </a:p>
+          <a:p>
+            <a:pPr lvl="1"/>
+            <a:r>
+              <a:rPr lang="en-US" dirty="0" smtClean="0"/>
+              <a:t>Support latest C# features such as support for </a:t>
+            </a:r>
+            <a:r>
+              <a:rPr lang="en-US" sz="1800" dirty="0" err="1" smtClean="0">
+                <a:solidFill>
+                  <a:srgbClr val="C00000"/>
+                </a:solidFill>
+                <a:latin typeface="Lucida Console" panose="020B0609040504020204" pitchFamily="49" charset="0"/>
+              </a:rPr>
+              <a:t>async</a:t>
+            </a:r>
+            <a:r>
+              <a:rPr lang="en-US" sz="2000" dirty="0"/>
+              <a:t> </a:t>
+            </a:r>
+            <a:r>
+              <a:rPr lang="en-US" dirty="0" smtClean="0"/>
+              <a:t>and </a:t>
+            </a:r>
+            <a:r>
+              <a:rPr lang="en-US" sz="1800" b="1" dirty="0" smtClean="0">
+                <a:solidFill>
+                  <a:srgbClr val="C00000"/>
+                </a:solidFill>
+              </a:rPr>
+              <a:t>await</a:t>
+            </a:r>
+            <a:endParaRPr lang="en-US" b="1" dirty="0">
+              <a:solidFill>
+                <a:srgbClr val="C00000"/>
+              </a:solidFill>
+            </a:endParaRPr>
+          </a:p>
+        </p:txBody>
+      </p:sp>
+      <p:grpSp>
+        <p:nvGrpSpPr>
+          <p:cNvPr id="4" name="Group 3"/>
+          <p:cNvGrpSpPr/>
+          <p:nvPr/>
+        </p:nvGrpSpPr>
+        <p:grpSpPr>
+          <a:xfrm>
+            <a:off x="908952" y="3491435"/>
+            <a:ext cx="9976165" cy="2689902"/>
+            <a:chOff x="390526" y="2963918"/>
+            <a:chExt cx="11445765" cy="3086154"/>
+          </a:xfrm>
+        </p:grpSpPr>
+        <p:sp>
+          <p:nvSpPr>
+            <p:cNvPr id="5" name="Rounded Rectangle 4"/>
+            <p:cNvSpPr/>
+            <p:nvPr/>
+          </p:nvSpPr>
+          <p:spPr bwMode="auto">
+            <a:xfrm>
+              <a:off x="390526" y="2963918"/>
+              <a:ext cx="11445765" cy="3086154"/>
+            </a:xfrm>
+            <a:prstGeom prst="roundRect">
+              <a:avLst>
+                <a:gd name="adj" fmla="val 7170"/>
+              </a:avLst>
+            </a:prstGeom>
+            <a:solidFill>
+              <a:schemeClr val="bg1"/>
+            </a:solidFill>
+            <a:ln>
+              <a:solidFill>
+                <a:schemeClr val="bg1">
+                  <a:lumMod val="75000"/>
+                </a:schemeClr>
+              </a:solidFill>
+              <a:headEnd type="none" w="med" len="med"/>
+              <a:tailEnd type="none" w="med" len="med"/>
+            </a:ln>
+            <a:effectLst/>
+          </p:spPr>
+          <p:style>
+            <a:lnRef idx="1">
+              <a:schemeClr val="accent2"/>
+            </a:lnRef>
+            <a:fillRef idx="3">
+              <a:schemeClr val="accent2"/>
+            </a:fillRef>
+            <a:effectRef idx="2">
+              <a:schemeClr val="accent2"/>
+            </a:effectRef>
+            <a:fontRef idx="minor">
+              <a:schemeClr val="lt1"/>
+            </a:fontRef>
+          </p:style>
+          <p:txBody>
+            <a:bodyPr rot="0" spcFirstLastPara="0" vertOverflow="overflow" horzOverflow="overflow" vert="horz" wrap="square" lIns="45720" tIns="45720" rIns="45720" bIns="45720" numCol="1" spcCol="0" rtlCol="0" fromWordArt="0" anchor="ctr" anchorCtr="0" forceAA="0" compatLnSpc="1">
+              <a:prstTxWarp prst="textNoShape">
+                <a:avLst/>
+              </a:prstTxWarp>
+              <a:noAutofit/>
+            </a:bodyPr>
+            <a:lstStyle/>
+            <a:p>
+              <a:pPr algn="ctr" defTabSz="914099" fontAlgn="base">
+                <a:spcBef>
+                  <a:spcPct val="0"/>
+                </a:spcBef>
+                <a:spcAft>
+                  <a:spcPct val="0"/>
+                </a:spcAft>
+              </a:pPr>
+              <a:endParaRPr lang="en-US" dirty="0" smtClean="0">
+                <a:gradFill>
+                  <a:gsLst>
+                    <a:gs pos="0">
+                      <a:srgbClr val="FFFFFF"/>
+                    </a:gs>
+                    <a:gs pos="100000">
+                      <a:srgbClr val="FFFFFF"/>
+                    </a:gs>
+                  </a:gsLst>
+                  <a:lin ang="5400000" scaled="0"/>
+                </a:gradFill>
+                <a:ea typeface="Segoe UI" pitchFamily="34" charset="0"/>
+                <a:cs typeface="Segoe UI" pitchFamily="34" charset="0"/>
+              </a:endParaRPr>
+            </a:p>
+          </p:txBody>
+        </p:sp>
+        <p:sp>
+          <p:nvSpPr>
+            <p:cNvPr id="9" name="Rectangle 8"/>
+            <p:cNvSpPr/>
+            <p:nvPr/>
+          </p:nvSpPr>
+          <p:spPr bwMode="auto">
+            <a:xfrm>
+              <a:off x="717792" y="3721337"/>
+              <a:ext cx="2718103" cy="1526000"/>
+            </a:xfrm>
+            <a:prstGeom prst="rect">
+              <a:avLst/>
+            </a:prstGeom>
+            <a:solidFill>
+              <a:schemeClr val="accent5">
+                <a:lumMod val="40000"/>
+                <a:lumOff val="60000"/>
+              </a:schemeClr>
+            </a:solidFill>
+            <a:ln>
+              <a:solidFill>
+                <a:schemeClr val="tx1">
+                  <a:lumMod val="95000"/>
+                  <a:lumOff val="5000"/>
+                </a:schemeClr>
+              </a:solidFill>
+              <a:headEnd type="none" w="med" len="med"/>
+              <a:tailEnd type="none" w="med" len="med"/>
+            </a:ln>
+            <a:effectLst/>
+          </p:spPr>
+          <p:style>
+            <a:lnRef idx="1">
+              <a:schemeClr val="accent2"/>
+            </a:lnRef>
+            <a:fillRef idx="3">
+              <a:schemeClr val="accent2"/>
+            </a:fillRef>
+            <a:effectRef idx="2">
+              <a:schemeClr val="accent2"/>
+            </a:effectRef>
+            <a:fontRef idx="minor">
+              <a:schemeClr val="lt1"/>
+            </a:fontRef>
+          </p:style>
+          <p:txBody>
+            <a:bodyPr rot="0" spcFirstLastPara="0" vertOverflow="overflow" horzOverflow="overflow" vert="horz" wrap="square" lIns="45720" tIns="45720" rIns="45720" bIns="182880" numCol="1" spcCol="0" rtlCol="0" fromWordArt="0" anchor="b" anchorCtr="0" forceAA="0" compatLnSpc="1">
+              <a:prstTxWarp prst="textNoShape">
+                <a:avLst/>
+              </a:prstTxWarp>
+              <a:noAutofit/>
+            </a:bodyPr>
+            <a:lstStyle/>
+            <a:p>
+              <a:pPr algn="ctr" defTabSz="914099" fontAlgn="base">
+                <a:spcBef>
+                  <a:spcPct val="0"/>
+                </a:spcBef>
+                <a:spcAft>
+                  <a:spcPct val="0"/>
+                </a:spcAft>
+              </a:pPr>
+              <a:r>
+                <a:rPr lang="en-US" dirty="0" smtClean="0">
+                  <a:gradFill>
+                    <a:gsLst>
+                      <a:gs pos="0">
+                        <a:srgbClr val="FFFFFF"/>
+                      </a:gs>
+                      <a:gs pos="100000">
+                        <a:srgbClr val="FFFFFF"/>
+                      </a:gs>
+                    </a:gsLst>
+                    <a:lin ang="5400000" scaled="0"/>
+                  </a:gradFill>
+                  <a:ea typeface="Segoe UI" pitchFamily="34" charset="0"/>
+                  <a:cs typeface="Segoe UI" pitchFamily="34" charset="0"/>
+                </a:rPr>
+                <a:t>Linux</a:t>
+              </a:r>
+            </a:p>
+          </p:txBody>
+        </p:sp>
+        <p:sp>
+          <p:nvSpPr>
+            <p:cNvPr id="10" name="Rounded Rectangle 9"/>
+            <p:cNvSpPr/>
+            <p:nvPr/>
+          </p:nvSpPr>
+          <p:spPr bwMode="auto">
+            <a:xfrm>
+              <a:off x="875447" y="3969331"/>
+              <a:ext cx="2327945" cy="639084"/>
+            </a:xfrm>
+            <a:prstGeom prst="roundRect">
+              <a:avLst/>
+            </a:prstGeom>
+            <a:solidFill>
+              <a:schemeClr val="accent1"/>
+            </a:solidFill>
+            <a:ln>
+              <a:solidFill>
+                <a:schemeClr val="tx1">
+                  <a:lumMod val="95000"/>
+                  <a:lumOff val="5000"/>
+                </a:schemeClr>
+              </a:solidFill>
+              <a:headEnd type="none" w="med" len="med"/>
+              <a:tailEnd type="none" w="med" len="med"/>
+            </a:ln>
+            <a:effectLst/>
+          </p:spPr>
+          <p:style>
+            <a:lnRef idx="1">
+              <a:schemeClr val="accent2"/>
+            </a:lnRef>
+            <a:fillRef idx="3">
+              <a:schemeClr val="accent2"/>
+            </a:fillRef>
+            <a:effectRef idx="2">
+              <a:schemeClr val="accent2"/>
+            </a:effectRef>
+            <a:fontRef idx="minor">
+              <a:schemeClr val="lt1"/>
+            </a:fontRef>
+          </p:style>
+          <p:txBody>
+            <a:bodyPr rot="0" spcFirstLastPara="0" vertOverflow="overflow" horzOverflow="overflow" vert="horz" wrap="square" lIns="45720" tIns="45720" rIns="45720" bIns="45720" numCol="1" spcCol="0" rtlCol="0" fromWordArt="0" anchor="ctr" anchorCtr="0" forceAA="0" compatLnSpc="1">
+              <a:prstTxWarp prst="textNoShape">
+                <a:avLst/>
+              </a:prstTxWarp>
+              <a:noAutofit/>
+            </a:bodyPr>
+            <a:lstStyle/>
+            <a:p>
+              <a:pPr algn="ctr" defTabSz="914099" fontAlgn="base">
+                <a:spcBef>
+                  <a:spcPct val="0"/>
+                </a:spcBef>
+                <a:spcAft>
+                  <a:spcPct val="0"/>
+                </a:spcAft>
+              </a:pPr>
+              <a:r>
+                <a:rPr lang="en-US" dirty="0" smtClean="0">
+                  <a:gradFill>
+                    <a:gsLst>
+                      <a:gs pos="0">
+                        <a:srgbClr val="FFFFFF"/>
+                      </a:gs>
+                      <a:gs pos="100000">
+                        <a:srgbClr val="FFFFFF"/>
+                      </a:gs>
+                    </a:gsLst>
+                    <a:lin ang="5400000" scaled="0"/>
+                  </a:gradFill>
+                  <a:ea typeface="Segoe UI" pitchFamily="34" charset="0"/>
+                  <a:cs typeface="Segoe UI" pitchFamily="34" charset="0"/>
+                </a:rPr>
+                <a:t>Mono</a:t>
+              </a:r>
+            </a:p>
+            <a:p>
+              <a:pPr algn="ctr" defTabSz="914099" fontAlgn="base">
+                <a:spcBef>
+                  <a:spcPct val="0"/>
+                </a:spcBef>
+                <a:spcAft>
+                  <a:spcPct val="0"/>
+                </a:spcAft>
+              </a:pPr>
+              <a:r>
+                <a:rPr lang="en-US" sz="1100" i="1" dirty="0" smtClean="0">
+                  <a:gradFill>
+                    <a:gsLst>
+                      <a:gs pos="0">
+                        <a:srgbClr val="FFFFFF"/>
+                      </a:gs>
+                      <a:gs pos="100000">
+                        <a:srgbClr val="FFFFFF"/>
+                      </a:gs>
+                    </a:gsLst>
+                    <a:lin ang="5400000" scaled="0"/>
+                  </a:gradFill>
+                  <a:ea typeface="Segoe UI" pitchFamily="34" charset="0"/>
+                  <a:cs typeface="Segoe UI" pitchFamily="34" charset="0"/>
+                </a:rPr>
+                <a:t>CLR &amp; .NET</a:t>
+              </a:r>
+            </a:p>
+          </p:txBody>
+        </p:sp>
+        <p:sp>
+          <p:nvSpPr>
+            <p:cNvPr id="11" name="Rectangle 10"/>
+            <p:cNvSpPr/>
+            <p:nvPr/>
+          </p:nvSpPr>
+          <p:spPr bwMode="auto">
+            <a:xfrm>
+              <a:off x="4551436" y="3184971"/>
+              <a:ext cx="2870510" cy="1176110"/>
+            </a:xfrm>
+            <a:prstGeom prst="rect">
+              <a:avLst/>
+            </a:prstGeom>
+            <a:solidFill>
+              <a:schemeClr val="accent5">
+                <a:lumMod val="60000"/>
+                <a:lumOff val="40000"/>
+              </a:schemeClr>
+            </a:solidFill>
+            <a:ln>
+              <a:solidFill>
+                <a:schemeClr val="tx1">
+                  <a:lumMod val="95000"/>
+                  <a:lumOff val="5000"/>
+                </a:schemeClr>
+              </a:solidFill>
+              <a:headEnd type="none" w="med" len="med"/>
+              <a:tailEnd type="none" w="med" len="med"/>
+            </a:ln>
+            <a:effectLst/>
+          </p:spPr>
+          <p:style>
+            <a:lnRef idx="1">
+              <a:schemeClr val="accent2"/>
+            </a:lnRef>
+            <a:fillRef idx="3">
+              <a:schemeClr val="accent2"/>
+            </a:fillRef>
+            <a:effectRef idx="2">
+              <a:schemeClr val="accent2"/>
+            </a:effectRef>
+            <a:fontRef idx="minor">
+              <a:schemeClr val="lt1"/>
+            </a:fontRef>
+          </p:style>
+          <p:txBody>
+            <a:bodyPr rot="0" spcFirstLastPara="0" vertOverflow="overflow" horzOverflow="overflow" vert="horz" wrap="square" lIns="45720" tIns="45720" rIns="45720" bIns="91440" numCol="1" spcCol="0" rtlCol="0" fromWordArt="0" anchor="b" anchorCtr="0" forceAA="0" compatLnSpc="1">
+              <a:prstTxWarp prst="textNoShape">
+                <a:avLst/>
+              </a:prstTxWarp>
+              <a:noAutofit/>
+            </a:bodyPr>
+            <a:lstStyle/>
+            <a:p>
+              <a:pPr algn="ctr" defTabSz="914099" fontAlgn="base">
+                <a:spcBef>
+                  <a:spcPct val="0"/>
+                </a:spcBef>
+                <a:spcAft>
+                  <a:spcPct val="0"/>
+                </a:spcAft>
+              </a:pPr>
+              <a:r>
+                <a:rPr lang="en-US" dirty="0" smtClean="0">
+                  <a:gradFill>
+                    <a:gsLst>
+                      <a:gs pos="0">
+                        <a:srgbClr val="FFFFFF"/>
+                      </a:gs>
+                      <a:gs pos="100000">
+                        <a:srgbClr val="FFFFFF"/>
+                      </a:gs>
+                    </a:gsLst>
+                    <a:lin ang="5400000" scaled="0"/>
+                  </a:gradFill>
+                  <a:ea typeface="Segoe UI" pitchFamily="34" charset="0"/>
+                  <a:cs typeface="Segoe UI" pitchFamily="34" charset="0"/>
+                </a:rPr>
+                <a:t>iOS</a:t>
+              </a:r>
+            </a:p>
+          </p:txBody>
+        </p:sp>
+        <p:sp>
+          <p:nvSpPr>
+            <p:cNvPr id="12" name="Rounded Rectangle 11"/>
+            <p:cNvSpPr/>
+            <p:nvPr/>
+          </p:nvSpPr>
+          <p:spPr bwMode="auto">
+            <a:xfrm>
+              <a:off x="4709091" y="3397774"/>
+              <a:ext cx="2458476" cy="446437"/>
+            </a:xfrm>
+            <a:prstGeom prst="roundRect">
+              <a:avLst/>
+            </a:prstGeom>
+            <a:solidFill>
+              <a:schemeClr val="accent1"/>
+            </a:solidFill>
+            <a:ln>
+              <a:solidFill>
+                <a:schemeClr val="tx1">
+                  <a:lumMod val="95000"/>
+                  <a:lumOff val="5000"/>
+                </a:schemeClr>
+              </a:solidFill>
+              <a:headEnd type="none" w="med" len="med"/>
+              <a:tailEnd type="none" w="med" len="med"/>
+            </a:ln>
+            <a:effectLst/>
+          </p:spPr>
+          <p:style>
+            <a:lnRef idx="1">
+              <a:schemeClr val="accent2"/>
+            </a:lnRef>
+            <a:fillRef idx="3">
+              <a:schemeClr val="accent2"/>
+            </a:fillRef>
+            <a:effectRef idx="2">
+              <a:schemeClr val="accent2"/>
+            </a:effectRef>
+            <a:fontRef idx="minor">
+              <a:schemeClr val="lt1"/>
+            </a:fontRef>
+          </p:style>
+          <p:txBody>
+            <a:bodyPr rot="0" spcFirstLastPara="0" vertOverflow="overflow" horzOverflow="overflow" vert="horz" wrap="square" lIns="45720" tIns="45720" rIns="45720" bIns="45720" numCol="1" spcCol="0" rtlCol="0" fromWordArt="0" anchor="ctr" anchorCtr="0" forceAA="0" compatLnSpc="1">
+              <a:prstTxWarp prst="textNoShape">
+                <a:avLst/>
+              </a:prstTxWarp>
+              <a:noAutofit/>
+            </a:bodyPr>
+            <a:lstStyle/>
+            <a:p>
+              <a:pPr algn="ctr" defTabSz="914099" fontAlgn="base">
+                <a:spcBef>
+                  <a:spcPct val="0"/>
+                </a:spcBef>
+                <a:spcAft>
+                  <a:spcPct val="0"/>
+                </a:spcAft>
+              </a:pPr>
+              <a:r>
+                <a:rPr lang="en-US" dirty="0" err="1" smtClean="0">
+                  <a:gradFill>
+                    <a:gsLst>
+                      <a:gs pos="0">
+                        <a:srgbClr val="FFFFFF"/>
+                      </a:gs>
+                      <a:gs pos="100000">
+                        <a:srgbClr val="FFFFFF"/>
+                      </a:gs>
+                    </a:gsLst>
+                    <a:lin ang="5400000" scaled="0"/>
+                  </a:gradFill>
+                  <a:ea typeface="Segoe UI" pitchFamily="34" charset="0"/>
+                  <a:cs typeface="Segoe UI" pitchFamily="34" charset="0"/>
+                </a:rPr>
+                <a:t>MonoTouch</a:t>
+              </a:r>
+              <a:endParaRPr lang="en-US" dirty="0" smtClean="0">
+                <a:gradFill>
+                  <a:gsLst>
+                    <a:gs pos="0">
+                      <a:srgbClr val="FFFFFF"/>
+                    </a:gs>
+                    <a:gs pos="100000">
+                      <a:srgbClr val="FFFFFF"/>
+                    </a:gs>
+                  </a:gsLst>
+                  <a:lin ang="5400000" scaled="0"/>
+                </a:gradFill>
+                <a:ea typeface="Segoe UI" pitchFamily="34" charset="0"/>
+                <a:cs typeface="Segoe UI" pitchFamily="34" charset="0"/>
+              </a:endParaRPr>
+            </a:p>
+          </p:txBody>
+        </p:sp>
+        <p:sp>
+          <p:nvSpPr>
+            <p:cNvPr id="13" name="Rectangle 12"/>
+            <p:cNvSpPr/>
+            <p:nvPr/>
+          </p:nvSpPr>
+          <p:spPr bwMode="auto">
+            <a:xfrm>
+              <a:off x="4577710" y="4588097"/>
+              <a:ext cx="2870510" cy="1176110"/>
+            </a:xfrm>
+            <a:prstGeom prst="rect">
+              <a:avLst/>
+            </a:prstGeom>
+            <a:solidFill>
+              <a:schemeClr val="accent5">
+                <a:lumMod val="75000"/>
+              </a:schemeClr>
+            </a:solidFill>
+            <a:ln>
+              <a:solidFill>
+                <a:schemeClr val="tx1">
+                  <a:lumMod val="95000"/>
+                  <a:lumOff val="5000"/>
+                </a:schemeClr>
+              </a:solidFill>
+              <a:headEnd type="none" w="med" len="med"/>
+              <a:tailEnd type="none" w="med" len="med"/>
+            </a:ln>
+            <a:effectLst/>
+          </p:spPr>
+          <p:style>
+            <a:lnRef idx="1">
+              <a:schemeClr val="accent2"/>
+            </a:lnRef>
+            <a:fillRef idx="3">
+              <a:schemeClr val="accent2"/>
+            </a:fillRef>
+            <a:effectRef idx="2">
+              <a:schemeClr val="accent2"/>
+            </a:effectRef>
+            <a:fontRef idx="minor">
+              <a:schemeClr val="lt1"/>
+            </a:fontRef>
+          </p:style>
+          <p:txBody>
+            <a:bodyPr rot="0" spcFirstLastPara="0" vertOverflow="overflow" horzOverflow="overflow" vert="horz" wrap="square" lIns="45720" tIns="45720" rIns="45720" bIns="91440" numCol="1" spcCol="0" rtlCol="0" fromWordArt="0" anchor="b" anchorCtr="0" forceAA="0" compatLnSpc="1">
+              <a:prstTxWarp prst="textNoShape">
+                <a:avLst/>
+              </a:prstTxWarp>
+              <a:noAutofit/>
+            </a:bodyPr>
+            <a:lstStyle/>
+            <a:p>
+              <a:pPr algn="ctr" defTabSz="914099" fontAlgn="base">
+                <a:spcBef>
+                  <a:spcPct val="0"/>
+                </a:spcBef>
+                <a:spcAft>
+                  <a:spcPct val="0"/>
+                </a:spcAft>
+              </a:pPr>
+              <a:r>
+                <a:rPr lang="en-US" dirty="0" smtClean="0">
+                  <a:gradFill>
+                    <a:gsLst>
+                      <a:gs pos="0">
+                        <a:srgbClr val="FFFFFF"/>
+                      </a:gs>
+                      <a:gs pos="100000">
+                        <a:srgbClr val="FFFFFF"/>
+                      </a:gs>
+                    </a:gsLst>
+                    <a:lin ang="5400000" scaled="0"/>
+                  </a:gradFill>
+                  <a:ea typeface="Segoe UI" pitchFamily="34" charset="0"/>
+                  <a:cs typeface="Segoe UI" pitchFamily="34" charset="0"/>
+                </a:rPr>
+                <a:t>Android</a:t>
+              </a:r>
+            </a:p>
+          </p:txBody>
+        </p:sp>
+        <p:sp>
+          <p:nvSpPr>
+            <p:cNvPr id="14" name="Rounded Rectangle 13"/>
+            <p:cNvSpPr/>
+            <p:nvPr/>
+          </p:nvSpPr>
+          <p:spPr bwMode="auto">
+            <a:xfrm>
+              <a:off x="4735365" y="4800900"/>
+              <a:ext cx="2458476" cy="446437"/>
+            </a:xfrm>
+            <a:prstGeom prst="roundRect">
+              <a:avLst/>
+            </a:prstGeom>
+            <a:solidFill>
+              <a:schemeClr val="accent1"/>
+            </a:solidFill>
+            <a:ln>
+              <a:solidFill>
+                <a:schemeClr val="tx1">
+                  <a:lumMod val="95000"/>
+                  <a:lumOff val="5000"/>
+                </a:schemeClr>
+              </a:solidFill>
+              <a:headEnd type="none" w="med" len="med"/>
+              <a:tailEnd type="none" w="med" len="med"/>
+            </a:ln>
+            <a:effectLst/>
+          </p:spPr>
+          <p:style>
+            <a:lnRef idx="1">
+              <a:schemeClr val="accent2"/>
+            </a:lnRef>
+            <a:fillRef idx="3">
+              <a:schemeClr val="accent2"/>
+            </a:fillRef>
+            <a:effectRef idx="2">
+              <a:schemeClr val="accent2"/>
+            </a:effectRef>
+            <a:fontRef idx="minor">
+              <a:schemeClr val="lt1"/>
+            </a:fontRef>
+          </p:style>
+          <p:txBody>
+            <a:bodyPr rot="0" spcFirstLastPara="0" vertOverflow="overflow" horzOverflow="overflow" vert="horz" wrap="square" lIns="45720" tIns="45720" rIns="45720" bIns="45720" numCol="1" spcCol="0" rtlCol="0" fromWordArt="0" anchor="ctr" anchorCtr="0" forceAA="0" compatLnSpc="1">
+              <a:prstTxWarp prst="textNoShape">
+                <a:avLst/>
+              </a:prstTxWarp>
+              <a:noAutofit/>
+            </a:bodyPr>
+            <a:lstStyle/>
+            <a:p>
+              <a:pPr algn="ctr" defTabSz="914099" fontAlgn="base">
+                <a:spcBef>
+                  <a:spcPct val="0"/>
+                </a:spcBef>
+                <a:spcAft>
+                  <a:spcPct val="0"/>
+                </a:spcAft>
+              </a:pPr>
+              <a:r>
+                <a:rPr lang="en-US" dirty="0" smtClean="0">
+                  <a:gradFill>
+                    <a:gsLst>
+                      <a:gs pos="0">
+                        <a:srgbClr val="FFFFFF"/>
+                      </a:gs>
+                      <a:gs pos="100000">
+                        <a:srgbClr val="FFFFFF"/>
+                      </a:gs>
+                    </a:gsLst>
+                    <a:lin ang="5400000" scaled="0"/>
+                  </a:gradFill>
+                  <a:ea typeface="Segoe UI" pitchFamily="34" charset="0"/>
+                  <a:cs typeface="Segoe UI" pitchFamily="34" charset="0"/>
+                </a:rPr>
+                <a:t>Mono for Android</a:t>
+              </a:r>
+            </a:p>
+          </p:txBody>
+        </p:sp>
+        <p:sp>
+          <p:nvSpPr>
+            <p:cNvPr id="16" name="Right Arrow 15"/>
+            <p:cNvSpPr/>
+            <p:nvPr/>
+          </p:nvSpPr>
+          <p:spPr bwMode="auto">
+            <a:xfrm>
+              <a:off x="3675001" y="3578768"/>
+              <a:ext cx="756058" cy="441434"/>
+            </a:xfrm>
+            <a:prstGeom prst="rightArrow">
+              <a:avLst/>
+            </a:prstGeom>
+            <a:solidFill>
+              <a:schemeClr val="accent1"/>
+            </a:solidFill>
+            <a:ln>
+              <a:noFill/>
+              <a:headEnd type="none" w="med" len="med"/>
+              <a:tailEnd type="none" w="med" len="med"/>
+            </a:ln>
+            <a:effectLst/>
+          </p:spPr>
+          <p:style>
+            <a:lnRef idx="1">
+              <a:schemeClr val="accent2"/>
+            </a:lnRef>
+            <a:fillRef idx="3">
+              <a:schemeClr val="accent2"/>
+            </a:fillRef>
+            <a:effectRef idx="2">
+              <a:schemeClr val="accent2"/>
+            </a:effectRef>
+            <a:fontRef idx="minor">
+              <a:schemeClr val="lt1"/>
+            </a:fontRef>
+          </p:style>
+          <p:txBody>
+            <a:bodyPr rot="0" spcFirstLastPara="0" vertOverflow="overflow" horzOverflow="overflow" vert="horz" wrap="square" lIns="45720" tIns="45720" rIns="45720" bIns="45720" numCol="1" spcCol="0" rtlCol="0" fromWordArt="0" anchor="ctr" anchorCtr="0" forceAA="0" compatLnSpc="1">
+              <a:prstTxWarp prst="textNoShape">
+                <a:avLst/>
+              </a:prstTxWarp>
+              <a:noAutofit/>
+            </a:bodyPr>
+            <a:lstStyle/>
+            <a:p>
+              <a:pPr algn="ctr" defTabSz="914099" fontAlgn="base">
+                <a:spcBef>
+                  <a:spcPct val="0"/>
+                </a:spcBef>
+                <a:spcAft>
+                  <a:spcPct val="0"/>
+                </a:spcAft>
+              </a:pPr>
+              <a:endParaRPr lang="en-US" dirty="0" smtClean="0">
+                <a:gradFill>
+                  <a:gsLst>
+                    <a:gs pos="0">
+                      <a:srgbClr val="FFFFFF"/>
+                    </a:gs>
+                    <a:gs pos="100000">
+                      <a:srgbClr val="FFFFFF"/>
+                    </a:gs>
+                  </a:gsLst>
+                  <a:lin ang="5400000" scaled="0"/>
+                </a:gradFill>
+                <a:ea typeface="Segoe UI" pitchFamily="34" charset="0"/>
+                <a:cs typeface="Segoe UI" pitchFamily="34" charset="0"/>
+              </a:endParaRPr>
+            </a:p>
+          </p:txBody>
+        </p:sp>
+        <p:sp>
+          <p:nvSpPr>
+            <p:cNvPr id="17" name="Right Arrow 16"/>
+            <p:cNvSpPr/>
+            <p:nvPr/>
+          </p:nvSpPr>
+          <p:spPr bwMode="auto">
+            <a:xfrm>
+              <a:off x="3680258" y="4981903"/>
+              <a:ext cx="756058" cy="441434"/>
+            </a:xfrm>
+            <a:prstGeom prst="rightArrow">
+              <a:avLst/>
+            </a:prstGeom>
+            <a:solidFill>
+              <a:schemeClr val="accent1"/>
+            </a:solidFill>
+            <a:ln>
+              <a:noFill/>
+              <a:headEnd type="none" w="med" len="med"/>
+              <a:tailEnd type="none" w="med" len="med"/>
+            </a:ln>
+            <a:effectLst/>
+          </p:spPr>
+          <p:style>
+            <a:lnRef idx="1">
+              <a:schemeClr val="accent2"/>
+            </a:lnRef>
+            <a:fillRef idx="3">
+              <a:schemeClr val="accent2"/>
+            </a:fillRef>
+            <a:effectRef idx="2">
+              <a:schemeClr val="accent2"/>
+            </a:effectRef>
+            <a:fontRef idx="minor">
+              <a:schemeClr val="lt1"/>
+            </a:fontRef>
+          </p:style>
+          <p:txBody>
+            <a:bodyPr rot="0" spcFirstLastPara="0" vertOverflow="overflow" horzOverflow="overflow" vert="horz" wrap="square" lIns="45720" tIns="45720" rIns="45720" bIns="45720" numCol="1" spcCol="0" rtlCol="0" fromWordArt="0" anchor="ctr" anchorCtr="0" forceAA="0" compatLnSpc="1">
+              <a:prstTxWarp prst="textNoShape">
+                <a:avLst/>
+              </a:prstTxWarp>
+              <a:noAutofit/>
+            </a:bodyPr>
+            <a:lstStyle/>
+            <a:p>
+              <a:pPr algn="ctr" defTabSz="914099" fontAlgn="base">
+                <a:spcBef>
+                  <a:spcPct val="0"/>
+                </a:spcBef>
+                <a:spcAft>
+                  <a:spcPct val="0"/>
+                </a:spcAft>
+              </a:pPr>
+              <a:endParaRPr lang="en-US" dirty="0" smtClean="0">
+                <a:gradFill>
+                  <a:gsLst>
+                    <a:gs pos="0">
+                      <a:srgbClr val="FFFFFF"/>
+                    </a:gs>
+                    <a:gs pos="100000">
+                      <a:srgbClr val="FFFFFF"/>
+                    </a:gs>
+                  </a:gsLst>
+                  <a:lin ang="5400000" scaled="0"/>
+                </a:gradFill>
+                <a:ea typeface="Segoe UI" pitchFamily="34" charset="0"/>
+                <a:cs typeface="Segoe UI" pitchFamily="34" charset="0"/>
+              </a:endParaRPr>
+            </a:p>
+          </p:txBody>
+        </p:sp>
+        <p:sp>
+          <p:nvSpPr>
+            <p:cNvPr id="18" name="Rectangle 17"/>
+            <p:cNvSpPr/>
+            <p:nvPr/>
+          </p:nvSpPr>
+          <p:spPr bwMode="auto">
+            <a:xfrm>
+              <a:off x="8540106" y="3179721"/>
+              <a:ext cx="2870510" cy="1176110"/>
+            </a:xfrm>
+            <a:prstGeom prst="rect">
+              <a:avLst/>
+            </a:prstGeom>
+            <a:solidFill>
+              <a:schemeClr val="accent4">
+                <a:lumMod val="75000"/>
+              </a:schemeClr>
+            </a:solidFill>
+            <a:ln>
+              <a:solidFill>
+                <a:schemeClr val="tx1">
+                  <a:lumMod val="95000"/>
+                  <a:lumOff val="5000"/>
+                </a:schemeClr>
+              </a:solidFill>
+              <a:headEnd type="none" w="med" len="med"/>
+              <a:tailEnd type="none" w="med" len="med"/>
+            </a:ln>
+            <a:effectLst/>
+          </p:spPr>
+          <p:style>
+            <a:lnRef idx="1">
+              <a:schemeClr val="accent2"/>
+            </a:lnRef>
+            <a:fillRef idx="3">
+              <a:schemeClr val="accent2"/>
+            </a:fillRef>
+            <a:effectRef idx="2">
+              <a:schemeClr val="accent2"/>
+            </a:effectRef>
+            <a:fontRef idx="minor">
+              <a:schemeClr val="lt1"/>
+            </a:fontRef>
+          </p:style>
+          <p:txBody>
+            <a:bodyPr rot="0" spcFirstLastPara="0" vertOverflow="overflow" horzOverflow="overflow" vert="horz" wrap="square" lIns="45720" tIns="45720" rIns="45720" bIns="91440" numCol="1" spcCol="0" rtlCol="0" fromWordArt="0" anchor="b" anchorCtr="0" forceAA="0" compatLnSpc="1">
+              <a:prstTxWarp prst="textNoShape">
+                <a:avLst/>
+              </a:prstTxWarp>
+              <a:noAutofit/>
+            </a:bodyPr>
+            <a:lstStyle/>
+            <a:p>
+              <a:pPr algn="ctr" defTabSz="914099" fontAlgn="base">
+                <a:spcBef>
+                  <a:spcPct val="0"/>
+                </a:spcBef>
+                <a:spcAft>
+                  <a:spcPct val="0"/>
+                </a:spcAft>
+              </a:pPr>
+              <a:r>
+                <a:rPr lang="en-US" dirty="0" smtClean="0">
+                  <a:gradFill>
+                    <a:gsLst>
+                      <a:gs pos="0">
+                        <a:srgbClr val="FFFFFF"/>
+                      </a:gs>
+                      <a:gs pos="100000">
+                        <a:srgbClr val="FFFFFF"/>
+                      </a:gs>
+                    </a:gsLst>
+                    <a:lin ang="5400000" scaled="0"/>
+                  </a:gradFill>
+                  <a:ea typeface="Segoe UI" pitchFamily="34" charset="0"/>
+                  <a:cs typeface="Segoe UI" pitchFamily="34" charset="0"/>
+                </a:rPr>
+                <a:t>iOS</a:t>
+              </a:r>
+            </a:p>
+          </p:txBody>
+        </p:sp>
+        <p:sp>
+          <p:nvSpPr>
+            <p:cNvPr id="19" name="Rounded Rectangle 18"/>
+            <p:cNvSpPr/>
+            <p:nvPr/>
+          </p:nvSpPr>
+          <p:spPr bwMode="auto">
+            <a:xfrm>
+              <a:off x="8697761" y="3392524"/>
+              <a:ext cx="2458476" cy="446437"/>
+            </a:xfrm>
+            <a:prstGeom prst="roundRect">
+              <a:avLst/>
+            </a:prstGeom>
+            <a:solidFill>
+              <a:schemeClr val="accent1"/>
+            </a:solidFill>
+            <a:ln>
+              <a:solidFill>
+                <a:schemeClr val="tx1">
+                  <a:lumMod val="95000"/>
+                  <a:lumOff val="5000"/>
+                </a:schemeClr>
+              </a:solidFill>
+              <a:headEnd type="none" w="med" len="med"/>
+              <a:tailEnd type="none" w="med" len="med"/>
+            </a:ln>
+            <a:effectLst/>
+          </p:spPr>
+          <p:style>
+            <a:lnRef idx="1">
+              <a:schemeClr val="accent2"/>
+            </a:lnRef>
+            <a:fillRef idx="3">
+              <a:schemeClr val="accent2"/>
+            </a:fillRef>
+            <a:effectRef idx="2">
+              <a:schemeClr val="accent2"/>
+            </a:effectRef>
+            <a:fontRef idx="minor">
+              <a:schemeClr val="lt1"/>
+            </a:fontRef>
+          </p:style>
+          <p:txBody>
+            <a:bodyPr rot="0" spcFirstLastPara="0" vertOverflow="overflow" horzOverflow="overflow" vert="horz" wrap="square" lIns="45720" tIns="45720" rIns="45720" bIns="45720" numCol="1" spcCol="0" rtlCol="0" fromWordArt="0" anchor="ctr" anchorCtr="0" forceAA="0" compatLnSpc="1">
+              <a:prstTxWarp prst="textNoShape">
+                <a:avLst/>
+              </a:prstTxWarp>
+              <a:noAutofit/>
+            </a:bodyPr>
+            <a:lstStyle/>
+            <a:p>
+              <a:pPr algn="ctr" defTabSz="914099" fontAlgn="base">
+                <a:spcBef>
+                  <a:spcPct val="0"/>
+                </a:spcBef>
+                <a:spcAft>
+                  <a:spcPct val="0"/>
+                </a:spcAft>
+              </a:pPr>
+              <a:r>
+                <a:rPr lang="en-US" dirty="0" err="1" smtClean="0">
+                  <a:gradFill>
+                    <a:gsLst>
+                      <a:gs pos="0">
+                        <a:srgbClr val="FFFFFF"/>
+                      </a:gs>
+                      <a:gs pos="100000">
+                        <a:srgbClr val="FFFFFF"/>
+                      </a:gs>
+                    </a:gsLst>
+                    <a:lin ang="5400000" scaled="0"/>
+                  </a:gradFill>
+                  <a:ea typeface="Segoe UI" pitchFamily="34" charset="0"/>
+                  <a:cs typeface="Segoe UI" pitchFamily="34" charset="0"/>
+                </a:rPr>
+                <a:t>Xamarin.iOS</a:t>
+              </a:r>
+              <a:endParaRPr lang="en-US" dirty="0" smtClean="0">
+                <a:gradFill>
+                  <a:gsLst>
+                    <a:gs pos="0">
+                      <a:srgbClr val="FFFFFF"/>
+                    </a:gs>
+                    <a:gs pos="100000">
+                      <a:srgbClr val="FFFFFF"/>
+                    </a:gs>
+                  </a:gsLst>
+                  <a:lin ang="5400000" scaled="0"/>
+                </a:gradFill>
+                <a:ea typeface="Segoe UI" pitchFamily="34" charset="0"/>
+                <a:cs typeface="Segoe UI" pitchFamily="34" charset="0"/>
+              </a:endParaRPr>
+            </a:p>
+          </p:txBody>
+        </p:sp>
+        <p:sp>
+          <p:nvSpPr>
+            <p:cNvPr id="20" name="Rectangle 19"/>
+            <p:cNvSpPr/>
+            <p:nvPr/>
+          </p:nvSpPr>
+          <p:spPr bwMode="auto">
+            <a:xfrm>
+              <a:off x="8566380" y="4582847"/>
+              <a:ext cx="2870510" cy="1176110"/>
+            </a:xfrm>
+            <a:prstGeom prst="rect">
+              <a:avLst/>
+            </a:prstGeom>
+            <a:solidFill>
+              <a:schemeClr val="accent4">
+                <a:lumMod val="50000"/>
+              </a:schemeClr>
+            </a:solidFill>
+            <a:ln>
+              <a:solidFill>
+                <a:schemeClr val="tx1">
+                  <a:lumMod val="95000"/>
+                  <a:lumOff val="5000"/>
+                </a:schemeClr>
+              </a:solidFill>
+              <a:headEnd type="none" w="med" len="med"/>
+              <a:tailEnd type="none" w="med" len="med"/>
+            </a:ln>
+            <a:effectLst/>
+          </p:spPr>
+          <p:style>
+            <a:lnRef idx="1">
+              <a:schemeClr val="accent2"/>
+            </a:lnRef>
+            <a:fillRef idx="3">
+              <a:schemeClr val="accent2"/>
+            </a:fillRef>
+            <a:effectRef idx="2">
+              <a:schemeClr val="accent2"/>
+            </a:effectRef>
+            <a:fontRef idx="minor">
+              <a:schemeClr val="lt1"/>
+            </a:fontRef>
+          </p:style>
+          <p:txBody>
+            <a:bodyPr rot="0" spcFirstLastPara="0" vertOverflow="overflow" horzOverflow="overflow" vert="horz" wrap="square" lIns="45720" tIns="45720" rIns="45720" bIns="91440" numCol="1" spcCol="0" rtlCol="0" fromWordArt="0" anchor="b" anchorCtr="0" forceAA="0" compatLnSpc="1">
+              <a:prstTxWarp prst="textNoShape">
+                <a:avLst/>
+              </a:prstTxWarp>
+              <a:noAutofit/>
+            </a:bodyPr>
+            <a:lstStyle/>
+            <a:p>
+              <a:pPr algn="ctr" defTabSz="914099" fontAlgn="base">
+                <a:spcBef>
+                  <a:spcPct val="0"/>
+                </a:spcBef>
+                <a:spcAft>
+                  <a:spcPct val="0"/>
+                </a:spcAft>
+              </a:pPr>
+              <a:r>
+                <a:rPr lang="en-US" dirty="0" smtClean="0">
+                  <a:gradFill>
+                    <a:gsLst>
+                      <a:gs pos="0">
+                        <a:srgbClr val="FFFFFF"/>
+                      </a:gs>
+                      <a:gs pos="100000">
+                        <a:srgbClr val="FFFFFF"/>
+                      </a:gs>
+                    </a:gsLst>
+                    <a:lin ang="5400000" scaled="0"/>
+                  </a:gradFill>
+                  <a:ea typeface="Segoe UI" pitchFamily="34" charset="0"/>
+                  <a:cs typeface="Segoe UI" pitchFamily="34" charset="0"/>
+                </a:rPr>
+                <a:t>Android</a:t>
+              </a:r>
+            </a:p>
+          </p:txBody>
+        </p:sp>
+        <p:sp>
+          <p:nvSpPr>
+            <p:cNvPr id="21" name="Rounded Rectangle 20"/>
+            <p:cNvSpPr/>
+            <p:nvPr/>
+          </p:nvSpPr>
+          <p:spPr bwMode="auto">
+            <a:xfrm>
+              <a:off x="8724035" y="4795650"/>
+              <a:ext cx="2458476" cy="446437"/>
+            </a:xfrm>
+            <a:prstGeom prst="roundRect">
+              <a:avLst/>
+            </a:prstGeom>
+            <a:solidFill>
+              <a:schemeClr val="accent1"/>
+            </a:solidFill>
+            <a:ln>
+              <a:solidFill>
+                <a:schemeClr val="tx1">
+                  <a:lumMod val="95000"/>
+                  <a:lumOff val="5000"/>
+                </a:schemeClr>
+              </a:solidFill>
+              <a:headEnd type="none" w="med" len="med"/>
+              <a:tailEnd type="none" w="med" len="med"/>
+            </a:ln>
+            <a:effectLst/>
+          </p:spPr>
+          <p:style>
+            <a:lnRef idx="1">
+              <a:schemeClr val="accent2"/>
+            </a:lnRef>
+            <a:fillRef idx="3">
+              <a:schemeClr val="accent2"/>
+            </a:fillRef>
+            <a:effectRef idx="2">
+              <a:schemeClr val="accent2"/>
+            </a:effectRef>
+            <a:fontRef idx="minor">
+              <a:schemeClr val="lt1"/>
+            </a:fontRef>
+          </p:style>
+          <p:txBody>
+            <a:bodyPr rot="0" spcFirstLastPara="0" vertOverflow="overflow" horzOverflow="overflow" vert="horz" wrap="square" lIns="45720" tIns="45720" rIns="45720" bIns="45720" numCol="1" spcCol="0" rtlCol="0" fromWordArt="0" anchor="ctr" anchorCtr="0" forceAA="0" compatLnSpc="1">
+              <a:prstTxWarp prst="textNoShape">
+                <a:avLst/>
+              </a:prstTxWarp>
+              <a:noAutofit/>
+            </a:bodyPr>
+            <a:lstStyle/>
+            <a:p>
+              <a:pPr algn="ctr" defTabSz="914099" fontAlgn="base">
+                <a:spcBef>
+                  <a:spcPct val="0"/>
+                </a:spcBef>
+                <a:spcAft>
+                  <a:spcPct val="0"/>
+                </a:spcAft>
+              </a:pPr>
+              <a:r>
+                <a:rPr lang="en-US" dirty="0" err="1" smtClean="0">
+                  <a:gradFill>
+                    <a:gsLst>
+                      <a:gs pos="0">
+                        <a:srgbClr val="FFFFFF"/>
+                      </a:gs>
+                      <a:gs pos="100000">
+                        <a:srgbClr val="FFFFFF"/>
+                      </a:gs>
+                    </a:gsLst>
+                    <a:lin ang="5400000" scaled="0"/>
+                  </a:gradFill>
+                  <a:ea typeface="Segoe UI" pitchFamily="34" charset="0"/>
+                  <a:cs typeface="Segoe UI" pitchFamily="34" charset="0"/>
+                </a:rPr>
+                <a:t>Xamarin.Android</a:t>
+              </a:r>
+              <a:endParaRPr lang="en-US" dirty="0" smtClean="0">
+                <a:gradFill>
+                  <a:gsLst>
+                    <a:gs pos="0">
+                      <a:srgbClr val="FFFFFF"/>
+                    </a:gs>
+                    <a:gs pos="100000">
+                      <a:srgbClr val="FFFFFF"/>
+                    </a:gs>
+                  </a:gsLst>
+                  <a:lin ang="5400000" scaled="0"/>
+                </a:gradFill>
+                <a:ea typeface="Segoe UI" pitchFamily="34" charset="0"/>
+                <a:cs typeface="Segoe UI" pitchFamily="34" charset="0"/>
+              </a:endParaRPr>
+            </a:p>
+          </p:txBody>
+        </p:sp>
+        <p:sp>
+          <p:nvSpPr>
+            <p:cNvPr id="22" name="Right Arrow 21"/>
+            <p:cNvSpPr/>
+            <p:nvPr/>
+          </p:nvSpPr>
+          <p:spPr bwMode="auto">
+            <a:xfrm>
+              <a:off x="7663671" y="3573518"/>
+              <a:ext cx="756058" cy="441434"/>
+            </a:xfrm>
+            <a:prstGeom prst="rightArrow">
+              <a:avLst/>
+            </a:prstGeom>
+            <a:solidFill>
+              <a:schemeClr val="accent1"/>
+            </a:solidFill>
+            <a:ln>
+              <a:noFill/>
+              <a:headEnd type="none" w="med" len="med"/>
+              <a:tailEnd type="none" w="med" len="med"/>
+            </a:ln>
+            <a:effectLst/>
+          </p:spPr>
+          <p:style>
+            <a:lnRef idx="1">
+              <a:schemeClr val="accent2"/>
+            </a:lnRef>
+            <a:fillRef idx="3">
+              <a:schemeClr val="accent2"/>
+            </a:fillRef>
+            <a:effectRef idx="2">
+              <a:schemeClr val="accent2"/>
+            </a:effectRef>
+            <a:fontRef idx="minor">
+              <a:schemeClr val="lt1"/>
+            </a:fontRef>
+          </p:style>
+          <p:txBody>
+            <a:bodyPr rot="0" spcFirstLastPara="0" vertOverflow="overflow" horzOverflow="overflow" vert="horz" wrap="square" lIns="45720" tIns="45720" rIns="45720" bIns="45720" numCol="1" spcCol="0" rtlCol="0" fromWordArt="0" anchor="ctr" anchorCtr="0" forceAA="0" compatLnSpc="1">
+              <a:prstTxWarp prst="textNoShape">
+                <a:avLst/>
+              </a:prstTxWarp>
+              <a:noAutofit/>
+            </a:bodyPr>
+            <a:lstStyle/>
+            <a:p>
+              <a:pPr algn="ctr" defTabSz="914099" fontAlgn="base">
+                <a:spcBef>
+                  <a:spcPct val="0"/>
+                </a:spcBef>
+                <a:spcAft>
+                  <a:spcPct val="0"/>
+                </a:spcAft>
+              </a:pPr>
+              <a:endParaRPr lang="en-US" dirty="0" smtClean="0">
+                <a:gradFill>
+                  <a:gsLst>
+                    <a:gs pos="0">
+                      <a:srgbClr val="FFFFFF"/>
+                    </a:gs>
+                    <a:gs pos="100000">
+                      <a:srgbClr val="FFFFFF"/>
+                    </a:gs>
+                  </a:gsLst>
+                  <a:lin ang="5400000" scaled="0"/>
+                </a:gradFill>
+                <a:ea typeface="Segoe UI" pitchFamily="34" charset="0"/>
+                <a:cs typeface="Segoe UI" pitchFamily="34" charset="0"/>
+              </a:endParaRPr>
+            </a:p>
+          </p:txBody>
+        </p:sp>
+        <p:sp>
+          <p:nvSpPr>
+            <p:cNvPr id="23" name="Right Arrow 22"/>
+            <p:cNvSpPr/>
+            <p:nvPr/>
+          </p:nvSpPr>
+          <p:spPr bwMode="auto">
+            <a:xfrm>
+              <a:off x="7668928" y="4976653"/>
+              <a:ext cx="756058" cy="441434"/>
+            </a:xfrm>
+            <a:prstGeom prst="rightArrow">
+              <a:avLst/>
+            </a:prstGeom>
+            <a:solidFill>
+              <a:schemeClr val="accent1"/>
+            </a:solidFill>
+            <a:ln>
+              <a:noFill/>
+              <a:headEnd type="none" w="med" len="med"/>
+              <a:tailEnd type="none" w="med" len="med"/>
+            </a:ln>
+            <a:effectLst/>
+          </p:spPr>
+          <p:style>
+            <a:lnRef idx="1">
+              <a:schemeClr val="accent2"/>
+            </a:lnRef>
+            <a:fillRef idx="3">
+              <a:schemeClr val="accent2"/>
+            </a:fillRef>
+            <a:effectRef idx="2">
+              <a:schemeClr val="accent2"/>
+            </a:effectRef>
+            <a:fontRef idx="minor">
+              <a:schemeClr val="lt1"/>
+            </a:fontRef>
+          </p:style>
+          <p:txBody>
+            <a:bodyPr rot="0" spcFirstLastPara="0" vertOverflow="overflow" horzOverflow="overflow" vert="horz" wrap="square" lIns="45720" tIns="45720" rIns="45720" bIns="45720" numCol="1" spcCol="0" rtlCol="0" fromWordArt="0" anchor="ctr" anchorCtr="0" forceAA="0" compatLnSpc="1">
+              <a:prstTxWarp prst="textNoShape">
+                <a:avLst/>
+              </a:prstTxWarp>
+              <a:noAutofit/>
+            </a:bodyPr>
+            <a:lstStyle/>
+            <a:p>
+              <a:pPr algn="ctr" defTabSz="914099" fontAlgn="base">
+                <a:spcBef>
+                  <a:spcPct val="0"/>
+                </a:spcBef>
+                <a:spcAft>
+                  <a:spcPct val="0"/>
+                </a:spcAft>
+              </a:pPr>
+              <a:endParaRPr lang="en-US" dirty="0" smtClean="0">
+                <a:gradFill>
+                  <a:gsLst>
+                    <a:gs pos="0">
+                      <a:srgbClr val="FFFFFF"/>
+                    </a:gs>
+                    <a:gs pos="100000">
+                      <a:srgbClr val="FFFFFF"/>
+                    </a:gs>
+                  </a:gsLst>
+                  <a:lin ang="5400000" scaled="0"/>
+                </a:gradFill>
+                <a:ea typeface="Segoe UI" pitchFamily="34" charset="0"/>
+                <a:cs typeface="Segoe UI" pitchFamily="34" charset="0"/>
+              </a:endParaRPr>
+            </a:p>
+          </p:txBody>
+        </p:sp>
+      </p:grpSp>
+    </p:spTree>
+    <p:extLst>
+      <p:ext uri="{BB962C8B-B14F-4D97-AF65-F5344CB8AC3E}">
+        <p14:creationId xmlns:p14="http://schemas.microsoft.com/office/powerpoint/2010/main" val="1558485349"/>
+      </p:ext>
+    </p:extLst>
+  </p:cSld>
+  <p:clrMapOvr>
+    <a:masterClrMapping/>
+  </p:clrMapOvr>
+  <p:transition>
+    <p:fade/>
+  </p:transition>
+  <p:timing>
+    <p:tnLst>
+      <p:par>
+        <p:cTn id="1" dur="indefinite" restart="never" nodeType="tmRoot"/>
+      </p:par>
+    </p:tnLst>
+  </p:timing>
+</p:sld>
+</file>
+
+<file path=ppt/slides/slide9.xml><?xml version="1.0" encoding="utf-8"?>
+<p:sld xmlns:a="http://schemas.openxmlformats.org/drawingml/2006/main" xmlns:r="http://schemas.openxmlformats.org/officeDocument/2006/relationships" xmlns:p="http://schemas.openxmlformats.org/presentationml/2006/main">
+  <p:cSld>
+    <p:spTree>
+      <p:nvGrpSpPr>
+        <p:cNvPr id="1" name=""/>
+        <p:cNvGrpSpPr/>
+        <p:nvPr/>
+      </p:nvGrpSpPr>
+      <p:grpSpPr>
+        <a:xfrm>
+          <a:off x="0" y="0"/>
+          <a:ext cx="0" cy="0"/>
+          <a:chOff x="0" y="0"/>
+          <a:chExt cx="0" cy="0"/>
+        </a:xfrm>
+      </p:grpSpPr>
+      <p:sp>
+        <p:nvSpPr>
+          <p:cNvPr id="2" name="Title 1"/>
+          <p:cNvSpPr>
+            <a:spLocks noGrp="1"/>
+          </p:cNvSpPr>
+          <p:nvPr>
+            <p:ph type="title"/>
+          </p:nvPr>
+        </p:nvSpPr>
+        <p:spPr/>
+        <p:txBody>
+          <a:bodyPr/>
+          <a:lstStyle/>
+          <a:p>
+            <a:r>
+              <a:rPr lang="en-US" dirty="0" smtClean="0"/>
+              <a:t>What Problems does Xamarin Solve?</a:t>
+            </a:r>
+            <a:endParaRPr lang="en-US" dirty="0"/>
+          </a:p>
+        </p:txBody>
+      </p:sp>
+      <p:sp>
+        <p:nvSpPr>
+          <p:cNvPr id="3" name="Text Placeholder 2"/>
+          <p:cNvSpPr>
+            <a:spLocks noGrp="1"/>
+          </p:cNvSpPr>
+          <p:nvPr>
+            <p:ph type="body" sz="quarter" idx="10"/>
+          </p:nvPr>
+        </p:nvSpPr>
+        <p:spPr/>
+        <p:txBody>
+          <a:bodyPr/>
+          <a:lstStyle/>
+          <a:p>
+            <a:r>
+              <a:rPr lang="en-US" dirty="0" smtClean="0"/>
+              <a:t>Let’s compare Android</a:t>
+            </a:r>
+            <a:r>
+              <a:rPr lang="en-US" dirty="0" smtClean="0"/>
+              <a:t>, iOS and Windows Phone</a:t>
+            </a:r>
+          </a:p>
+          <a:p>
+            <a:pPr lvl="1"/>
+            <a:r>
+              <a:rPr lang="en-US" dirty="0" smtClean="0"/>
+              <a:t>Significant differences in toolsets</a:t>
+            </a:r>
+          </a:p>
+          <a:p>
+            <a:pPr lvl="1"/>
+            <a:r>
+              <a:rPr lang="en-US" dirty="0"/>
+              <a:t>Significant differences in </a:t>
+            </a:r>
+            <a:r>
+              <a:rPr lang="en-US" dirty="0" smtClean="0"/>
+              <a:t>UI/UX models</a:t>
+            </a:r>
+          </a:p>
+          <a:p>
+            <a:pPr lvl="1"/>
+            <a:r>
+              <a:rPr lang="en-US" dirty="0"/>
+              <a:t>Significant differences </a:t>
+            </a:r>
+            <a:r>
+              <a:rPr lang="en-US" dirty="0" smtClean="0"/>
+              <a:t>in execution models</a:t>
+            </a:r>
+          </a:p>
+          <a:p>
+            <a:pPr>
+              <a:lnSpc>
+                <a:spcPct val="150000"/>
+              </a:lnSpc>
+            </a:pPr>
+            <a:r>
+              <a:rPr lang="en-US" dirty="0" smtClean="0"/>
+              <a:t>Bringing.NET platform to </a:t>
+            </a:r>
+            <a:r>
+              <a:rPr lang="en-US" dirty="0" smtClean="0"/>
+              <a:t>Android and iOS is difficult</a:t>
+            </a:r>
+          </a:p>
+          <a:p>
+            <a:pPr lvl="1"/>
+            <a:r>
+              <a:rPr lang="en-US" dirty="0" smtClean="0"/>
+              <a:t>Android and iOS platforms have unique </a:t>
+            </a:r>
+            <a:r>
+              <a:rPr lang="en-US" dirty="0" smtClean="0"/>
+              <a:t>runtime </a:t>
+            </a:r>
+            <a:r>
+              <a:rPr lang="en-US" dirty="0" smtClean="0"/>
+              <a:t>environments</a:t>
+            </a:r>
+            <a:endParaRPr lang="en-US" dirty="0" smtClean="0"/>
+          </a:p>
+          <a:p>
+            <a:pPr lvl="1"/>
+            <a:r>
+              <a:rPr lang="en-US" dirty="0" smtClean="0"/>
+              <a:t>Environments very different from </a:t>
+            </a:r>
+            <a:r>
+              <a:rPr lang="en-US" dirty="0" smtClean="0"/>
+              <a:t>.NET’s Common Language Runtime (CLR)</a:t>
+            </a:r>
+            <a:endParaRPr lang="en-US" dirty="0" smtClean="0"/>
+          </a:p>
+          <a:p>
+            <a:pPr lvl="1"/>
+            <a:r>
+              <a:rPr lang="en-US" dirty="0" smtClean="0"/>
+              <a:t>Environments for Android and iOS significantly </a:t>
+            </a:r>
+            <a:r>
+              <a:rPr lang="en-US" dirty="0" smtClean="0"/>
+              <a:t>difference from each other</a:t>
+            </a:r>
+          </a:p>
+          <a:p>
+            <a:pPr lvl="1"/>
+            <a:endParaRPr lang="en-US" dirty="0"/>
+          </a:p>
+        </p:txBody>
+      </p:sp>
+      <p:sp>
+        <p:nvSpPr>
+          <p:cNvPr id="4" name="Slide Number Placeholder 3"/>
+          <p:cNvSpPr>
+            <a:spLocks noGrp="1"/>
+          </p:cNvSpPr>
+          <p:nvPr>
+            <p:ph type="sldNum" sz="quarter" idx="12"/>
+          </p:nvPr>
+        </p:nvSpPr>
+        <p:spPr/>
+        <p:txBody>
+          <a:bodyPr/>
+          <a:lstStyle/>
+          <a:p>
+            <a:fld id="{727B4C2D-45E2-4621-8491-2995EB46A674}" type="slidenum">
+              <a:rPr lang="en-US" smtClean="0"/>
+              <a:pPr/>
+              <a:t>9</a:t>
+            </a:fld>
+            <a:endParaRPr lang="en-US" dirty="0"/>
+          </a:p>
+        </p:txBody>
+      </p:sp>
+    </p:spTree>
+    <p:extLst>
+      <p:ext uri="{BB962C8B-B14F-4D97-AF65-F5344CB8AC3E}">
+        <p14:creationId xmlns:p14="http://schemas.microsoft.com/office/powerpoint/2010/main" val="1796431704"/>
       </p:ext>
     </p:extLst>
   </p:cSld>
@@ -23546,6 +23616,15 @@
 </file>
 
 <file path=customXml/item2.xml><?xml version="1.0" encoding="utf-8"?>
+<?mso-contentType ?>
+<FormTemplates xmlns="http://schemas.microsoft.com/sharepoint/v3/contenttype/forms">
+  <Display>DocumentLibraryForm</Display>
+  <Edit>DocumentLibraryForm</Edit>
+  <New>DocumentLibraryForm</New>
+</FormTemplates>
+</file>
+
+<file path=customXml/item3.xml><?xml version="1.0" encoding="utf-8"?>
 <ct:contentTypeSchema xmlns:ct="http://schemas.microsoft.com/office/2006/metadata/contentType" xmlns:ma="http://schemas.microsoft.com/office/2006/metadata/properties/metaAttributes" ct:_="" ma:_="" ma:contentTypeName="Document" ma:contentTypeID="0x010100A2E4C90AA7333249A7DBC8CC6F49919B" ma:contentTypeVersion="1" ma:contentTypeDescription="Create a new document." ma:contentTypeScope="" ma:versionID="e7b09f0f38d7ed30c7da14951e97abcc">
   <xsd:schema xmlns:xsd="http://www.w3.org/2001/XMLSchema" xmlns:xs="http://www.w3.org/2001/XMLSchema" xmlns:p="http://schemas.microsoft.com/office/2006/metadata/properties" xmlns:ns2="5fad15d0-477e-40da-a20d-40d4ca777cbd" targetNamespace="http://schemas.microsoft.com/office/2006/metadata/properties" ma:root="true" ma:fieldsID="0cee24db179c30c5ebec40b677cadf70" ns2:_="">
     <xsd:import namespace="5fad15d0-477e-40da-a20d-40d4ca777cbd"/>
@@ -23685,32 +23764,31 @@
 </ct:contentTypeSchema>
 </file>
 
-<file path=customXml/item3.xml><?xml version="1.0" encoding="utf-8"?>
-<?mso-contentType ?>
-<FormTemplates xmlns="http://schemas.microsoft.com/sharepoint/v3/contenttype/forms">
-  <Display>DocumentLibraryForm</Display>
-  <Edit>DocumentLibraryForm</Edit>
-  <New>DocumentLibraryForm</New>
-</FormTemplates>
-</file>
-
 <file path=customXml/itemProps1.xml><?xml version="1.0" encoding="utf-8"?>
 <ds:datastoreItem xmlns:ds="http://schemas.openxmlformats.org/officeDocument/2006/customXml" ds:itemID="{DA593625-DB14-4FB0-B5A9-3269FA9C120B}">
   <ds:schemaRefs>
-    <ds:schemaRef ds:uri="http://www.w3.org/XML/1998/namespace"/>
+    <ds:schemaRef ds:uri="5fad15d0-477e-40da-a20d-40d4ca777cbd"/>
+    <ds:schemaRef ds:uri="http://schemas.microsoft.com/office/infopath/2007/PartnerControls"/>
     <ds:schemaRef ds:uri="http://purl.org/dc/terms/"/>
-    <ds:schemaRef ds:uri="5fad15d0-477e-40da-a20d-40d4ca777cbd"/>
     <ds:schemaRef ds:uri="http://purl.org/dc/elements/1.1/"/>
+    <ds:schemaRef ds:uri="http://schemas.microsoft.com/office/2006/metadata/properties"/>
     <ds:schemaRef ds:uri="http://schemas.microsoft.com/office/2006/documentManagement/types"/>
     <ds:schemaRef ds:uri="http://purl.org/dc/dcmitype/"/>
-    <ds:schemaRef ds:uri="http://schemas.microsoft.com/office/2006/metadata/properties"/>
     <ds:schemaRef ds:uri="http://schemas.openxmlformats.org/package/2006/metadata/core-properties"/>
-    <ds:schemaRef ds:uri="http://schemas.microsoft.com/office/infopath/2007/PartnerControls"/>
+    <ds:schemaRef ds:uri="http://www.w3.org/XML/1998/namespace"/>
   </ds:schemaRefs>
 </ds:datastoreItem>
 </file>
 
 <file path=customXml/itemProps2.xml><?xml version="1.0" encoding="utf-8"?>
+<ds:datastoreItem xmlns:ds="http://schemas.openxmlformats.org/officeDocument/2006/customXml" ds:itemID="{E1E0CE18-CA03-4891-9CD8-3448778E3D53}">
+  <ds:schemaRefs>
+    <ds:schemaRef ds:uri="http://schemas.microsoft.com/sharepoint/v3/contenttype/forms"/>
+  </ds:schemaRefs>
+</ds:datastoreItem>
+</file>
+
+<file path=customXml/itemProps3.xml><?xml version="1.0" encoding="utf-8"?>
 <ds:datastoreItem xmlns:ds="http://schemas.openxmlformats.org/officeDocument/2006/customXml" ds:itemID="{F17DCE38-6787-497B-B958-75817420EB1E}">
   <ds:schemaRefs>
     <ds:schemaRef ds:uri="http://schemas.microsoft.com/office/2006/metadata/contentType"/>
@@ -23726,12 +23804,4 @@
     <ds:schemaRef ds:uri="http://schemas.microsoft.com/internal/obd"/>
   </ds:schemaRefs>
 </ds:datastoreItem>
-</file>
-
-<file path=customXml/itemProps3.xml><?xml version="1.0" encoding="utf-8"?>
-<ds:datastoreItem xmlns:ds="http://schemas.openxmlformats.org/officeDocument/2006/customXml" ds:itemID="{E1E0CE18-CA03-4891-9CD8-3448778E3D53}">
-  <ds:schemaRefs>
-    <ds:schemaRef ds:uri="http://schemas.microsoft.com/sharepoint/v3/contenttype/forms"/>
-  </ds:schemaRefs>
-</ds:datastoreItem>
 </file>